--- a/presentation/Presentation.pptx
+++ b/presentation/Presentation.pptx
@@ -4,21 +4,27 @@
   <p:sldMasterIdLst>
     <p:sldMasterId id="2147483648" r:id="rId1"/>
   </p:sldMasterIdLst>
+  <p:notesMasterIdLst>
+    <p:notesMasterId r:id="rId19"/>
+  </p:notesMasterIdLst>
   <p:sldIdLst>
     <p:sldId id="256" r:id="rId2"/>
     <p:sldId id="257" r:id="rId3"/>
     <p:sldId id="258" r:id="rId4"/>
     <p:sldId id="259" r:id="rId5"/>
     <p:sldId id="260" r:id="rId6"/>
-    <p:sldId id="261" r:id="rId7"/>
-    <p:sldId id="262" r:id="rId8"/>
-    <p:sldId id="263" r:id="rId9"/>
-    <p:sldId id="264" r:id="rId10"/>
-    <p:sldId id="265" r:id="rId11"/>
-    <p:sldId id="266" r:id="rId12"/>
-    <p:sldId id="267" r:id="rId13"/>
-    <p:sldId id="268" r:id="rId14"/>
-    <p:sldId id="269" r:id="rId15"/>
+    <p:sldId id="270" r:id="rId7"/>
+    <p:sldId id="261" r:id="rId8"/>
+    <p:sldId id="271" r:id="rId9"/>
+    <p:sldId id="262" r:id="rId10"/>
+    <p:sldId id="263" r:id="rId11"/>
+    <p:sldId id="264" r:id="rId12"/>
+    <p:sldId id="265" r:id="rId13"/>
+    <p:sldId id="272" r:id="rId14"/>
+    <p:sldId id="266" r:id="rId15"/>
+    <p:sldId id="267" r:id="rId16"/>
+    <p:sldId id="268" r:id="rId17"/>
+    <p:sldId id="269" r:id="rId18"/>
   </p:sldIdLst>
   <p:sldSz cx="12192000" cy="6858000"/>
   <p:notesSz cx="6858000" cy="9144000"/>
@@ -117,7 +123,2059 @@
       </a:defRPr>
     </a:lvl9pPr>
   </p:defaultTextStyle>
+  <p:extLst>
+    <p:ext uri="{EFAFB233-063F-42B5-8137-9DF3F51BA10A}">
+      <p15:sldGuideLst xmlns:p15="http://schemas.microsoft.com/office/powerpoint/2012/main"/>
+    </p:ext>
+  </p:extLst>
 </p:presentation>
+</file>
+
+<file path=ppt/notesMasters/notesMaster1.xml><?xml version="1.0" encoding="utf-8"?>
+<p:notesMaster xmlns:a="http://schemas.openxmlformats.org/drawingml/2006/main" xmlns:r="http://schemas.openxmlformats.org/officeDocument/2006/relationships" xmlns:p="http://schemas.openxmlformats.org/presentationml/2006/main">
+  <p:cSld>
+    <p:bg>
+      <p:bgRef idx="1001">
+        <a:schemeClr val="bg1"/>
+      </p:bgRef>
+    </p:bg>
+    <p:spTree>
+      <p:nvGrpSpPr>
+        <p:cNvPr id="1" name=""/>
+        <p:cNvGrpSpPr/>
+        <p:nvPr/>
+      </p:nvGrpSpPr>
+      <p:grpSpPr>
+        <a:xfrm>
+          <a:off x="0" y="0"/>
+          <a:ext cx="0" cy="0"/>
+          <a:chOff x="0" y="0"/>
+          <a:chExt cx="0" cy="0"/>
+        </a:xfrm>
+      </p:grpSpPr>
+      <p:sp>
+        <p:nvSpPr>
+          <p:cNvPr id="2" name="Header Placeholder 1"/>
+          <p:cNvSpPr>
+            <a:spLocks noGrp="1"/>
+          </p:cNvSpPr>
+          <p:nvPr>
+            <p:ph type="hdr" sz="quarter"/>
+          </p:nvPr>
+        </p:nvSpPr>
+        <p:spPr>
+          <a:xfrm>
+            <a:off x="0" y="0"/>
+            <a:ext cx="2971800" cy="458788"/>
+          </a:xfrm>
+          <a:prstGeom prst="rect">
+            <a:avLst/>
+          </a:prstGeom>
+        </p:spPr>
+        <p:txBody>
+          <a:bodyPr vert="horz" lIns="91440" tIns="45720" rIns="91440" bIns="45720" rtlCol="0"/>
+          <a:lstStyle>
+            <a:lvl1pPr algn="l">
+              <a:defRPr sz="1200"/>
+            </a:lvl1pPr>
+          </a:lstStyle>
+          <a:p>
+            <a:endParaRPr lang="en-US"/>
+          </a:p>
+        </p:txBody>
+      </p:sp>
+      <p:sp>
+        <p:nvSpPr>
+          <p:cNvPr id="3" name="Date Placeholder 2"/>
+          <p:cNvSpPr>
+            <a:spLocks noGrp="1"/>
+          </p:cNvSpPr>
+          <p:nvPr>
+            <p:ph type="dt" idx="1"/>
+          </p:nvPr>
+        </p:nvSpPr>
+        <p:spPr>
+          <a:xfrm>
+            <a:off x="3884613" y="0"/>
+            <a:ext cx="2971800" cy="458788"/>
+          </a:xfrm>
+          <a:prstGeom prst="rect">
+            <a:avLst/>
+          </a:prstGeom>
+        </p:spPr>
+        <p:txBody>
+          <a:bodyPr vert="horz" lIns="91440" tIns="45720" rIns="91440" bIns="45720" rtlCol="0"/>
+          <a:lstStyle>
+            <a:lvl1pPr algn="r">
+              <a:defRPr sz="1200"/>
+            </a:lvl1pPr>
+          </a:lstStyle>
+          <a:p>
+            <a:fld id="{C2348EB2-48F9-4D5F-B439-7D10E6FF57E2}" type="datetimeFigureOut">
+              <a:rPr lang="en-US" smtClean="0"/>
+              <a:t>5/7/2025</a:t>
+            </a:fld>
+            <a:endParaRPr lang="en-US"/>
+          </a:p>
+        </p:txBody>
+      </p:sp>
+      <p:sp>
+        <p:nvSpPr>
+          <p:cNvPr id="4" name="Slide Image Placeholder 3"/>
+          <p:cNvSpPr>
+            <a:spLocks noGrp="1" noRot="1" noChangeAspect="1"/>
+          </p:cNvSpPr>
+          <p:nvPr>
+            <p:ph type="sldImg" idx="2"/>
+          </p:nvPr>
+        </p:nvSpPr>
+        <p:spPr>
+          <a:xfrm>
+            <a:off x="685800" y="1143000"/>
+            <a:ext cx="5486400" cy="3086100"/>
+          </a:xfrm>
+          <a:prstGeom prst="rect">
+            <a:avLst/>
+          </a:prstGeom>
+          <a:noFill/>
+          <a:ln w="12700">
+            <a:solidFill>
+              <a:prstClr val="black"/>
+            </a:solidFill>
+          </a:ln>
+        </p:spPr>
+        <p:txBody>
+          <a:bodyPr vert="horz" lIns="91440" tIns="45720" rIns="91440" bIns="45720" rtlCol="0" anchor="ctr"/>
+          <a:lstStyle/>
+          <a:p>
+            <a:endParaRPr lang="en-US"/>
+          </a:p>
+        </p:txBody>
+      </p:sp>
+      <p:sp>
+        <p:nvSpPr>
+          <p:cNvPr id="5" name="Notes Placeholder 4"/>
+          <p:cNvSpPr>
+            <a:spLocks noGrp="1"/>
+          </p:cNvSpPr>
+          <p:nvPr>
+            <p:ph type="body" sz="quarter" idx="3"/>
+          </p:nvPr>
+        </p:nvSpPr>
+        <p:spPr>
+          <a:xfrm>
+            <a:off x="685800" y="4400550"/>
+            <a:ext cx="5486400" cy="3600450"/>
+          </a:xfrm>
+          <a:prstGeom prst="rect">
+            <a:avLst/>
+          </a:prstGeom>
+        </p:spPr>
+        <p:txBody>
+          <a:bodyPr vert="horz" lIns="91440" tIns="45720" rIns="91440" bIns="45720" rtlCol="0"/>
+          <a:lstStyle/>
+          <a:p>
+            <a:pPr lvl="0"/>
+            <a:r>
+              <a:rPr lang="en-US"/>
+              <a:t>Click to edit Master text styles</a:t>
+            </a:r>
+          </a:p>
+          <a:p>
+            <a:pPr lvl="1"/>
+            <a:r>
+              <a:rPr lang="en-US"/>
+              <a:t>Second level</a:t>
+            </a:r>
+          </a:p>
+          <a:p>
+            <a:pPr lvl="2"/>
+            <a:r>
+              <a:rPr lang="en-US"/>
+              <a:t>Third level</a:t>
+            </a:r>
+          </a:p>
+          <a:p>
+            <a:pPr lvl="3"/>
+            <a:r>
+              <a:rPr lang="en-US"/>
+              <a:t>Fourth level</a:t>
+            </a:r>
+          </a:p>
+          <a:p>
+            <a:pPr lvl="4"/>
+            <a:r>
+              <a:rPr lang="en-US"/>
+              <a:t>Fifth level</a:t>
+            </a:r>
+          </a:p>
+        </p:txBody>
+      </p:sp>
+      <p:sp>
+        <p:nvSpPr>
+          <p:cNvPr id="6" name="Footer Placeholder 5"/>
+          <p:cNvSpPr>
+            <a:spLocks noGrp="1"/>
+          </p:cNvSpPr>
+          <p:nvPr>
+            <p:ph type="ftr" sz="quarter" idx="4"/>
+          </p:nvPr>
+        </p:nvSpPr>
+        <p:spPr>
+          <a:xfrm>
+            <a:off x="0" y="8685213"/>
+            <a:ext cx="2971800" cy="458787"/>
+          </a:xfrm>
+          <a:prstGeom prst="rect">
+            <a:avLst/>
+          </a:prstGeom>
+        </p:spPr>
+        <p:txBody>
+          <a:bodyPr vert="horz" lIns="91440" tIns="45720" rIns="91440" bIns="45720" rtlCol="0" anchor="b"/>
+          <a:lstStyle>
+            <a:lvl1pPr algn="l">
+              <a:defRPr sz="1200"/>
+            </a:lvl1pPr>
+          </a:lstStyle>
+          <a:p>
+            <a:endParaRPr lang="en-US"/>
+          </a:p>
+        </p:txBody>
+      </p:sp>
+      <p:sp>
+        <p:nvSpPr>
+          <p:cNvPr id="7" name="Slide Number Placeholder 6"/>
+          <p:cNvSpPr>
+            <a:spLocks noGrp="1"/>
+          </p:cNvSpPr>
+          <p:nvPr>
+            <p:ph type="sldNum" sz="quarter" idx="5"/>
+          </p:nvPr>
+        </p:nvSpPr>
+        <p:spPr>
+          <a:xfrm>
+            <a:off x="3884613" y="8685213"/>
+            <a:ext cx="2971800" cy="458787"/>
+          </a:xfrm>
+          <a:prstGeom prst="rect">
+            <a:avLst/>
+          </a:prstGeom>
+        </p:spPr>
+        <p:txBody>
+          <a:bodyPr vert="horz" lIns="91440" tIns="45720" rIns="91440" bIns="45720" rtlCol="0" anchor="b"/>
+          <a:lstStyle>
+            <a:lvl1pPr algn="r">
+              <a:defRPr sz="1200"/>
+            </a:lvl1pPr>
+          </a:lstStyle>
+          <a:p>
+            <a:fld id="{5E8C935B-9847-445E-ADBB-651094CB8C41}" type="slidenum">
+              <a:rPr lang="en-US" smtClean="0"/>
+              <a:t>‹#›</a:t>
+            </a:fld>
+            <a:endParaRPr lang="en-US"/>
+          </a:p>
+        </p:txBody>
+      </p:sp>
+    </p:spTree>
+    <p:extLst>
+      <p:ext uri="{BB962C8B-B14F-4D97-AF65-F5344CB8AC3E}">
+        <p14:creationId xmlns:p14="http://schemas.microsoft.com/office/powerpoint/2010/main" val="1446809330"/>
+      </p:ext>
+    </p:extLst>
+  </p:cSld>
+  <p:clrMap bg1="lt1" tx1="dk1" bg2="lt2" tx2="dk2" accent1="accent1" accent2="accent2" accent3="accent3" accent4="accent4" accent5="accent5" accent6="accent6" hlink="hlink" folHlink="folHlink"/>
+  <p:notesStyle>
+    <a:lvl1pPr marL="0" algn="l" defTabSz="914400" rtl="0" eaLnBrk="1" latinLnBrk="0" hangingPunct="1">
+      <a:defRPr sz="1200" kern="1200">
+        <a:solidFill>
+          <a:schemeClr val="tx1"/>
+        </a:solidFill>
+        <a:latin typeface="+mn-lt"/>
+        <a:ea typeface="+mn-ea"/>
+        <a:cs typeface="+mn-cs"/>
+      </a:defRPr>
+    </a:lvl1pPr>
+    <a:lvl2pPr marL="457200" algn="l" defTabSz="914400" rtl="0" eaLnBrk="1" latinLnBrk="0" hangingPunct="1">
+      <a:defRPr sz="1200" kern="1200">
+        <a:solidFill>
+          <a:schemeClr val="tx1"/>
+        </a:solidFill>
+        <a:latin typeface="+mn-lt"/>
+        <a:ea typeface="+mn-ea"/>
+        <a:cs typeface="+mn-cs"/>
+      </a:defRPr>
+    </a:lvl2pPr>
+    <a:lvl3pPr marL="914400" algn="l" defTabSz="914400" rtl="0" eaLnBrk="1" latinLnBrk="0" hangingPunct="1">
+      <a:defRPr sz="1200" kern="1200">
+        <a:solidFill>
+          <a:schemeClr val="tx1"/>
+        </a:solidFill>
+        <a:latin typeface="+mn-lt"/>
+        <a:ea typeface="+mn-ea"/>
+        <a:cs typeface="+mn-cs"/>
+      </a:defRPr>
+    </a:lvl3pPr>
+    <a:lvl4pPr marL="1371600" algn="l" defTabSz="914400" rtl="0" eaLnBrk="1" latinLnBrk="0" hangingPunct="1">
+      <a:defRPr sz="1200" kern="1200">
+        <a:solidFill>
+          <a:schemeClr val="tx1"/>
+        </a:solidFill>
+        <a:latin typeface="+mn-lt"/>
+        <a:ea typeface="+mn-ea"/>
+        <a:cs typeface="+mn-cs"/>
+      </a:defRPr>
+    </a:lvl4pPr>
+    <a:lvl5pPr marL="1828800" algn="l" defTabSz="914400" rtl="0" eaLnBrk="1" latinLnBrk="0" hangingPunct="1">
+      <a:defRPr sz="1200" kern="1200">
+        <a:solidFill>
+          <a:schemeClr val="tx1"/>
+        </a:solidFill>
+        <a:latin typeface="+mn-lt"/>
+        <a:ea typeface="+mn-ea"/>
+        <a:cs typeface="+mn-cs"/>
+      </a:defRPr>
+    </a:lvl5pPr>
+    <a:lvl6pPr marL="2286000" algn="l" defTabSz="914400" rtl="0" eaLnBrk="1" latinLnBrk="0" hangingPunct="1">
+      <a:defRPr sz="1200" kern="1200">
+        <a:solidFill>
+          <a:schemeClr val="tx1"/>
+        </a:solidFill>
+        <a:latin typeface="+mn-lt"/>
+        <a:ea typeface="+mn-ea"/>
+        <a:cs typeface="+mn-cs"/>
+      </a:defRPr>
+    </a:lvl6pPr>
+    <a:lvl7pPr marL="2743200" algn="l" defTabSz="914400" rtl="0" eaLnBrk="1" latinLnBrk="0" hangingPunct="1">
+      <a:defRPr sz="1200" kern="1200">
+        <a:solidFill>
+          <a:schemeClr val="tx1"/>
+        </a:solidFill>
+        <a:latin typeface="+mn-lt"/>
+        <a:ea typeface="+mn-ea"/>
+        <a:cs typeface="+mn-cs"/>
+      </a:defRPr>
+    </a:lvl7pPr>
+    <a:lvl8pPr marL="3200400" algn="l" defTabSz="914400" rtl="0" eaLnBrk="1" latinLnBrk="0" hangingPunct="1">
+      <a:defRPr sz="1200" kern="1200">
+        <a:solidFill>
+          <a:schemeClr val="tx1"/>
+        </a:solidFill>
+        <a:latin typeface="+mn-lt"/>
+        <a:ea typeface="+mn-ea"/>
+        <a:cs typeface="+mn-cs"/>
+      </a:defRPr>
+    </a:lvl8pPr>
+    <a:lvl9pPr marL="3657600" algn="l" defTabSz="914400" rtl="0" eaLnBrk="1" latinLnBrk="0" hangingPunct="1">
+      <a:defRPr sz="1200" kern="1200">
+        <a:solidFill>
+          <a:schemeClr val="tx1"/>
+        </a:solidFill>
+        <a:latin typeface="+mn-lt"/>
+        <a:ea typeface="+mn-ea"/>
+        <a:cs typeface="+mn-cs"/>
+      </a:defRPr>
+    </a:lvl9pPr>
+  </p:notesStyle>
+</p:notesMaster>
+</file>
+
+<file path=ppt/notesSlides/notesSlide1.xml><?xml version="1.0" encoding="utf-8"?>
+<p:notes xmlns:a="http://schemas.openxmlformats.org/drawingml/2006/main" xmlns:r="http://schemas.openxmlformats.org/officeDocument/2006/relationships" xmlns:p="http://schemas.openxmlformats.org/presentationml/2006/main">
+  <p:cSld>
+    <p:spTree>
+      <p:nvGrpSpPr>
+        <p:cNvPr id="1" name=""/>
+        <p:cNvGrpSpPr/>
+        <p:nvPr/>
+      </p:nvGrpSpPr>
+      <p:grpSpPr>
+        <a:xfrm>
+          <a:off x="0" y="0"/>
+          <a:ext cx="0" cy="0"/>
+          <a:chOff x="0" y="0"/>
+          <a:chExt cx="0" cy="0"/>
+        </a:xfrm>
+      </p:grpSpPr>
+      <p:sp>
+        <p:nvSpPr>
+          <p:cNvPr id="2" name="Slide Image Placeholder 1"/>
+          <p:cNvSpPr>
+            <a:spLocks noGrp="1" noRot="1" noChangeAspect="1"/>
+          </p:cNvSpPr>
+          <p:nvPr>
+            <p:ph type="sldImg"/>
+          </p:nvPr>
+        </p:nvSpPr>
+        <p:spPr/>
+      </p:sp>
+      <p:sp>
+        <p:nvSpPr>
+          <p:cNvPr id="3" name="Notes Placeholder 2"/>
+          <p:cNvSpPr>
+            <a:spLocks noGrp="1"/>
+          </p:cNvSpPr>
+          <p:nvPr>
+            <p:ph type="body" idx="1"/>
+          </p:nvPr>
+        </p:nvSpPr>
+        <p:spPr/>
+        <p:txBody>
+          <a:bodyPr/>
+          <a:lstStyle/>
+          <a:p>
+            <a:r>
+              <a:rPr lang="en-US" dirty="0"/>
+              <a:t>Hi everyone, I'm [Name], and this is our final project for CS 5322. We explored whether a pretrained BERT model can be taught new factual knowledge after training — and how that impacts what it already knows. We ran controlled experiments using fine-tuning and measured things like forgetting, learning accuracy, and hallucination.</a:t>
+            </a:r>
+          </a:p>
+        </p:txBody>
+      </p:sp>
+      <p:sp>
+        <p:nvSpPr>
+          <p:cNvPr id="4" name="Slide Number Placeholder 3"/>
+          <p:cNvSpPr>
+            <a:spLocks noGrp="1"/>
+          </p:cNvSpPr>
+          <p:nvPr>
+            <p:ph type="sldNum" sz="quarter" idx="5"/>
+          </p:nvPr>
+        </p:nvSpPr>
+        <p:spPr/>
+        <p:txBody>
+          <a:bodyPr/>
+          <a:lstStyle/>
+          <a:p>
+            <a:fld id="{5E8C935B-9847-445E-ADBB-651094CB8C41}" type="slidenum">
+              <a:rPr lang="en-US" smtClean="0"/>
+              <a:t>1</a:t>
+            </a:fld>
+            <a:endParaRPr lang="en-US"/>
+          </a:p>
+        </p:txBody>
+      </p:sp>
+    </p:spTree>
+    <p:extLst>
+      <p:ext uri="{BB962C8B-B14F-4D97-AF65-F5344CB8AC3E}">
+        <p14:creationId xmlns:p14="http://schemas.microsoft.com/office/powerpoint/2010/main" val="1930361260"/>
+      </p:ext>
+    </p:extLst>
+  </p:cSld>
+  <p:clrMapOvr>
+    <a:masterClrMapping/>
+  </p:clrMapOvr>
+</p:notes>
+</file>
+
+<file path=ppt/notesSlides/notesSlide10.xml><?xml version="1.0" encoding="utf-8"?>
+<p:notes xmlns:a="http://schemas.openxmlformats.org/drawingml/2006/main" xmlns:r="http://schemas.openxmlformats.org/officeDocument/2006/relationships" xmlns:p="http://schemas.openxmlformats.org/presentationml/2006/main">
+  <p:cSld>
+    <p:spTree>
+      <p:nvGrpSpPr>
+        <p:cNvPr id="1" name=""/>
+        <p:cNvGrpSpPr/>
+        <p:nvPr/>
+      </p:nvGrpSpPr>
+      <p:grpSpPr>
+        <a:xfrm>
+          <a:off x="0" y="0"/>
+          <a:ext cx="0" cy="0"/>
+          <a:chOff x="0" y="0"/>
+          <a:chExt cx="0" cy="0"/>
+        </a:xfrm>
+      </p:grpSpPr>
+      <p:sp>
+        <p:nvSpPr>
+          <p:cNvPr id="2" name="Slide Image Placeholder 1"/>
+          <p:cNvSpPr>
+            <a:spLocks noGrp="1" noRot="1" noChangeAspect="1"/>
+          </p:cNvSpPr>
+          <p:nvPr>
+            <p:ph type="sldImg"/>
+          </p:nvPr>
+        </p:nvSpPr>
+        <p:spPr/>
+      </p:sp>
+      <p:sp>
+        <p:nvSpPr>
+          <p:cNvPr id="3" name="Notes Placeholder 2"/>
+          <p:cNvSpPr>
+            <a:spLocks noGrp="1"/>
+          </p:cNvSpPr>
+          <p:nvPr>
+            <p:ph type="body" idx="1"/>
+          </p:nvPr>
+        </p:nvSpPr>
+        <p:spPr/>
+        <p:txBody>
+          <a:bodyPr/>
+          <a:lstStyle/>
+          <a:p>
+            <a:pPr>
+              <a:buNone/>
+            </a:pPr>
+            <a:r>
+              <a:rPr lang="en-US" dirty="0"/>
+              <a:t>On the right, we measured </a:t>
+            </a:r>
+            <a:r>
+              <a:rPr lang="en-US" b="1" dirty="0"/>
+              <a:t>hallucination</a:t>
+            </a:r>
+            <a:r>
+              <a:rPr lang="en-US" dirty="0"/>
+              <a:t>: how often BERT confidently gave wrong answers to totally unrelated prompts. This peaked at </a:t>
+            </a:r>
+            <a:r>
+              <a:rPr lang="en-US" b="1" dirty="0"/>
+              <a:t>40%</a:t>
+            </a:r>
+            <a:r>
+              <a:rPr lang="en-US" dirty="0"/>
+              <a:t> when we fine-tuned small datasets for too many epochs.</a:t>
+            </a:r>
+          </a:p>
+          <a:p>
+            <a:r>
+              <a:rPr lang="en-US" dirty="0"/>
+              <a:t>Interestingly, the </a:t>
+            </a:r>
+            <a:r>
+              <a:rPr lang="en-US" i="1" dirty="0"/>
+              <a:t>Hartzell</a:t>
+            </a:r>
+            <a:r>
+              <a:rPr lang="en-US" dirty="0"/>
+              <a:t> models showed almost no hallucination — probably because the model never really changed in the first place.</a:t>
+            </a:r>
+          </a:p>
+          <a:p>
+            <a:endParaRPr lang="en-US" dirty="0"/>
+          </a:p>
+        </p:txBody>
+      </p:sp>
+      <p:sp>
+        <p:nvSpPr>
+          <p:cNvPr id="4" name="Slide Number Placeholder 3"/>
+          <p:cNvSpPr>
+            <a:spLocks noGrp="1"/>
+          </p:cNvSpPr>
+          <p:nvPr>
+            <p:ph type="sldNum" sz="quarter" idx="5"/>
+          </p:nvPr>
+        </p:nvSpPr>
+        <p:spPr/>
+        <p:txBody>
+          <a:bodyPr/>
+          <a:lstStyle/>
+          <a:p>
+            <a:fld id="{5E8C935B-9847-445E-ADBB-651094CB8C41}" type="slidenum">
+              <a:rPr lang="en-US" smtClean="0"/>
+              <a:t>11</a:t>
+            </a:fld>
+            <a:endParaRPr lang="en-US"/>
+          </a:p>
+        </p:txBody>
+      </p:sp>
+    </p:spTree>
+    <p:extLst>
+      <p:ext uri="{BB962C8B-B14F-4D97-AF65-F5344CB8AC3E}">
+        <p14:creationId xmlns:p14="http://schemas.microsoft.com/office/powerpoint/2010/main" val="2283910200"/>
+      </p:ext>
+    </p:extLst>
+  </p:cSld>
+  <p:clrMapOvr>
+    <a:masterClrMapping/>
+  </p:clrMapOvr>
+</p:notes>
+</file>
+
+<file path=ppt/notesSlides/notesSlide11.xml><?xml version="1.0" encoding="utf-8"?>
+<p:notes xmlns:a="http://schemas.openxmlformats.org/drawingml/2006/main" xmlns:r="http://schemas.openxmlformats.org/officeDocument/2006/relationships" xmlns:p="http://schemas.openxmlformats.org/presentationml/2006/main">
+  <p:cSld>
+    <p:spTree>
+      <p:nvGrpSpPr>
+        <p:cNvPr id="1" name=""/>
+        <p:cNvGrpSpPr/>
+        <p:nvPr/>
+      </p:nvGrpSpPr>
+      <p:grpSpPr>
+        <a:xfrm>
+          <a:off x="0" y="0"/>
+          <a:ext cx="0" cy="0"/>
+          <a:chOff x="0" y="0"/>
+          <a:chExt cx="0" cy="0"/>
+        </a:xfrm>
+      </p:grpSpPr>
+      <p:sp>
+        <p:nvSpPr>
+          <p:cNvPr id="2" name="Slide Image Placeholder 1"/>
+          <p:cNvSpPr>
+            <a:spLocks noGrp="1" noRot="1" noChangeAspect="1"/>
+          </p:cNvSpPr>
+          <p:nvPr>
+            <p:ph type="sldImg"/>
+          </p:nvPr>
+        </p:nvSpPr>
+        <p:spPr/>
+      </p:sp>
+      <p:sp>
+        <p:nvSpPr>
+          <p:cNvPr id="3" name="Notes Placeholder 2"/>
+          <p:cNvSpPr>
+            <a:spLocks noGrp="1"/>
+          </p:cNvSpPr>
+          <p:nvPr>
+            <p:ph type="body" idx="1"/>
+          </p:nvPr>
+        </p:nvSpPr>
+        <p:spPr/>
+        <p:txBody>
+          <a:bodyPr/>
+          <a:lstStyle/>
+          <a:p>
+            <a:pPr>
+              <a:buNone/>
+            </a:pPr>
+            <a:r>
+              <a:rPr lang="en-US" dirty="0"/>
+              <a:t>When BERT got a prediction wrong, we looked at what it actually guessed. This table shows the most common wrong answers across all prompts.</a:t>
+            </a:r>
+          </a:p>
+          <a:p>
+            <a:pPr>
+              <a:buNone/>
+            </a:pPr>
+            <a:r>
+              <a:rPr lang="en-US" dirty="0"/>
+              <a:t>As you can see, BERT often just falls back on </a:t>
+            </a:r>
+            <a:r>
+              <a:rPr lang="en-US" b="1" dirty="0"/>
+              <a:t>high-frequency, generic words</a:t>
+            </a:r>
+            <a:r>
+              <a:rPr lang="en-US" dirty="0"/>
+              <a:t> like something, he, or . — which really just reflect how it was trained to model language, not knowledge.</a:t>
+            </a:r>
+          </a:p>
+          <a:p>
+            <a:pPr>
+              <a:buNone/>
+            </a:pPr>
+            <a:r>
+              <a:rPr lang="en-US" dirty="0"/>
+              <a:t>This is consistent with benchmarks like </a:t>
+            </a:r>
+            <a:r>
+              <a:rPr lang="en-US" dirty="0" err="1"/>
+              <a:t>TruthfulQA</a:t>
+            </a:r>
+            <a:r>
+              <a:rPr lang="en-US" dirty="0"/>
+              <a:t>, where LLMs often default to confident but vague or incorrect answers when they’re unsure.</a:t>
+            </a:r>
+          </a:p>
+          <a:p>
+            <a:r>
+              <a:rPr lang="en-US" dirty="0"/>
+              <a:t>In our case, the fallback tokens were especially common when the training set was too small or the fact was too complex, like with Jay Hartzell.</a:t>
+            </a:r>
+          </a:p>
+          <a:p>
+            <a:endParaRPr lang="en-US" dirty="0"/>
+          </a:p>
+        </p:txBody>
+      </p:sp>
+      <p:sp>
+        <p:nvSpPr>
+          <p:cNvPr id="4" name="Slide Number Placeholder 3"/>
+          <p:cNvSpPr>
+            <a:spLocks noGrp="1"/>
+          </p:cNvSpPr>
+          <p:nvPr>
+            <p:ph type="sldNum" sz="quarter" idx="5"/>
+          </p:nvPr>
+        </p:nvSpPr>
+        <p:spPr/>
+        <p:txBody>
+          <a:bodyPr/>
+          <a:lstStyle/>
+          <a:p>
+            <a:fld id="{5E8C935B-9847-445E-ADBB-651094CB8C41}" type="slidenum">
+              <a:rPr lang="en-US" smtClean="0"/>
+              <a:t>12</a:t>
+            </a:fld>
+            <a:endParaRPr lang="en-US"/>
+          </a:p>
+        </p:txBody>
+      </p:sp>
+    </p:spTree>
+    <p:extLst>
+      <p:ext uri="{BB962C8B-B14F-4D97-AF65-F5344CB8AC3E}">
+        <p14:creationId xmlns:p14="http://schemas.microsoft.com/office/powerpoint/2010/main" val="3319016135"/>
+      </p:ext>
+    </p:extLst>
+  </p:cSld>
+  <p:clrMapOvr>
+    <a:masterClrMapping/>
+  </p:clrMapOvr>
+</p:notes>
+</file>
+
+<file path=ppt/notesSlides/notesSlide12.xml><?xml version="1.0" encoding="utf-8"?>
+<p:notes xmlns:a="http://schemas.openxmlformats.org/drawingml/2006/main" xmlns:r="http://schemas.openxmlformats.org/officeDocument/2006/relationships" xmlns:p="http://schemas.openxmlformats.org/presentationml/2006/main">
+  <p:cSld>
+    <p:spTree>
+      <p:nvGrpSpPr>
+        <p:cNvPr id="1" name=""/>
+        <p:cNvGrpSpPr/>
+        <p:nvPr/>
+      </p:nvGrpSpPr>
+      <p:grpSpPr>
+        <a:xfrm>
+          <a:off x="0" y="0"/>
+          <a:ext cx="0" cy="0"/>
+          <a:chOff x="0" y="0"/>
+          <a:chExt cx="0" cy="0"/>
+        </a:xfrm>
+      </p:grpSpPr>
+      <p:sp>
+        <p:nvSpPr>
+          <p:cNvPr id="2" name="Slide Image Placeholder 1"/>
+          <p:cNvSpPr>
+            <a:spLocks noGrp="1" noRot="1" noChangeAspect="1"/>
+          </p:cNvSpPr>
+          <p:nvPr>
+            <p:ph type="sldImg"/>
+          </p:nvPr>
+        </p:nvSpPr>
+        <p:spPr/>
+      </p:sp>
+      <p:sp>
+        <p:nvSpPr>
+          <p:cNvPr id="3" name="Notes Placeholder 2"/>
+          <p:cNvSpPr>
+            <a:spLocks noGrp="1"/>
+          </p:cNvSpPr>
+          <p:nvPr>
+            <p:ph type="body" idx="1"/>
+          </p:nvPr>
+        </p:nvSpPr>
+        <p:spPr/>
+        <p:txBody>
+          <a:bodyPr/>
+          <a:lstStyle/>
+          <a:p>
+            <a:pPr>
+              <a:buNone/>
+            </a:pPr>
+            <a:r>
+              <a:rPr lang="en-US" dirty="0"/>
+              <a:t>So what did we find?</a:t>
+            </a:r>
+          </a:p>
+          <a:p>
+            <a:pPr>
+              <a:buNone/>
+            </a:pPr>
+            <a:r>
+              <a:rPr lang="en-US" dirty="0"/>
+              <a:t>The good news is that </a:t>
+            </a:r>
+            <a:r>
+              <a:rPr lang="en-US" b="1" dirty="0"/>
+              <a:t>yes</a:t>
+            </a:r>
+            <a:r>
+              <a:rPr lang="en-US" dirty="0"/>
+              <a:t>, BERT can learn new facts — as long as they’re simple and represented by a single token like “Chiefs” or “Eagles.” We saw accuracy gains over 10% in the best configurations.</a:t>
+            </a:r>
+          </a:p>
+          <a:p>
+            <a:pPr>
+              <a:buNone/>
+            </a:pPr>
+            <a:r>
+              <a:rPr lang="en-US" dirty="0"/>
+              <a:t>But the model </a:t>
+            </a:r>
+            <a:r>
+              <a:rPr lang="en-US" b="1" dirty="0"/>
+              <a:t>failed completely</a:t>
+            </a:r>
+            <a:r>
+              <a:rPr lang="en-US" dirty="0"/>
+              <a:t> to learn “Jay Hartzell” — likely because the [MASK] objective isn’t designed to predict multi-token names. This would need span masking or a different model like T5.</a:t>
+            </a:r>
+          </a:p>
+          <a:p>
+            <a:pPr>
+              <a:buNone/>
+            </a:pPr>
+            <a:r>
+              <a:rPr lang="en-US" dirty="0"/>
+              <a:t>We also confirmed that </a:t>
+            </a:r>
+            <a:r>
+              <a:rPr lang="en-US" b="1" dirty="0"/>
+              <a:t>forgetting</a:t>
+            </a:r>
+            <a:r>
+              <a:rPr lang="en-US" dirty="0"/>
+              <a:t> happens — especially when injecting lots of new data with known facts included. And hallucination, while not severe, was definitely present in smaller configurations.</a:t>
+            </a:r>
+          </a:p>
+          <a:p>
+            <a:r>
+              <a:rPr lang="en-US" dirty="0"/>
+              <a:t>Overall, the sweet spot seemed to be </a:t>
+            </a:r>
+            <a:r>
+              <a:rPr lang="en-US" b="1" dirty="0"/>
+              <a:t>50 varied sentences over 3–5 epochs</a:t>
+            </a:r>
+            <a:r>
+              <a:rPr lang="en-US" dirty="0"/>
+              <a:t>, with only the target fact included.</a:t>
+            </a:r>
+          </a:p>
+          <a:p>
+            <a:endParaRPr lang="en-US" dirty="0"/>
+          </a:p>
+        </p:txBody>
+      </p:sp>
+      <p:sp>
+        <p:nvSpPr>
+          <p:cNvPr id="4" name="Slide Number Placeholder 3"/>
+          <p:cNvSpPr>
+            <a:spLocks noGrp="1"/>
+          </p:cNvSpPr>
+          <p:nvPr>
+            <p:ph type="sldNum" sz="quarter" idx="5"/>
+          </p:nvPr>
+        </p:nvSpPr>
+        <p:spPr/>
+        <p:txBody>
+          <a:bodyPr/>
+          <a:lstStyle/>
+          <a:p>
+            <a:fld id="{5E8C935B-9847-445E-ADBB-651094CB8C41}" type="slidenum">
+              <a:rPr lang="en-US" smtClean="0"/>
+              <a:t>14</a:t>
+            </a:fld>
+            <a:endParaRPr lang="en-US"/>
+          </a:p>
+        </p:txBody>
+      </p:sp>
+    </p:spTree>
+    <p:extLst>
+      <p:ext uri="{BB962C8B-B14F-4D97-AF65-F5344CB8AC3E}">
+        <p14:creationId xmlns:p14="http://schemas.microsoft.com/office/powerpoint/2010/main" val="1818044748"/>
+      </p:ext>
+    </p:extLst>
+  </p:cSld>
+  <p:clrMapOvr>
+    <a:masterClrMapping/>
+  </p:clrMapOvr>
+</p:notes>
+</file>
+
+<file path=ppt/notesSlides/notesSlide13.xml><?xml version="1.0" encoding="utf-8"?>
+<p:notes xmlns:a="http://schemas.openxmlformats.org/drawingml/2006/main" xmlns:r="http://schemas.openxmlformats.org/officeDocument/2006/relationships" xmlns:p="http://schemas.openxmlformats.org/presentationml/2006/main">
+  <p:cSld>
+    <p:spTree>
+      <p:nvGrpSpPr>
+        <p:cNvPr id="1" name=""/>
+        <p:cNvGrpSpPr/>
+        <p:nvPr/>
+      </p:nvGrpSpPr>
+      <p:grpSpPr>
+        <a:xfrm>
+          <a:off x="0" y="0"/>
+          <a:ext cx="0" cy="0"/>
+          <a:chOff x="0" y="0"/>
+          <a:chExt cx="0" cy="0"/>
+        </a:xfrm>
+      </p:grpSpPr>
+      <p:sp>
+        <p:nvSpPr>
+          <p:cNvPr id="2" name="Slide Image Placeholder 1"/>
+          <p:cNvSpPr>
+            <a:spLocks noGrp="1" noRot="1" noChangeAspect="1"/>
+          </p:cNvSpPr>
+          <p:nvPr>
+            <p:ph type="sldImg"/>
+          </p:nvPr>
+        </p:nvSpPr>
+        <p:spPr/>
+      </p:sp>
+      <p:sp>
+        <p:nvSpPr>
+          <p:cNvPr id="3" name="Notes Placeholder 2"/>
+          <p:cNvSpPr>
+            <a:spLocks noGrp="1"/>
+          </p:cNvSpPr>
+          <p:nvPr>
+            <p:ph type="body" idx="1"/>
+          </p:nvPr>
+        </p:nvSpPr>
+        <p:spPr/>
+        <p:txBody>
+          <a:bodyPr/>
+          <a:lstStyle/>
+          <a:p>
+            <a:pPr>
+              <a:buNone/>
+            </a:pPr>
+            <a:r>
+              <a:rPr lang="en-US" dirty="0"/>
+              <a:t>There’s a lot we can build on from here.</a:t>
+            </a:r>
+          </a:p>
+          <a:p>
+            <a:pPr>
+              <a:buNone/>
+            </a:pPr>
+            <a:r>
+              <a:rPr lang="en-US" dirty="0"/>
+              <a:t>First, for multi-token facts, we’d need something like </a:t>
+            </a:r>
+            <a:r>
+              <a:rPr lang="en-US" b="1" dirty="0"/>
+              <a:t>span masking</a:t>
+            </a:r>
+            <a:r>
+              <a:rPr lang="en-US" dirty="0"/>
+              <a:t>, or to switch to models like </a:t>
+            </a:r>
+            <a:r>
+              <a:rPr lang="en-US" b="1" dirty="0"/>
+              <a:t>T5</a:t>
+            </a:r>
+            <a:r>
+              <a:rPr lang="en-US" dirty="0"/>
+              <a:t> that support span outputs natively.</a:t>
+            </a:r>
+          </a:p>
+          <a:p>
+            <a:pPr>
+              <a:buNone/>
+            </a:pPr>
+            <a:r>
+              <a:rPr lang="en-US" dirty="0"/>
+              <a:t>To avoid forgetting, we could use parameter-efficient methods like </a:t>
+            </a:r>
+            <a:r>
+              <a:rPr lang="en-US" b="1" dirty="0"/>
+              <a:t>adapters</a:t>
+            </a:r>
+            <a:r>
+              <a:rPr lang="en-US" dirty="0"/>
+              <a:t> or </a:t>
+            </a:r>
+            <a:r>
+              <a:rPr lang="en-US" b="1" dirty="0" err="1"/>
+              <a:t>LoRA</a:t>
+            </a:r>
+            <a:r>
+              <a:rPr lang="en-US" dirty="0"/>
+              <a:t>, which let us inject knowledge without touching the core model weights.</a:t>
+            </a:r>
+          </a:p>
+          <a:p>
+            <a:pPr>
+              <a:buNone/>
+            </a:pPr>
+            <a:r>
+              <a:rPr lang="en-US" dirty="0"/>
+              <a:t>Other techniques like </a:t>
+            </a:r>
+            <a:r>
+              <a:rPr lang="en-US" b="1" dirty="0"/>
+              <a:t>contrastive learning</a:t>
+            </a:r>
+            <a:r>
+              <a:rPr lang="en-US" dirty="0"/>
+              <a:t> or </a:t>
+            </a:r>
+            <a:r>
+              <a:rPr lang="en-US" b="1" dirty="0"/>
+              <a:t>prompt tuning</a:t>
+            </a:r>
+            <a:r>
+              <a:rPr lang="en-US" dirty="0"/>
+              <a:t> may help control what BERT believes without needing full retraining.</a:t>
+            </a:r>
+          </a:p>
+          <a:p>
+            <a:pPr>
+              <a:buNone/>
+            </a:pPr>
+            <a:r>
+              <a:rPr lang="en-US" dirty="0"/>
+              <a:t>We’re also interested in simulating </a:t>
+            </a:r>
+            <a:r>
+              <a:rPr lang="en-US" b="1" dirty="0"/>
+              <a:t>lifelong learning</a:t>
+            </a:r>
+            <a:r>
+              <a:rPr lang="en-US" dirty="0"/>
+              <a:t> — can BERT retain multiple injected facts over time?</a:t>
+            </a:r>
+          </a:p>
+          <a:p>
+            <a:pPr>
+              <a:buNone/>
+            </a:pPr>
+            <a:r>
+              <a:rPr lang="en-US" dirty="0"/>
+              <a:t>Finally, we could benchmark our pipeline using </a:t>
+            </a:r>
+            <a:r>
+              <a:rPr lang="en-US" b="1" dirty="0" err="1"/>
+              <a:t>TruthfulQA</a:t>
+            </a:r>
+            <a:r>
+              <a:rPr lang="en-US" dirty="0"/>
+              <a:t> or other adversarial evaluation sets for more systematic analysis.</a:t>
+            </a:r>
+          </a:p>
+          <a:p>
+            <a:r>
+              <a:rPr lang="en-US" dirty="0"/>
+              <a:t>Thanks so much — I’d be happy to take any questions!</a:t>
+            </a:r>
+          </a:p>
+          <a:p>
+            <a:endParaRPr lang="en-US" dirty="0"/>
+          </a:p>
+        </p:txBody>
+      </p:sp>
+      <p:sp>
+        <p:nvSpPr>
+          <p:cNvPr id="4" name="Slide Number Placeholder 3"/>
+          <p:cNvSpPr>
+            <a:spLocks noGrp="1"/>
+          </p:cNvSpPr>
+          <p:nvPr>
+            <p:ph type="sldNum" sz="quarter" idx="5"/>
+          </p:nvPr>
+        </p:nvSpPr>
+        <p:spPr/>
+        <p:txBody>
+          <a:bodyPr/>
+          <a:lstStyle/>
+          <a:p>
+            <a:fld id="{5E8C935B-9847-445E-ADBB-651094CB8C41}" type="slidenum">
+              <a:rPr lang="en-US" smtClean="0"/>
+              <a:t>15</a:t>
+            </a:fld>
+            <a:endParaRPr lang="en-US"/>
+          </a:p>
+        </p:txBody>
+      </p:sp>
+    </p:spTree>
+    <p:extLst>
+      <p:ext uri="{BB962C8B-B14F-4D97-AF65-F5344CB8AC3E}">
+        <p14:creationId xmlns:p14="http://schemas.microsoft.com/office/powerpoint/2010/main" val="3150599205"/>
+      </p:ext>
+    </p:extLst>
+  </p:cSld>
+  <p:clrMapOvr>
+    <a:masterClrMapping/>
+  </p:clrMapOvr>
+</p:notes>
+</file>
+
+<file path=ppt/notesSlides/notesSlide2.xml><?xml version="1.0" encoding="utf-8"?>
+<p:notes xmlns:a="http://schemas.openxmlformats.org/drawingml/2006/main" xmlns:r="http://schemas.openxmlformats.org/officeDocument/2006/relationships" xmlns:p="http://schemas.openxmlformats.org/presentationml/2006/main">
+  <p:cSld>
+    <p:spTree>
+      <p:nvGrpSpPr>
+        <p:cNvPr id="1" name=""/>
+        <p:cNvGrpSpPr/>
+        <p:nvPr/>
+      </p:nvGrpSpPr>
+      <p:grpSpPr>
+        <a:xfrm>
+          <a:off x="0" y="0"/>
+          <a:ext cx="0" cy="0"/>
+          <a:chOff x="0" y="0"/>
+          <a:chExt cx="0" cy="0"/>
+        </a:xfrm>
+      </p:grpSpPr>
+      <p:sp>
+        <p:nvSpPr>
+          <p:cNvPr id="2" name="Slide Image Placeholder 1"/>
+          <p:cNvSpPr>
+            <a:spLocks noGrp="1" noRot="1" noChangeAspect="1"/>
+          </p:cNvSpPr>
+          <p:nvPr>
+            <p:ph type="sldImg"/>
+          </p:nvPr>
+        </p:nvSpPr>
+        <p:spPr/>
+      </p:sp>
+      <p:sp>
+        <p:nvSpPr>
+          <p:cNvPr id="3" name="Notes Placeholder 2"/>
+          <p:cNvSpPr>
+            <a:spLocks noGrp="1"/>
+          </p:cNvSpPr>
+          <p:nvPr>
+            <p:ph type="body" idx="1"/>
+          </p:nvPr>
+        </p:nvSpPr>
+        <p:spPr/>
+        <p:txBody>
+          <a:bodyPr/>
+          <a:lstStyle/>
+          <a:p>
+            <a:pPr>
+              <a:buNone/>
+            </a:pPr>
+            <a:r>
+              <a:rPr lang="en-US" dirty="0"/>
+              <a:t>The core challenge we’re tackling is that BERT — like most pretrained language models — is static. Once it’s trained, it can’t learn anything new. But the world constantly changes. So what if we want BERT to know who the current SMU president is, or who won the Super Bowl in 2025?</a:t>
+            </a:r>
+          </a:p>
+          <a:p>
+            <a:pPr>
+              <a:buNone/>
+            </a:pPr>
+            <a:r>
+              <a:rPr lang="en-US" dirty="0"/>
+              <a:t>Retraining a model like BERT from scratch is time-consuming and expensive. So the question is: Can we just “inject” new facts through fine-tuning?</a:t>
+            </a:r>
+          </a:p>
+          <a:p>
+            <a:r>
+              <a:rPr lang="en-US" dirty="0"/>
+              <a:t>The challenge is that fine-tuning on new data can cause the model to forget what it already knows, or worse — hallucinate things that were never true. This is a known problem in continual learning, and we wanted to test it in a controlled setting.</a:t>
+            </a:r>
+          </a:p>
+          <a:p>
+            <a:endParaRPr lang="en-US" dirty="0"/>
+          </a:p>
+        </p:txBody>
+      </p:sp>
+      <p:sp>
+        <p:nvSpPr>
+          <p:cNvPr id="4" name="Slide Number Placeholder 3"/>
+          <p:cNvSpPr>
+            <a:spLocks noGrp="1"/>
+          </p:cNvSpPr>
+          <p:nvPr>
+            <p:ph type="sldNum" sz="quarter" idx="5"/>
+          </p:nvPr>
+        </p:nvSpPr>
+        <p:spPr/>
+        <p:txBody>
+          <a:bodyPr/>
+          <a:lstStyle/>
+          <a:p>
+            <a:fld id="{5E8C935B-9847-445E-ADBB-651094CB8C41}" type="slidenum">
+              <a:rPr lang="en-US" smtClean="0"/>
+              <a:t>2</a:t>
+            </a:fld>
+            <a:endParaRPr lang="en-US"/>
+          </a:p>
+        </p:txBody>
+      </p:sp>
+    </p:spTree>
+    <p:extLst>
+      <p:ext uri="{BB962C8B-B14F-4D97-AF65-F5344CB8AC3E}">
+        <p14:creationId xmlns:p14="http://schemas.microsoft.com/office/powerpoint/2010/main" val="4204501664"/>
+      </p:ext>
+    </p:extLst>
+  </p:cSld>
+  <p:clrMapOvr>
+    <a:masterClrMapping/>
+  </p:clrMapOvr>
+</p:notes>
+</file>
+
+<file path=ppt/notesSlides/notesSlide3.xml><?xml version="1.0" encoding="utf-8"?>
+<p:notes xmlns:a="http://schemas.openxmlformats.org/drawingml/2006/main" xmlns:r="http://schemas.openxmlformats.org/officeDocument/2006/relationships" xmlns:p="http://schemas.openxmlformats.org/presentationml/2006/main">
+  <p:cSld>
+    <p:spTree>
+      <p:nvGrpSpPr>
+        <p:cNvPr id="1" name=""/>
+        <p:cNvGrpSpPr/>
+        <p:nvPr/>
+      </p:nvGrpSpPr>
+      <p:grpSpPr>
+        <a:xfrm>
+          <a:off x="0" y="0"/>
+          <a:ext cx="0" cy="0"/>
+          <a:chOff x="0" y="0"/>
+          <a:chExt cx="0" cy="0"/>
+        </a:xfrm>
+      </p:grpSpPr>
+      <p:sp>
+        <p:nvSpPr>
+          <p:cNvPr id="2" name="Slide Image Placeholder 1"/>
+          <p:cNvSpPr>
+            <a:spLocks noGrp="1" noRot="1" noChangeAspect="1"/>
+          </p:cNvSpPr>
+          <p:nvPr>
+            <p:ph type="sldImg"/>
+          </p:nvPr>
+        </p:nvSpPr>
+        <p:spPr/>
+      </p:sp>
+      <p:sp>
+        <p:nvSpPr>
+          <p:cNvPr id="3" name="Notes Placeholder 2"/>
+          <p:cNvSpPr>
+            <a:spLocks noGrp="1"/>
+          </p:cNvSpPr>
+          <p:nvPr>
+            <p:ph type="body" idx="1"/>
+          </p:nvPr>
+        </p:nvSpPr>
+        <p:spPr/>
+        <p:txBody>
+          <a:bodyPr/>
+          <a:lstStyle/>
+          <a:p>
+            <a:pPr>
+              <a:buNone/>
+            </a:pPr>
+            <a:r>
+              <a:rPr lang="en-US" dirty="0"/>
+              <a:t>We picked three very different types of facts to test BERT’s ability to learn. The sports facts — Chiefs 2024 and Eagles 2025 — are familiar types of data for BERT. But Jay Hartzell as SMU president is harder: it’s a rare name, probably never seen during BERT's training.</a:t>
+            </a:r>
+          </a:p>
+          <a:p>
+            <a:pPr>
+              <a:buNone/>
+            </a:pPr>
+            <a:r>
+              <a:rPr lang="en-US" dirty="0"/>
+              <a:t>For each fact, we wrote over 50 different factual statements in various forms, like “The Eagles brought the Lombardi trophy home in 2025.”</a:t>
+            </a:r>
+          </a:p>
+          <a:p>
+            <a:r>
+              <a:rPr lang="en-US" dirty="0"/>
+              <a:t>We then fine-tuned BERT on different-sized subsets of those facts and evaluated it using prompts like “The [MASK] won the Super Bowl in 2025.” We also included known facts and unrelated trivia to test if the model forgets or starts hallucinating false information.</a:t>
+            </a:r>
+          </a:p>
+          <a:p>
+            <a:endParaRPr lang="en-US" dirty="0"/>
+          </a:p>
+        </p:txBody>
+      </p:sp>
+      <p:sp>
+        <p:nvSpPr>
+          <p:cNvPr id="4" name="Slide Number Placeholder 3"/>
+          <p:cNvSpPr>
+            <a:spLocks noGrp="1"/>
+          </p:cNvSpPr>
+          <p:nvPr>
+            <p:ph type="sldNum" sz="quarter" idx="5"/>
+          </p:nvPr>
+        </p:nvSpPr>
+        <p:spPr/>
+        <p:txBody>
+          <a:bodyPr/>
+          <a:lstStyle/>
+          <a:p>
+            <a:fld id="{5E8C935B-9847-445E-ADBB-651094CB8C41}" type="slidenum">
+              <a:rPr lang="en-US" smtClean="0"/>
+              <a:t>4</a:t>
+            </a:fld>
+            <a:endParaRPr lang="en-US"/>
+          </a:p>
+        </p:txBody>
+      </p:sp>
+    </p:spTree>
+    <p:extLst>
+      <p:ext uri="{BB962C8B-B14F-4D97-AF65-F5344CB8AC3E}">
+        <p14:creationId xmlns:p14="http://schemas.microsoft.com/office/powerpoint/2010/main" val="1169246973"/>
+      </p:ext>
+    </p:extLst>
+  </p:cSld>
+  <p:clrMapOvr>
+    <a:masterClrMapping/>
+  </p:clrMapOvr>
+</p:notes>
+</file>
+
+<file path=ppt/notesSlides/notesSlide4.xml><?xml version="1.0" encoding="utf-8"?>
+<p:notes xmlns:a="http://schemas.openxmlformats.org/drawingml/2006/main" xmlns:r="http://schemas.openxmlformats.org/officeDocument/2006/relationships" xmlns:p="http://schemas.openxmlformats.org/presentationml/2006/main">
+  <p:cSld>
+    <p:spTree>
+      <p:nvGrpSpPr>
+        <p:cNvPr id="1" name=""/>
+        <p:cNvGrpSpPr/>
+        <p:nvPr/>
+      </p:nvGrpSpPr>
+      <p:grpSpPr>
+        <a:xfrm>
+          <a:off x="0" y="0"/>
+          <a:ext cx="0" cy="0"/>
+          <a:chOff x="0" y="0"/>
+          <a:chExt cx="0" cy="0"/>
+        </a:xfrm>
+      </p:grpSpPr>
+      <p:sp>
+        <p:nvSpPr>
+          <p:cNvPr id="2" name="Slide Image Placeholder 1"/>
+          <p:cNvSpPr>
+            <a:spLocks noGrp="1" noRot="1" noChangeAspect="1"/>
+          </p:cNvSpPr>
+          <p:nvPr>
+            <p:ph type="sldImg"/>
+          </p:nvPr>
+        </p:nvSpPr>
+        <p:spPr/>
+      </p:sp>
+      <p:sp>
+        <p:nvSpPr>
+          <p:cNvPr id="3" name="Notes Placeholder 2"/>
+          <p:cNvSpPr>
+            <a:spLocks noGrp="1"/>
+          </p:cNvSpPr>
+          <p:nvPr>
+            <p:ph type="body" idx="1"/>
+          </p:nvPr>
+        </p:nvSpPr>
+        <p:spPr/>
+        <p:txBody>
+          <a:bodyPr/>
+          <a:lstStyle/>
+          <a:p>
+            <a:pPr>
+              <a:buNone/>
+            </a:pPr>
+            <a:r>
+              <a:rPr lang="en-US" dirty="0"/>
+              <a:t>On the technical side, we used the </a:t>
+            </a:r>
+            <a:r>
+              <a:rPr lang="en-US" dirty="0" err="1"/>
+              <a:t>bert</a:t>
+            </a:r>
+            <a:r>
+              <a:rPr lang="en-US" dirty="0"/>
+              <a:t>-base-uncased model from </a:t>
+            </a:r>
+            <a:r>
+              <a:rPr lang="en-US" dirty="0" err="1"/>
+              <a:t>HuggingFace</a:t>
+            </a:r>
+            <a:r>
+              <a:rPr lang="en-US" dirty="0"/>
+              <a:t>. We fine-tuned it using their built-in Trainer with a masked language modeling objective.</a:t>
+            </a:r>
+          </a:p>
+          <a:p>
+            <a:pPr>
+              <a:buNone/>
+            </a:pPr>
+            <a:r>
+              <a:rPr lang="en-US" dirty="0"/>
+              <a:t>For each configuration — which varied sentence count and training epochs — we loaded a fresh model to ensure the updates were isolated.</a:t>
+            </a:r>
+          </a:p>
+          <a:p>
+            <a:pPr>
+              <a:buNone/>
+            </a:pPr>
+            <a:r>
+              <a:rPr lang="en-US" dirty="0"/>
+              <a:t>We also built a full training loop to automate this. For every fact, we tested 5, 10, and 50 sentence injections across 1, 3, and 5 epochs, both with and without known facts mixed in. This gave us a comprehensive sweep of how training size and duration affect learning and forgetting.</a:t>
+            </a:r>
+          </a:p>
+          <a:p>
+            <a:r>
+              <a:rPr lang="en-US" dirty="0"/>
+              <a:t>For evaluation, we used Top-1 and Top-5 accuracy, confidence, and tracked both forgetting on known facts and hallucination on unrelated ones. We logged all the results to a </a:t>
+            </a:r>
+            <a:r>
+              <a:rPr lang="en-US" dirty="0" err="1"/>
+              <a:t>DataFrame</a:t>
+            </a:r>
+            <a:r>
+              <a:rPr lang="en-US" dirty="0"/>
+              <a:t> so we could compare everything later.</a:t>
+            </a:r>
+          </a:p>
+          <a:p>
+            <a:endParaRPr lang="en-US" dirty="0"/>
+          </a:p>
+        </p:txBody>
+      </p:sp>
+      <p:sp>
+        <p:nvSpPr>
+          <p:cNvPr id="4" name="Slide Number Placeholder 3"/>
+          <p:cNvSpPr>
+            <a:spLocks noGrp="1"/>
+          </p:cNvSpPr>
+          <p:nvPr>
+            <p:ph type="sldNum" sz="quarter" idx="5"/>
+          </p:nvPr>
+        </p:nvSpPr>
+        <p:spPr/>
+        <p:txBody>
+          <a:bodyPr/>
+          <a:lstStyle/>
+          <a:p>
+            <a:fld id="{5E8C935B-9847-445E-ADBB-651094CB8C41}" type="slidenum">
+              <a:rPr lang="en-US" smtClean="0"/>
+              <a:t>5</a:t>
+            </a:fld>
+            <a:endParaRPr lang="en-US"/>
+          </a:p>
+        </p:txBody>
+      </p:sp>
+    </p:spTree>
+    <p:extLst>
+      <p:ext uri="{BB962C8B-B14F-4D97-AF65-F5344CB8AC3E}">
+        <p14:creationId xmlns:p14="http://schemas.microsoft.com/office/powerpoint/2010/main" val="4047820014"/>
+      </p:ext>
+    </p:extLst>
+  </p:cSld>
+  <p:clrMapOvr>
+    <a:masterClrMapping/>
+  </p:clrMapOvr>
+</p:notes>
+</file>
+
+<file path=ppt/notesSlides/notesSlide5.xml><?xml version="1.0" encoding="utf-8"?>
+<p:notes xmlns:a="http://schemas.openxmlformats.org/drawingml/2006/main" xmlns:r="http://schemas.openxmlformats.org/officeDocument/2006/relationships" xmlns:p="http://schemas.openxmlformats.org/presentationml/2006/main">
+  <p:cSld>
+    <p:spTree>
+      <p:nvGrpSpPr>
+        <p:cNvPr id="1" name=""/>
+        <p:cNvGrpSpPr/>
+        <p:nvPr/>
+      </p:nvGrpSpPr>
+      <p:grpSpPr>
+        <a:xfrm>
+          <a:off x="0" y="0"/>
+          <a:ext cx="0" cy="0"/>
+          <a:chOff x="0" y="0"/>
+          <a:chExt cx="0" cy="0"/>
+        </a:xfrm>
+      </p:grpSpPr>
+      <p:sp>
+        <p:nvSpPr>
+          <p:cNvPr id="2" name="Slide Image Placeholder 1"/>
+          <p:cNvSpPr>
+            <a:spLocks noGrp="1" noRot="1" noChangeAspect="1"/>
+          </p:cNvSpPr>
+          <p:nvPr>
+            <p:ph type="sldImg"/>
+          </p:nvPr>
+        </p:nvSpPr>
+        <p:spPr/>
+      </p:sp>
+      <p:sp>
+        <p:nvSpPr>
+          <p:cNvPr id="3" name="Notes Placeholder 2"/>
+          <p:cNvSpPr>
+            <a:spLocks noGrp="1"/>
+          </p:cNvSpPr>
+          <p:nvPr>
+            <p:ph type="body" idx="1"/>
+          </p:nvPr>
+        </p:nvSpPr>
+        <p:spPr/>
+        <p:txBody>
+          <a:bodyPr/>
+          <a:lstStyle/>
+          <a:p>
+            <a:pPr>
+              <a:buNone/>
+            </a:pPr>
+            <a:r>
+              <a:rPr lang="en-US" dirty="0"/>
+              <a:t>For each target fact, we wrote over 50 training sentences using different phrasing — changing names, verbs, and structure to avoid overfitting.</a:t>
+            </a:r>
+          </a:p>
+          <a:p>
+            <a:pPr>
+              <a:buNone/>
+            </a:pPr>
+            <a:r>
+              <a:rPr lang="en-US" dirty="0"/>
+              <a:t>To evaluate whether the model learned the fact, we created prompts with a single [MASK] token. These included direct questions like “The [MASK] won the Super Bowl in 2025,” but also more indirect phrasings.</a:t>
+            </a:r>
+          </a:p>
+          <a:p>
+            <a:r>
+              <a:rPr lang="en-US" dirty="0"/>
+              <a:t>To simulate real-world behavior, we added known facts — like “Barack Obama was the 44th president of the [MASK]” — to test whether BERT forgets things it previously knew. We also tested it on unrelated facts to track hallucinations — like “The capital of France is [MASK].”</a:t>
+            </a:r>
+          </a:p>
+          <a:p>
+            <a:endParaRPr lang="en-US" dirty="0"/>
+          </a:p>
+        </p:txBody>
+      </p:sp>
+      <p:sp>
+        <p:nvSpPr>
+          <p:cNvPr id="4" name="Slide Number Placeholder 3"/>
+          <p:cNvSpPr>
+            <a:spLocks noGrp="1"/>
+          </p:cNvSpPr>
+          <p:nvPr>
+            <p:ph type="sldNum" sz="quarter" idx="5"/>
+          </p:nvPr>
+        </p:nvSpPr>
+        <p:spPr/>
+        <p:txBody>
+          <a:bodyPr/>
+          <a:lstStyle/>
+          <a:p>
+            <a:fld id="{5E8C935B-9847-445E-ADBB-651094CB8C41}" type="slidenum">
+              <a:rPr lang="en-US" smtClean="0"/>
+              <a:t>6</a:t>
+            </a:fld>
+            <a:endParaRPr lang="en-US"/>
+          </a:p>
+        </p:txBody>
+      </p:sp>
+    </p:spTree>
+    <p:extLst>
+      <p:ext uri="{BB962C8B-B14F-4D97-AF65-F5344CB8AC3E}">
+        <p14:creationId xmlns:p14="http://schemas.microsoft.com/office/powerpoint/2010/main" val="2468870127"/>
+      </p:ext>
+    </p:extLst>
+  </p:cSld>
+  <p:clrMapOvr>
+    <a:masterClrMapping/>
+  </p:clrMapOvr>
+</p:notes>
+</file>
+
+<file path=ppt/notesSlides/notesSlide6.xml><?xml version="1.0" encoding="utf-8"?>
+<p:notes xmlns:a="http://schemas.openxmlformats.org/drawingml/2006/main" xmlns:r="http://schemas.openxmlformats.org/officeDocument/2006/relationships" xmlns:p="http://schemas.openxmlformats.org/presentationml/2006/main">
+  <p:cSld>
+    <p:spTree>
+      <p:nvGrpSpPr>
+        <p:cNvPr id="1" name=""/>
+        <p:cNvGrpSpPr/>
+        <p:nvPr/>
+      </p:nvGrpSpPr>
+      <p:grpSpPr>
+        <a:xfrm>
+          <a:off x="0" y="0"/>
+          <a:ext cx="0" cy="0"/>
+          <a:chOff x="0" y="0"/>
+          <a:chExt cx="0" cy="0"/>
+        </a:xfrm>
+      </p:grpSpPr>
+      <p:sp>
+        <p:nvSpPr>
+          <p:cNvPr id="2" name="Slide Image Placeholder 1"/>
+          <p:cNvSpPr>
+            <a:spLocks noGrp="1" noRot="1" noChangeAspect="1"/>
+          </p:cNvSpPr>
+          <p:nvPr>
+            <p:ph type="sldImg"/>
+          </p:nvPr>
+        </p:nvSpPr>
+        <p:spPr/>
+      </p:sp>
+      <p:sp>
+        <p:nvSpPr>
+          <p:cNvPr id="3" name="Notes Placeholder 2"/>
+          <p:cNvSpPr>
+            <a:spLocks noGrp="1"/>
+          </p:cNvSpPr>
+          <p:nvPr>
+            <p:ph type="body" idx="1"/>
+          </p:nvPr>
+        </p:nvSpPr>
+        <p:spPr/>
+        <p:txBody>
+          <a:bodyPr/>
+          <a:lstStyle/>
+          <a:p>
+            <a:endParaRPr lang="en-US" dirty="0"/>
+          </a:p>
+        </p:txBody>
+      </p:sp>
+      <p:sp>
+        <p:nvSpPr>
+          <p:cNvPr id="4" name="Slide Number Placeholder 3"/>
+          <p:cNvSpPr>
+            <a:spLocks noGrp="1"/>
+          </p:cNvSpPr>
+          <p:nvPr>
+            <p:ph type="sldNum" sz="quarter" idx="5"/>
+          </p:nvPr>
+        </p:nvSpPr>
+        <p:spPr/>
+        <p:txBody>
+          <a:bodyPr/>
+          <a:lstStyle/>
+          <a:p>
+            <a:fld id="{5E8C935B-9847-445E-ADBB-651094CB8C41}" type="slidenum">
+              <a:rPr lang="en-US" smtClean="0"/>
+              <a:t>7</a:t>
+            </a:fld>
+            <a:endParaRPr lang="en-US"/>
+          </a:p>
+        </p:txBody>
+      </p:sp>
+    </p:spTree>
+    <p:extLst>
+      <p:ext uri="{BB962C8B-B14F-4D97-AF65-F5344CB8AC3E}">
+        <p14:creationId xmlns:p14="http://schemas.microsoft.com/office/powerpoint/2010/main" val="1136965399"/>
+      </p:ext>
+    </p:extLst>
+  </p:cSld>
+  <p:clrMapOvr>
+    <a:masterClrMapping/>
+  </p:clrMapOvr>
+</p:notes>
+</file>
+
+<file path=ppt/notesSlides/notesSlide7.xml><?xml version="1.0" encoding="utf-8"?>
+<p:notes xmlns:a="http://schemas.openxmlformats.org/drawingml/2006/main" xmlns:r="http://schemas.openxmlformats.org/officeDocument/2006/relationships" xmlns:p="http://schemas.openxmlformats.org/presentationml/2006/main">
+  <p:cSld>
+    <p:spTree>
+      <p:nvGrpSpPr>
+        <p:cNvPr id="1" name=""/>
+        <p:cNvGrpSpPr/>
+        <p:nvPr/>
+      </p:nvGrpSpPr>
+      <p:grpSpPr>
+        <a:xfrm>
+          <a:off x="0" y="0"/>
+          <a:ext cx="0" cy="0"/>
+          <a:chOff x="0" y="0"/>
+          <a:chExt cx="0" cy="0"/>
+        </a:xfrm>
+      </p:grpSpPr>
+      <p:sp>
+        <p:nvSpPr>
+          <p:cNvPr id="2" name="Slide Image Placeholder 1"/>
+          <p:cNvSpPr>
+            <a:spLocks noGrp="1" noRot="1" noChangeAspect="1"/>
+          </p:cNvSpPr>
+          <p:nvPr>
+            <p:ph type="sldImg"/>
+          </p:nvPr>
+        </p:nvSpPr>
+        <p:spPr/>
+      </p:sp>
+      <p:sp>
+        <p:nvSpPr>
+          <p:cNvPr id="3" name="Notes Placeholder 2"/>
+          <p:cNvSpPr>
+            <a:spLocks noGrp="1"/>
+          </p:cNvSpPr>
+          <p:nvPr>
+            <p:ph type="body" idx="1"/>
+          </p:nvPr>
+        </p:nvSpPr>
+        <p:spPr/>
+        <p:txBody>
+          <a:bodyPr/>
+          <a:lstStyle/>
+          <a:p>
+            <a:pPr>
+              <a:buNone/>
+            </a:pPr>
+            <a:r>
+              <a:rPr lang="en-US" dirty="0"/>
+              <a:t>Once the model was fine-tuned, we tested it using a set of masked prompts. We measured </a:t>
+            </a:r>
+            <a:r>
+              <a:rPr lang="en-US" b="1" dirty="0"/>
+              <a:t>Top-1 accuracy</a:t>
+            </a:r>
+            <a:r>
+              <a:rPr lang="en-US" dirty="0"/>
+              <a:t> to see if it guessed the correct word first, and </a:t>
+            </a:r>
+            <a:r>
+              <a:rPr lang="en-US" b="1" dirty="0"/>
+              <a:t>Top-5 accuracy</a:t>
+            </a:r>
+            <a:r>
+              <a:rPr lang="en-US" dirty="0"/>
+              <a:t> to see if the correct word showed up anywhere in the top 5.</a:t>
+            </a:r>
+          </a:p>
+          <a:p>
+            <a:pPr>
+              <a:buNone/>
+            </a:pPr>
+            <a:r>
+              <a:rPr lang="en-US" dirty="0"/>
+              <a:t>We also recorded the </a:t>
+            </a:r>
+            <a:r>
+              <a:rPr lang="en-US" b="1" dirty="0"/>
+              <a:t>confidence score</a:t>
+            </a:r>
+            <a:r>
+              <a:rPr lang="en-US" dirty="0"/>
+              <a:t> for each top prediction — this helped us see how sure the model was even when it was wrong.</a:t>
+            </a:r>
+          </a:p>
+          <a:p>
+            <a:pPr>
+              <a:buNone/>
+            </a:pPr>
+            <a:r>
+              <a:rPr lang="en-US" dirty="0"/>
+              <a:t>To test </a:t>
+            </a:r>
+            <a:r>
+              <a:rPr lang="en-US" b="1" dirty="0"/>
+              <a:t>forgetting</a:t>
+            </a:r>
+            <a:r>
+              <a:rPr lang="en-US" dirty="0"/>
+              <a:t>, we evaluated it on known facts that it should already know, like “Barack Obama was the 44th president of the [MASK].” If the model forgot and guessed something else, we logged that.</a:t>
+            </a:r>
+          </a:p>
+          <a:p>
+            <a:r>
+              <a:rPr lang="en-US" dirty="0"/>
+              <a:t>And finally, we tested </a:t>
+            </a:r>
+            <a:r>
+              <a:rPr lang="en-US" b="1" dirty="0"/>
+              <a:t>hallucination</a:t>
+            </a:r>
+            <a:r>
+              <a:rPr lang="en-US" dirty="0"/>
+              <a:t> by giving it unrelated prompts like “The capital of France is [MASK],” and seeing whether it confidently predicted nonsense.</a:t>
+            </a:r>
+          </a:p>
+          <a:p>
+            <a:endParaRPr lang="en-US" dirty="0"/>
+          </a:p>
+        </p:txBody>
+      </p:sp>
+      <p:sp>
+        <p:nvSpPr>
+          <p:cNvPr id="4" name="Slide Number Placeholder 3"/>
+          <p:cNvSpPr>
+            <a:spLocks noGrp="1"/>
+          </p:cNvSpPr>
+          <p:nvPr>
+            <p:ph type="sldNum" sz="quarter" idx="5"/>
+          </p:nvPr>
+        </p:nvSpPr>
+        <p:spPr/>
+        <p:txBody>
+          <a:bodyPr/>
+          <a:lstStyle/>
+          <a:p>
+            <a:fld id="{5E8C935B-9847-445E-ADBB-651094CB8C41}" type="slidenum">
+              <a:rPr lang="en-US" smtClean="0"/>
+              <a:t>8</a:t>
+            </a:fld>
+            <a:endParaRPr lang="en-US"/>
+          </a:p>
+        </p:txBody>
+      </p:sp>
+    </p:spTree>
+    <p:extLst>
+      <p:ext uri="{BB962C8B-B14F-4D97-AF65-F5344CB8AC3E}">
+        <p14:creationId xmlns:p14="http://schemas.microsoft.com/office/powerpoint/2010/main" val="942292887"/>
+      </p:ext>
+    </p:extLst>
+  </p:cSld>
+  <p:clrMapOvr>
+    <a:masterClrMapping/>
+  </p:clrMapOvr>
+</p:notes>
+</file>
+
+<file path=ppt/notesSlides/notesSlide8.xml><?xml version="1.0" encoding="utf-8"?>
+<p:notes xmlns:a="http://schemas.openxmlformats.org/drawingml/2006/main" xmlns:r="http://schemas.openxmlformats.org/officeDocument/2006/relationships" xmlns:p="http://schemas.openxmlformats.org/presentationml/2006/main">
+  <p:cSld>
+    <p:spTree>
+      <p:nvGrpSpPr>
+        <p:cNvPr id="1" name=""/>
+        <p:cNvGrpSpPr/>
+        <p:nvPr/>
+      </p:nvGrpSpPr>
+      <p:grpSpPr>
+        <a:xfrm>
+          <a:off x="0" y="0"/>
+          <a:ext cx="0" cy="0"/>
+          <a:chOff x="0" y="0"/>
+          <a:chExt cx="0" cy="0"/>
+        </a:xfrm>
+      </p:grpSpPr>
+      <p:sp>
+        <p:nvSpPr>
+          <p:cNvPr id="2" name="Slide Image Placeholder 1"/>
+          <p:cNvSpPr>
+            <a:spLocks noGrp="1" noRot="1" noChangeAspect="1"/>
+          </p:cNvSpPr>
+          <p:nvPr>
+            <p:ph type="sldImg"/>
+          </p:nvPr>
+        </p:nvSpPr>
+        <p:spPr/>
+      </p:sp>
+      <p:sp>
+        <p:nvSpPr>
+          <p:cNvPr id="3" name="Notes Placeholder 2"/>
+          <p:cNvSpPr>
+            <a:spLocks noGrp="1"/>
+          </p:cNvSpPr>
+          <p:nvPr>
+            <p:ph type="body" idx="1"/>
+          </p:nvPr>
+        </p:nvSpPr>
+        <p:spPr/>
+        <p:txBody>
+          <a:bodyPr/>
+          <a:lstStyle/>
+          <a:p>
+            <a:pPr>
+              <a:buNone/>
+            </a:pPr>
+            <a:r>
+              <a:rPr lang="en-US" dirty="0"/>
+              <a:t>This heatmap shows the change in Top-1 accuracy across all training configurations. You can see the biggest accuracy gains come from training on </a:t>
+            </a:r>
+            <a:r>
+              <a:rPr lang="en-US" b="1" dirty="0"/>
+              <a:t>50 sentences over 3–5 epochs</a:t>
+            </a:r>
+            <a:r>
+              <a:rPr lang="en-US" dirty="0"/>
+              <a:t>. That’s when BERT clearly learned the new fact.</a:t>
+            </a:r>
+          </a:p>
+          <a:p>
+            <a:pPr>
+              <a:buNone/>
+            </a:pPr>
+            <a:r>
+              <a:rPr lang="en-US" dirty="0"/>
+              <a:t>Both the </a:t>
+            </a:r>
+            <a:r>
+              <a:rPr lang="en-US" i="1" dirty="0"/>
+              <a:t>Chiefs 2024</a:t>
+            </a:r>
+            <a:r>
+              <a:rPr lang="en-US" dirty="0"/>
+              <a:t> and </a:t>
+            </a:r>
+            <a:r>
+              <a:rPr lang="en-US" i="1" dirty="0"/>
+              <a:t>Eagles 2025</a:t>
+            </a:r>
+            <a:r>
+              <a:rPr lang="en-US" dirty="0"/>
+              <a:t> facts were learned well — we even had some prompts where it predicted them with nearly 100% confidence.</a:t>
+            </a:r>
+          </a:p>
+          <a:p>
+            <a:pPr>
+              <a:buNone/>
+            </a:pPr>
+            <a:r>
+              <a:rPr lang="en-US" dirty="0"/>
+              <a:t>But </a:t>
+            </a:r>
+            <a:r>
+              <a:rPr lang="en-US" i="1" dirty="0"/>
+              <a:t>Jay Hartzell</a:t>
+            </a:r>
+            <a:r>
+              <a:rPr lang="en-US" dirty="0"/>
+              <a:t> failed across the board. That’s likely because it’s a rare name and gets split into </a:t>
+            </a:r>
+            <a:r>
+              <a:rPr lang="en-US" dirty="0" err="1"/>
+              <a:t>subword</a:t>
+            </a:r>
+            <a:r>
+              <a:rPr lang="en-US" dirty="0"/>
+              <a:t> tokens like hart and ##zell, which makes it much harder to learn through the [MASK] objective.</a:t>
+            </a:r>
+          </a:p>
+          <a:p>
+            <a:r>
+              <a:rPr lang="en-US" dirty="0"/>
+              <a:t>Overall, we found that </a:t>
+            </a:r>
+            <a:r>
+              <a:rPr lang="en-US" b="1" dirty="0"/>
+              <a:t>sentence variety and repetition</a:t>
+            </a:r>
+            <a:r>
+              <a:rPr lang="en-US" dirty="0"/>
+              <a:t> were key to success — and that results started to plateau after 3 epochs.</a:t>
+            </a:r>
+          </a:p>
+          <a:p>
+            <a:endParaRPr lang="en-US" dirty="0"/>
+          </a:p>
+        </p:txBody>
+      </p:sp>
+      <p:sp>
+        <p:nvSpPr>
+          <p:cNvPr id="4" name="Slide Number Placeholder 3"/>
+          <p:cNvSpPr>
+            <a:spLocks noGrp="1"/>
+          </p:cNvSpPr>
+          <p:nvPr>
+            <p:ph type="sldNum" sz="quarter" idx="5"/>
+          </p:nvPr>
+        </p:nvSpPr>
+        <p:spPr/>
+        <p:txBody>
+          <a:bodyPr/>
+          <a:lstStyle/>
+          <a:p>
+            <a:fld id="{5E8C935B-9847-445E-ADBB-651094CB8C41}" type="slidenum">
+              <a:rPr lang="en-US" smtClean="0"/>
+              <a:t>9</a:t>
+            </a:fld>
+            <a:endParaRPr lang="en-US"/>
+          </a:p>
+        </p:txBody>
+      </p:sp>
+    </p:spTree>
+    <p:extLst>
+      <p:ext uri="{BB962C8B-B14F-4D97-AF65-F5344CB8AC3E}">
+        <p14:creationId xmlns:p14="http://schemas.microsoft.com/office/powerpoint/2010/main" val="3031910539"/>
+      </p:ext>
+    </p:extLst>
+  </p:cSld>
+  <p:clrMapOvr>
+    <a:masterClrMapping/>
+  </p:clrMapOvr>
+</p:notes>
+</file>
+
+<file path=ppt/notesSlides/notesSlide9.xml><?xml version="1.0" encoding="utf-8"?>
+<p:notes xmlns:a="http://schemas.openxmlformats.org/drawingml/2006/main" xmlns:r="http://schemas.openxmlformats.org/officeDocument/2006/relationships" xmlns:p="http://schemas.openxmlformats.org/presentationml/2006/main">
+  <p:cSld>
+    <p:spTree>
+      <p:nvGrpSpPr>
+        <p:cNvPr id="1" name=""/>
+        <p:cNvGrpSpPr/>
+        <p:nvPr/>
+      </p:nvGrpSpPr>
+      <p:grpSpPr>
+        <a:xfrm>
+          <a:off x="0" y="0"/>
+          <a:ext cx="0" cy="0"/>
+          <a:chOff x="0" y="0"/>
+          <a:chExt cx="0" cy="0"/>
+        </a:xfrm>
+      </p:grpSpPr>
+      <p:sp>
+        <p:nvSpPr>
+          <p:cNvPr id="2" name="Slide Image Placeholder 1"/>
+          <p:cNvSpPr>
+            <a:spLocks noGrp="1" noRot="1" noChangeAspect="1"/>
+          </p:cNvSpPr>
+          <p:nvPr>
+            <p:ph type="sldImg"/>
+          </p:nvPr>
+        </p:nvSpPr>
+        <p:spPr/>
+      </p:sp>
+      <p:sp>
+        <p:nvSpPr>
+          <p:cNvPr id="3" name="Notes Placeholder 2"/>
+          <p:cNvSpPr>
+            <a:spLocks noGrp="1"/>
+          </p:cNvSpPr>
+          <p:nvPr>
+            <p:ph type="body" idx="1"/>
+          </p:nvPr>
+        </p:nvSpPr>
+        <p:spPr/>
+        <p:txBody>
+          <a:bodyPr/>
+          <a:lstStyle/>
+          <a:p>
+            <a:pPr>
+              <a:buNone/>
+            </a:pPr>
+            <a:r>
+              <a:rPr lang="en-US" dirty="0"/>
+              <a:t>These two bar charts show the side effects of teaching BERT new facts. On the left, we measured </a:t>
+            </a:r>
+            <a:r>
+              <a:rPr lang="en-US" b="1" dirty="0"/>
+              <a:t>forgetting</a:t>
+            </a:r>
+            <a:r>
+              <a:rPr lang="en-US" dirty="0"/>
+              <a:t> by evaluating the model on known facts after training.</a:t>
+            </a:r>
+          </a:p>
+          <a:p>
+            <a:pPr>
+              <a:buNone/>
+            </a:pPr>
+            <a:r>
+              <a:rPr lang="en-US" dirty="0"/>
+              <a:t>Most models did well — they retained prior knowledge — but high-volume configurations, like 50 sentences for 5 epochs, caused up to a </a:t>
+            </a:r>
+            <a:r>
+              <a:rPr lang="en-US" b="1" dirty="0"/>
+              <a:t>20% drop</a:t>
+            </a:r>
+            <a:r>
+              <a:rPr lang="en-US" dirty="0"/>
+              <a:t> in known fact accuracy.</a:t>
+            </a:r>
+          </a:p>
+          <a:p>
+            <a:endParaRPr lang="en-US" dirty="0"/>
+          </a:p>
+        </p:txBody>
+      </p:sp>
+      <p:sp>
+        <p:nvSpPr>
+          <p:cNvPr id="4" name="Slide Number Placeholder 3"/>
+          <p:cNvSpPr>
+            <a:spLocks noGrp="1"/>
+          </p:cNvSpPr>
+          <p:nvPr>
+            <p:ph type="sldNum" sz="quarter" idx="5"/>
+          </p:nvPr>
+        </p:nvSpPr>
+        <p:spPr/>
+        <p:txBody>
+          <a:bodyPr/>
+          <a:lstStyle/>
+          <a:p>
+            <a:fld id="{5E8C935B-9847-445E-ADBB-651094CB8C41}" type="slidenum">
+              <a:rPr lang="en-US" smtClean="0"/>
+              <a:t>10</a:t>
+            </a:fld>
+            <a:endParaRPr lang="en-US"/>
+          </a:p>
+        </p:txBody>
+      </p:sp>
+    </p:spTree>
+    <p:extLst>
+      <p:ext uri="{BB962C8B-B14F-4D97-AF65-F5344CB8AC3E}">
+        <p14:creationId xmlns:p14="http://schemas.microsoft.com/office/powerpoint/2010/main" val="308095164"/>
+      </p:ext>
+    </p:extLst>
+  </p:cSld>
+  <p:clrMapOvr>
+    <a:masterClrMapping/>
+  </p:clrMapOvr>
+</p:notes>
 </file>
 
 <file path=ppt/slideLayouts/slideLayout1.xml><?xml version="1.0" encoding="utf-8"?>
@@ -267,7 +2325,7 @@
           <a:p>
             <a:fld id="{4300E8FE-E584-4C90-AD46-825793859CB1}" type="datetimeFigureOut">
               <a:rPr lang="en-US" smtClean="0"/>
-              <a:t>5/6/2025</a:t>
+              <a:t>5/7/2025</a:t>
             </a:fld>
             <a:endParaRPr lang="en-US"/>
           </a:p>
@@ -465,7 +2523,7 @@
           <a:p>
             <a:fld id="{4300E8FE-E584-4C90-AD46-825793859CB1}" type="datetimeFigureOut">
               <a:rPr lang="en-US" smtClean="0"/>
-              <a:t>5/6/2025</a:t>
+              <a:t>5/7/2025</a:t>
             </a:fld>
             <a:endParaRPr lang="en-US"/>
           </a:p>
@@ -673,7 +2731,7 @@
           <a:p>
             <a:fld id="{4300E8FE-E584-4C90-AD46-825793859CB1}" type="datetimeFigureOut">
               <a:rPr lang="en-US" smtClean="0"/>
-              <a:t>5/6/2025</a:t>
+              <a:t>5/7/2025</a:t>
             </a:fld>
             <a:endParaRPr lang="en-US"/>
           </a:p>
@@ -871,7 +2929,7 @@
           <a:p>
             <a:fld id="{4300E8FE-E584-4C90-AD46-825793859CB1}" type="datetimeFigureOut">
               <a:rPr lang="en-US" smtClean="0"/>
-              <a:t>5/6/2025</a:t>
+              <a:t>5/7/2025</a:t>
             </a:fld>
             <a:endParaRPr lang="en-US"/>
           </a:p>
@@ -1146,7 +3204,7 @@
           <a:p>
             <a:fld id="{4300E8FE-E584-4C90-AD46-825793859CB1}" type="datetimeFigureOut">
               <a:rPr lang="en-US" smtClean="0"/>
-              <a:t>5/6/2025</a:t>
+              <a:t>5/7/2025</a:t>
             </a:fld>
             <a:endParaRPr lang="en-US"/>
           </a:p>
@@ -1411,7 +3469,7 @@
           <a:p>
             <a:fld id="{4300E8FE-E584-4C90-AD46-825793859CB1}" type="datetimeFigureOut">
               <a:rPr lang="en-US" smtClean="0"/>
-              <a:t>5/6/2025</a:t>
+              <a:t>5/7/2025</a:t>
             </a:fld>
             <a:endParaRPr lang="en-US"/>
           </a:p>
@@ -1823,7 +3881,7 @@
           <a:p>
             <a:fld id="{4300E8FE-E584-4C90-AD46-825793859CB1}" type="datetimeFigureOut">
               <a:rPr lang="en-US" smtClean="0"/>
-              <a:t>5/6/2025</a:t>
+              <a:t>5/7/2025</a:t>
             </a:fld>
             <a:endParaRPr lang="en-US"/>
           </a:p>
@@ -1964,7 +4022,7 @@
           <a:p>
             <a:fld id="{4300E8FE-E584-4C90-AD46-825793859CB1}" type="datetimeFigureOut">
               <a:rPr lang="en-US" smtClean="0"/>
-              <a:t>5/6/2025</a:t>
+              <a:t>5/7/2025</a:t>
             </a:fld>
             <a:endParaRPr lang="en-US"/>
           </a:p>
@@ -2077,7 +4135,7 @@
           <a:p>
             <a:fld id="{4300E8FE-E584-4C90-AD46-825793859CB1}" type="datetimeFigureOut">
               <a:rPr lang="en-US" smtClean="0"/>
-              <a:t>5/6/2025</a:t>
+              <a:t>5/7/2025</a:t>
             </a:fld>
             <a:endParaRPr lang="en-US"/>
           </a:p>
@@ -2388,7 +4446,7 @@
           <a:p>
             <a:fld id="{4300E8FE-E584-4C90-AD46-825793859CB1}" type="datetimeFigureOut">
               <a:rPr lang="en-US" smtClean="0"/>
-              <a:t>5/6/2025</a:t>
+              <a:t>5/7/2025</a:t>
             </a:fld>
             <a:endParaRPr lang="en-US"/>
           </a:p>
@@ -2676,7 +4734,7 @@
           <a:p>
             <a:fld id="{4300E8FE-E584-4C90-AD46-825793859CB1}" type="datetimeFigureOut">
               <a:rPr lang="en-US" smtClean="0"/>
-              <a:t>5/6/2025</a:t>
+              <a:t>5/7/2025</a:t>
             </a:fld>
             <a:endParaRPr lang="en-US"/>
           </a:p>
@@ -2917,7 +4975,7 @@
           <a:p>
             <a:fld id="{4300E8FE-E584-4C90-AD46-825793859CB1}" type="datetimeFigureOut">
               <a:rPr lang="en-US" smtClean="0"/>
-              <a:t>5/6/2025</a:t>
+              <a:t>5/7/2025</a:t>
             </a:fld>
             <a:endParaRPr lang="en-US"/>
           </a:p>
@@ -3352,18 +5410,99 @@
         </p:nvSpPr>
         <p:spPr/>
         <p:txBody>
-          <a:bodyPr/>
-          <a:lstStyle/>
-          <a:p>
-            <a:r>
-              <a:rPr lang="en-US" dirty="0"/>
+          <a:bodyPr>
+            <a:normAutofit fontScale="90000"/>
+          </a:bodyPr>
+          <a:lstStyle/>
+          <a:p>
+            <a:pPr marL="0" marR="0" lvl="0" indent="0" algn="l" defTabSz="914400" rtl="0" eaLnBrk="0" fontAlgn="base" latinLnBrk="0" hangingPunct="0">
+              <a:lnSpc>
+                <a:spcPct val="100000"/>
+              </a:lnSpc>
+              <a:spcBef>
+                <a:spcPct val="0"/>
+              </a:spcBef>
+              <a:spcAft>
+                <a:spcPct val="0"/>
+              </a:spcAft>
+              <a:buClrTx/>
+              <a:buSzTx/>
+              <a:tabLst/>
+            </a:pPr>
+            <a:r>
+              <a:rPr kumimoji="0" lang="en-US" altLang="en-US" sz="6000" b="0" i="0" u="none" strike="noStrike" cap="none" normalizeH="0" baseline="0" dirty="0">
+                <a:ln>
+                  <a:noFill/>
+                </a:ln>
+                <a:solidFill>
+                  <a:schemeClr val="tx1"/>
+                </a:solidFill>
+                <a:effectLst/>
+                <a:latin typeface="Arial" panose="020B0604020202020204" pitchFamily="34" charset="0"/>
+              </a:rPr>
+              <a:t>Teaching BERT New Facts:</a:t>
+            </a:r>
+            <a:br>
+              <a:rPr kumimoji="0" lang="en-US" altLang="en-US" sz="6000" b="0" i="0" u="none" strike="noStrike" cap="none" normalizeH="0" baseline="0" dirty="0">
+                <a:ln>
+                  <a:noFill/>
+                </a:ln>
+                <a:solidFill>
+                  <a:schemeClr val="tx1"/>
+                </a:solidFill>
+                <a:effectLst/>
+                <a:latin typeface="Arial" panose="020B0604020202020204" pitchFamily="34" charset="0"/>
+              </a:rPr>
+            </a:br>
+            <a:r>
+              <a:rPr kumimoji="0" lang="en-US" altLang="en-US" sz="6000" b="0" i="0" u="none" strike="noStrike" cap="none" normalizeH="0" baseline="0" dirty="0">
+                <a:ln>
+                  <a:noFill/>
+                </a:ln>
+                <a:solidFill>
+                  <a:schemeClr val="tx1"/>
+                </a:solidFill>
+                <a:effectLst/>
+                <a:latin typeface="Arial" panose="020B0604020202020204" pitchFamily="34" charset="0"/>
+              </a:rPr>
               <a:t> </a:t>
             </a:r>
             <a:r>
-              <a:rPr lang="en-US" b="1" dirty="0"/>
-              <a:t>Slide 1: Title Slide</a:t>
-            </a:r>
-            <a:endParaRPr lang="en-US" dirty="0"/>
+              <a:rPr kumimoji="0" lang="en-US" altLang="en-US" sz="3100" b="0" i="0" u="none" strike="noStrike" cap="none" normalizeH="0" baseline="0" dirty="0">
+                <a:ln>
+                  <a:noFill/>
+                </a:ln>
+                <a:solidFill>
+                  <a:schemeClr val="tx1"/>
+                </a:solidFill>
+                <a:effectLst/>
+                <a:latin typeface="Arial" panose="020B0604020202020204" pitchFamily="34" charset="0"/>
+              </a:rPr>
+              <a:t> </a:t>
+            </a:r>
+            <a:r>
+              <a:rPr kumimoji="0" lang="en-US" altLang="en-US" sz="2700" b="0" i="0" u="none" strike="noStrike" cap="none" normalizeH="0" baseline="0" dirty="0">
+                <a:ln>
+                  <a:noFill/>
+                </a:ln>
+                <a:solidFill>
+                  <a:schemeClr val="tx1"/>
+                </a:solidFill>
+                <a:effectLst/>
+                <a:latin typeface="Arial" panose="020B0604020202020204" pitchFamily="34" charset="0"/>
+              </a:rPr>
+              <a:t>Lightweight Fine-Tuning for Incremental Knowledge Injection</a:t>
+            </a:r>
+            <a:endParaRPr kumimoji="0" lang="en-US" altLang="en-US" sz="6000" b="0" i="0" u="none" strike="noStrike" cap="none" normalizeH="0" baseline="0" dirty="0">
+              <a:ln>
+                <a:noFill/>
+              </a:ln>
+              <a:solidFill>
+                <a:schemeClr val="tx1"/>
+              </a:solidFill>
+              <a:effectLst/>
+              <a:latin typeface="Arial" panose="020B0604020202020204" pitchFamily="34" charset="0"/>
+            </a:endParaRPr>
           </a:p>
         </p:txBody>
       </p:sp>
@@ -3384,6 +5523,10 @@
           </p:nvPr>
         </p:nvSpPr>
         <p:spPr bwMode="auto">
+          <a:xfrm>
+            <a:off x="3234813" y="3770763"/>
+            <a:ext cx="5432898" cy="1200329"/>
+          </a:xfrm>
           <a:prstGeom prst="rect">
             <a:avLst/>
           </a:prstGeom>
@@ -3430,6 +5573,112 @@
           </a:bodyPr>
           <a:lstStyle/>
           <a:p>
+            <a:pPr marL="0" marR="0" lvl="0" indent="0" defTabSz="914400" rtl="0" eaLnBrk="0" fontAlgn="base" latinLnBrk="0" hangingPunct="0">
+              <a:lnSpc>
+                <a:spcPct val="100000"/>
+              </a:lnSpc>
+              <a:spcBef>
+                <a:spcPct val="0"/>
+              </a:spcBef>
+              <a:spcAft>
+                <a:spcPct val="0"/>
+              </a:spcAft>
+              <a:buClrTx/>
+              <a:buSzTx/>
+              <a:tabLst/>
+            </a:pPr>
+            <a:r>
+              <a:rPr kumimoji="0" lang="en-US" altLang="en-US" sz="1800" b="0" i="0" u="none" strike="noStrike" cap="none" normalizeH="0" baseline="0" dirty="0">
+                <a:ln>
+                  <a:noFill/>
+                </a:ln>
+                <a:solidFill>
+                  <a:schemeClr val="tx1"/>
+                </a:solidFill>
+                <a:effectLst/>
+                <a:latin typeface="Arial" panose="020B0604020202020204" pitchFamily="34" charset="0"/>
+              </a:rPr>
+              <a:t>CS 5/7322 – Intro to Natural Language Processing</a:t>
+            </a:r>
+          </a:p>
+          <a:p>
+            <a:pPr marL="0" marR="0" lvl="0" indent="0" defTabSz="914400" rtl="0" eaLnBrk="0" fontAlgn="base" latinLnBrk="0" hangingPunct="0">
+              <a:lnSpc>
+                <a:spcPct val="100000"/>
+              </a:lnSpc>
+              <a:spcBef>
+                <a:spcPct val="0"/>
+              </a:spcBef>
+              <a:spcAft>
+                <a:spcPct val="0"/>
+              </a:spcAft>
+              <a:buClrTx/>
+              <a:buSzTx/>
+              <a:tabLst/>
+            </a:pPr>
+            <a:r>
+              <a:rPr kumimoji="0" lang="en-US" altLang="en-US" sz="1800" b="0" i="0" u="none" strike="noStrike" cap="none" normalizeH="0" baseline="0" dirty="0">
+                <a:ln>
+                  <a:noFill/>
+                </a:ln>
+                <a:solidFill>
+                  <a:schemeClr val="tx1"/>
+                </a:solidFill>
+                <a:effectLst/>
+                <a:latin typeface="Arial" panose="020B0604020202020204" pitchFamily="34" charset="0"/>
+              </a:rPr>
+              <a:t>Nikolas </a:t>
+            </a:r>
+            <a:r>
+              <a:rPr kumimoji="0" lang="en-US" altLang="en-US" sz="1800" b="0" i="0" u="none" strike="noStrike" cap="none" normalizeH="0" baseline="0" dirty="0" err="1">
+                <a:ln>
+                  <a:noFill/>
+                </a:ln>
+                <a:solidFill>
+                  <a:schemeClr val="tx1"/>
+                </a:solidFill>
+                <a:effectLst/>
+                <a:latin typeface="Arial" panose="020B0604020202020204" pitchFamily="34" charset="0"/>
+              </a:rPr>
+              <a:t>Zelenikovski</a:t>
+            </a:r>
+            <a:r>
+              <a:rPr kumimoji="0" lang="en-US" altLang="en-US" sz="1800" b="0" i="0" u="none" strike="noStrike" cap="none" normalizeH="0" baseline="0" dirty="0">
+                <a:ln>
+                  <a:noFill/>
+                </a:ln>
+                <a:solidFill>
+                  <a:schemeClr val="tx1"/>
+                </a:solidFill>
+                <a:effectLst/>
+                <a:latin typeface="Arial" panose="020B0604020202020204" pitchFamily="34" charset="0"/>
+              </a:rPr>
+              <a:t>, Harley Gribble</a:t>
+            </a:r>
+          </a:p>
+          <a:p>
+            <a:pPr marL="0" marR="0" lvl="0" indent="0" defTabSz="914400" rtl="0" eaLnBrk="0" fontAlgn="base" latinLnBrk="0" hangingPunct="0">
+              <a:lnSpc>
+                <a:spcPct val="100000"/>
+              </a:lnSpc>
+              <a:spcBef>
+                <a:spcPct val="0"/>
+              </a:spcBef>
+              <a:spcAft>
+                <a:spcPct val="0"/>
+              </a:spcAft>
+              <a:buClrTx/>
+              <a:buSzTx/>
+              <a:tabLst/>
+            </a:pPr>
+            <a:r>
+              <a:rPr lang="en-US" altLang="en-US" sz="1800" dirty="0">
+                <a:latin typeface="Arial" panose="020B0604020202020204" pitchFamily="34" charset="0"/>
+              </a:rPr>
+              <a:t>May 8, 2025</a:t>
+            </a:r>
+          </a:p>
+          <a:p>
             <a:pPr marL="0" marR="0" lvl="0" indent="0" algn="l" defTabSz="914400" rtl="0" eaLnBrk="0" fontAlgn="base" latinLnBrk="0" hangingPunct="0">
               <a:lnSpc>
                 <a:spcPct val="100000"/>
@@ -3446,63 +5695,16 @@
               <a:buChar char="•"/>
               <a:tabLst/>
             </a:pPr>
-            <a:r>
-              <a:rPr kumimoji="0" lang="en-US" altLang="en-US" sz="1800" b="1" i="0" u="none" strike="noStrike" cap="none" normalizeH="0" baseline="0">
-                <a:ln>
-                  <a:noFill/>
-                </a:ln>
-                <a:solidFill>
-                  <a:schemeClr val="tx1"/>
-                </a:solidFill>
-                <a:effectLst/>
-                <a:latin typeface="Arial" panose="020B0604020202020204" pitchFamily="34" charset="0"/>
-              </a:rPr>
-              <a:t>Title:</a:t>
-            </a:r>
-            <a:r>
-              <a:rPr kumimoji="0" lang="en-US" altLang="en-US" sz="1800" b="0" i="0" u="none" strike="noStrike" cap="none" normalizeH="0" baseline="0">
-                <a:ln>
-                  <a:noFill/>
-                </a:ln>
-                <a:solidFill>
-                  <a:schemeClr val="tx1"/>
-                </a:solidFill>
-                <a:effectLst/>
-                <a:latin typeface="Arial" panose="020B0604020202020204" pitchFamily="34" charset="0"/>
-              </a:rPr>
-              <a:t> Teaching BERT New Facts: Factual Updating Through Lightweight Fine-Tuning</a:t>
-            </a:r>
-          </a:p>
-          <a:p>
-            <a:pPr marL="0" marR="0" lvl="0" indent="0" algn="l" defTabSz="914400" rtl="0" eaLnBrk="0" fontAlgn="base" latinLnBrk="0" hangingPunct="0">
-              <a:lnSpc>
-                <a:spcPct val="100000"/>
-              </a:lnSpc>
-              <a:spcBef>
-                <a:spcPct val="0"/>
-              </a:spcBef>
-              <a:spcAft>
-                <a:spcPct val="0"/>
-              </a:spcAft>
-              <a:buClrTx/>
-              <a:buSzTx/>
-              <a:buFontTx/>
-              <a:buChar char="•"/>
-              <a:tabLst/>
-            </a:pPr>
-            <a:r>
-              <a:rPr kumimoji="0" lang="en-US" altLang="en-US" sz="1800" b="0" i="0" u="none" strike="noStrike" cap="none" normalizeH="0" baseline="0">
-                <a:ln>
-                  <a:noFill/>
-                </a:ln>
-                <a:solidFill>
-                  <a:schemeClr val="tx1"/>
-                </a:solidFill>
-                <a:effectLst/>
-                <a:latin typeface="Arial" panose="020B0604020202020204" pitchFamily="34" charset="0"/>
-              </a:rPr>
-              <a:t>Your name, team members (if any), course, date</a:t>
-            </a:r>
+            <a:endParaRPr kumimoji="0" lang="en-US" altLang="en-US" sz="1800" b="0" i="0" u="none" strike="noStrike" cap="none" normalizeH="0" baseline="0" dirty="0">
+              <a:ln>
+                <a:noFill/>
+              </a:ln>
+              <a:solidFill>
+                <a:schemeClr val="tx1"/>
+              </a:solidFill>
+              <a:effectLst/>
+              <a:latin typeface="Arial" panose="020B0604020202020204" pitchFamily="34" charset="0"/>
+            </a:endParaRPr>
           </a:p>
         </p:txBody>
       </p:sp>
@@ -3522,6 +5724,14 @@
 <file path=ppt/slides/slide10.xml><?xml version="1.0" encoding="utf-8"?>
 <p:sld xmlns:a="http://schemas.openxmlformats.org/drawingml/2006/main" xmlns:r="http://schemas.openxmlformats.org/officeDocument/2006/relationships" xmlns:p="http://schemas.openxmlformats.org/presentationml/2006/main">
   <p:cSld>
+    <p:bg>
+      <p:bgPr>
+        <a:solidFill>
+          <a:schemeClr val="bg1"/>
+        </a:solidFill>
+        <a:effectLst/>
+      </p:bgPr>
+    </p:bg>
     <p:spTree>
       <p:nvGrpSpPr>
         <p:cNvPr id="1" name=""/>
@@ -3541,6 +5751,723 @@
           <p:cNvPr id="2" name="Title 1">
             <a:extLst>
               <a:ext uri="{FF2B5EF4-FFF2-40B4-BE49-F238E27FC236}">
+                <a16:creationId xmlns:a16="http://schemas.microsoft.com/office/drawing/2014/main" id="{775C910D-6E7C-565D-F0A1-5D6A69CE6E86}"/>
+              </a:ext>
+            </a:extLst>
+          </p:cNvPr>
+          <p:cNvSpPr>
+            <a:spLocks noGrp="1"/>
+          </p:cNvSpPr>
+          <p:nvPr>
+            <p:ph type="title"/>
+          </p:nvPr>
+        </p:nvSpPr>
+        <p:spPr>
+          <a:xfrm>
+            <a:off x="522337" y="143311"/>
+            <a:ext cx="3455821" cy="1616203"/>
+          </a:xfrm>
+        </p:spPr>
+        <p:txBody>
+          <a:bodyPr anchor="b">
+            <a:normAutofit/>
+          </a:bodyPr>
+          <a:lstStyle/>
+          <a:p>
+            <a:r>
+              <a:rPr lang="en-US" sz="3200" dirty="0"/>
+              <a:t>Forgetting Results</a:t>
+            </a:r>
+          </a:p>
+        </p:txBody>
+      </p:sp>
+      <p:sp>
+        <p:nvSpPr>
+          <p:cNvPr id="3" name="Content Placeholder 2">
+            <a:extLst>
+              <a:ext uri="{FF2B5EF4-FFF2-40B4-BE49-F238E27FC236}">
+                <a16:creationId xmlns:a16="http://schemas.microsoft.com/office/drawing/2014/main" id="{4F009BB1-3ABD-D2E8-186A-7C0897C8C7B7}"/>
+              </a:ext>
+            </a:extLst>
+          </p:cNvPr>
+          <p:cNvSpPr>
+            <a:spLocks noGrp="1"/>
+          </p:cNvSpPr>
+          <p:nvPr>
+            <p:ph idx="1"/>
+          </p:nvPr>
+        </p:nvSpPr>
+        <p:spPr>
+          <a:xfrm>
+            <a:off x="224414" y="1962684"/>
+            <a:ext cx="4129600" cy="4305284"/>
+          </a:xfrm>
+        </p:spPr>
+        <p:txBody>
+          <a:bodyPr anchor="t">
+            <a:normAutofit/>
+          </a:bodyPr>
+          <a:lstStyle/>
+          <a:p>
+            <a:pPr>
+              <a:buFont typeface="Arial" panose="020B0604020202020204" pitchFamily="34" charset="0"/>
+              <a:buChar char="•"/>
+            </a:pPr>
+            <a:r>
+              <a:rPr lang="en-US" sz="2000" dirty="0"/>
+              <a:t>Most forgetting occurred in long, high-volume configs</a:t>
+            </a:r>
+          </a:p>
+          <a:p>
+            <a:pPr>
+              <a:buFont typeface="Arial" panose="020B0604020202020204" pitchFamily="34" charset="0"/>
+              <a:buChar char="•"/>
+            </a:pPr>
+            <a:r>
+              <a:rPr lang="en-US" sz="2000" dirty="0"/>
+              <a:t>Some 20%+ drops in known fact accuracy</a:t>
+            </a:r>
+          </a:p>
+          <a:p>
+            <a:pPr>
+              <a:buFont typeface="Arial" panose="020B0604020202020204" pitchFamily="34" charset="0"/>
+              <a:buChar char="•"/>
+            </a:pPr>
+            <a:r>
+              <a:rPr lang="en-US" sz="2000" dirty="0"/>
+              <a:t>Controlled exposure helped reduce degradation</a:t>
+            </a:r>
+          </a:p>
+          <a:p>
+            <a:endParaRPr lang="en-US" sz="2000" dirty="0"/>
+          </a:p>
+        </p:txBody>
+      </p:sp>
+      <p:pic>
+        <p:nvPicPr>
+          <p:cNvPr id="1028" name="Picture 4">
+            <a:extLst>
+              <a:ext uri="{FF2B5EF4-FFF2-40B4-BE49-F238E27FC236}">
+                <a16:creationId xmlns:a16="http://schemas.microsoft.com/office/drawing/2014/main" id="{0CD0D905-8065-432F-6139-6BD2DAE1D1FF}"/>
+              </a:ext>
+            </a:extLst>
+          </p:cNvPr>
+          <p:cNvPicPr>
+            <a:picLocks noChangeAspect="1" noChangeArrowheads="1"/>
+          </p:cNvPicPr>
+          <p:nvPr/>
+        </p:nvPicPr>
+        <p:blipFill>
+          <a:blip r:embed="rId3">
+            <a:extLst>
+              <a:ext uri="{28A0092B-C50C-407E-A947-70E740481C1C}">
+                <a14:useLocalDpi xmlns:a14="http://schemas.microsoft.com/office/drawing/2010/main" val="0"/>
+              </a:ext>
+            </a:extLst>
+          </a:blip>
+          <a:stretch>
+            <a:fillRect/>
+          </a:stretch>
+        </p:blipFill>
+        <p:spPr bwMode="auto">
+          <a:xfrm>
+            <a:off x="4129873" y="0"/>
+            <a:ext cx="7837713" cy="6641960"/>
+          </a:xfrm>
+          <a:prstGeom prst="rect">
+            <a:avLst/>
+          </a:prstGeom>
+          <a:noFill/>
+          <a:extLst>
+            <a:ext uri="{909E8E84-426E-40DD-AFC4-6F175D3DCCD1}">
+              <a14:hiddenFill xmlns:a14="http://schemas.microsoft.com/office/drawing/2010/main">
+                <a:solidFill>
+                  <a:srgbClr val="FFFFFF"/>
+                </a:solidFill>
+              </a14:hiddenFill>
+            </a:ext>
+          </a:extLst>
+        </p:spPr>
+      </p:pic>
+      <p:grpSp>
+        <p:nvGrpSpPr>
+          <p:cNvPr id="1033" name="Group 1032">
+            <a:extLst>
+              <a:ext uri="{FF2B5EF4-FFF2-40B4-BE49-F238E27FC236}">
+                <a16:creationId xmlns:a16="http://schemas.microsoft.com/office/drawing/2014/main" id="{6258F736-B256-8039-9DC6-F4E49A5C5AD5}"/>
+              </a:ext>
+              <a:ext uri="{C183D7F6-B498-43B3-948B-1728B52AA6E4}">
+                <adec:decorative xmlns:adec="http://schemas.microsoft.com/office/drawing/2017/decorative" val="1"/>
+              </a:ext>
+            </a:extLst>
+          </p:cNvPr>
+          <p:cNvGrpSpPr>
+            <a:grpSpLocks noGrp="1" noUngrp="1" noRot="1" noChangeAspect="1" noMove="1" noResize="1"/>
+          </p:cNvGrpSpPr>
+          <p:nvPr>
+            <p:extLst>
+              <p:ext uri="{386F3935-93C4-4BCD-93E2-E3B085C9AB24}">
+                <p16:designElem xmlns:p16="http://schemas.microsoft.com/office/powerpoint/2015/main" val="1"/>
+              </p:ext>
+            </p:extLst>
+          </p:nvPr>
+        </p:nvGrpSpPr>
+        <p:grpSpPr>
+          <a:xfrm flipH="1">
+            <a:off x="12068638" y="0"/>
+            <a:ext cx="123362" cy="6858000"/>
+            <a:chOff x="12068638" y="0"/>
+            <a:chExt cx="123362" cy="6858000"/>
+          </a:xfrm>
+        </p:grpSpPr>
+        <p:sp>
+          <p:nvSpPr>
+            <p:cNvPr id="1034" name="Rectangle 1033">
+              <a:extLst>
+                <a:ext uri="{FF2B5EF4-FFF2-40B4-BE49-F238E27FC236}">
+                  <a16:creationId xmlns:a16="http://schemas.microsoft.com/office/drawing/2014/main" id="{10B4520A-996E-330C-99DA-69CA4D89E906}"/>
+                </a:ext>
+                <a:ext uri="{C183D7F6-B498-43B3-948B-1728B52AA6E4}">
+                  <adec:decorative xmlns:adec="http://schemas.microsoft.com/office/drawing/2017/decorative" val="1"/>
+                </a:ext>
+              </a:extLst>
+            </p:cNvPr>
+            <p:cNvSpPr/>
+            <p:nvPr>
+              <p:extLst>
+                <p:ext uri="{386F3935-93C4-4BCD-93E2-E3B085C9AB24}">
+                  <p16:designElem xmlns:p16="http://schemas.microsoft.com/office/powerpoint/2015/main" val="1"/>
+                </p:ext>
+              </p:extLst>
+            </p:nvPr>
+          </p:nvSpPr>
+          <p:spPr>
+            <a:xfrm>
+              <a:off x="12068638" y="0"/>
+              <a:ext cx="123362" cy="6858000"/>
+            </a:xfrm>
+            <a:prstGeom prst="rect">
+              <a:avLst/>
+            </a:prstGeom>
+            <a:gradFill>
+              <a:gsLst>
+                <a:gs pos="0">
+                  <a:schemeClr val="accent2"/>
+                </a:gs>
+                <a:gs pos="100000">
+                  <a:schemeClr val="accent5"/>
+                </a:gs>
+              </a:gsLst>
+              <a:lin ang="1800000" scaled="0"/>
+            </a:gradFill>
+            <a:ln>
+              <a:noFill/>
+            </a:ln>
+          </p:spPr>
+          <p:style>
+            <a:lnRef idx="2">
+              <a:schemeClr val="accent1">
+                <a:shade val="50000"/>
+              </a:schemeClr>
+            </a:lnRef>
+            <a:fillRef idx="1">
+              <a:schemeClr val="accent1"/>
+            </a:fillRef>
+            <a:effectRef idx="0">
+              <a:schemeClr val="accent1"/>
+            </a:effectRef>
+            <a:fontRef idx="minor">
+              <a:schemeClr val="lt1"/>
+            </a:fontRef>
+          </p:style>
+          <p:txBody>
+            <a:bodyPr rtlCol="0" anchor="ctr"/>
+            <a:lstStyle/>
+            <a:p>
+              <a:pPr algn="ctr"/>
+              <a:endParaRPr lang="en-US"/>
+            </a:p>
+          </p:txBody>
+        </p:sp>
+        <p:sp>
+          <p:nvSpPr>
+            <p:cNvPr id="1035" name="Rectangle 1034">
+              <a:extLst>
+                <a:ext uri="{FF2B5EF4-FFF2-40B4-BE49-F238E27FC236}">
+                  <a16:creationId xmlns:a16="http://schemas.microsoft.com/office/drawing/2014/main" id="{EC8FA945-E356-695F-18D6-CAD4EF34FE4A}"/>
+                </a:ext>
+                <a:ext uri="{C183D7F6-B498-43B3-948B-1728B52AA6E4}">
+                  <adec:decorative xmlns:adec="http://schemas.microsoft.com/office/drawing/2017/decorative" val="1"/>
+                </a:ext>
+              </a:extLst>
+            </p:cNvPr>
+            <p:cNvSpPr/>
+            <p:nvPr>
+              <p:extLst>
+                <p:ext uri="{386F3935-93C4-4BCD-93E2-E3B085C9AB24}">
+                  <p16:designElem xmlns:p16="http://schemas.microsoft.com/office/powerpoint/2015/main" val="1"/>
+                </p:ext>
+              </p:extLst>
+            </p:nvPr>
+          </p:nvSpPr>
+          <p:spPr>
+            <a:xfrm>
+              <a:off x="12068638" y="3527553"/>
+              <a:ext cx="123362" cy="3330447"/>
+            </a:xfrm>
+            <a:prstGeom prst="rect">
+              <a:avLst/>
+            </a:prstGeom>
+            <a:gradFill>
+              <a:gsLst>
+                <a:gs pos="19000">
+                  <a:schemeClr val="accent5">
+                    <a:lumMod val="60000"/>
+                    <a:lumOff val="40000"/>
+                    <a:alpha val="0"/>
+                  </a:schemeClr>
+                </a:gs>
+                <a:gs pos="100000">
+                  <a:schemeClr val="accent5">
+                    <a:lumMod val="60000"/>
+                    <a:lumOff val="40000"/>
+                  </a:schemeClr>
+                </a:gs>
+              </a:gsLst>
+              <a:lin ang="600000" scaled="0"/>
+            </a:gradFill>
+            <a:ln>
+              <a:noFill/>
+            </a:ln>
+          </p:spPr>
+          <p:style>
+            <a:lnRef idx="2">
+              <a:schemeClr val="accent1">
+                <a:shade val="50000"/>
+              </a:schemeClr>
+            </a:lnRef>
+            <a:fillRef idx="1">
+              <a:schemeClr val="accent1"/>
+            </a:fillRef>
+            <a:effectRef idx="0">
+              <a:schemeClr val="accent1"/>
+            </a:effectRef>
+            <a:fontRef idx="minor">
+              <a:schemeClr val="lt1"/>
+            </a:fontRef>
+          </p:style>
+          <p:txBody>
+            <a:bodyPr rtlCol="0" anchor="ctr"/>
+            <a:lstStyle/>
+            <a:p>
+              <a:pPr algn="ctr"/>
+              <a:endParaRPr lang="en-US"/>
+            </a:p>
+          </p:txBody>
+        </p:sp>
+      </p:grpSp>
+    </p:spTree>
+    <p:extLst>
+      <p:ext uri="{BB962C8B-B14F-4D97-AF65-F5344CB8AC3E}">
+        <p14:creationId xmlns:p14="http://schemas.microsoft.com/office/powerpoint/2010/main" val="1491938962"/>
+      </p:ext>
+    </p:extLst>
+  </p:cSld>
+  <p:clrMapOvr>
+    <a:masterClrMapping/>
+  </p:clrMapOvr>
+</p:sld>
+</file>
+
+<file path=ppt/slides/slide11.xml><?xml version="1.0" encoding="utf-8"?>
+<p:sld xmlns:a="http://schemas.openxmlformats.org/drawingml/2006/main" xmlns:r="http://schemas.openxmlformats.org/officeDocument/2006/relationships" xmlns:p="http://schemas.openxmlformats.org/presentationml/2006/main">
+  <p:cSld>
+    <p:bg>
+      <p:bgPr>
+        <a:solidFill>
+          <a:schemeClr val="bg1"/>
+        </a:solidFill>
+        <a:effectLst/>
+      </p:bgPr>
+    </p:bg>
+    <p:spTree>
+      <p:nvGrpSpPr>
+        <p:cNvPr id="1" name=""/>
+        <p:cNvGrpSpPr/>
+        <p:nvPr/>
+      </p:nvGrpSpPr>
+      <p:grpSpPr>
+        <a:xfrm>
+          <a:off x="0" y="0"/>
+          <a:ext cx="0" cy="0"/>
+          <a:chOff x="0" y="0"/>
+          <a:chExt cx="0" cy="0"/>
+        </a:xfrm>
+      </p:grpSpPr>
+      <p:sp>
+        <p:nvSpPr>
+          <p:cNvPr id="2" name="Title 1">
+            <a:extLst>
+              <a:ext uri="{FF2B5EF4-FFF2-40B4-BE49-F238E27FC236}">
+                <a16:creationId xmlns:a16="http://schemas.microsoft.com/office/drawing/2014/main" id="{0CB2E808-D518-C37B-3371-BB7B9EBE99AA}"/>
+              </a:ext>
+            </a:extLst>
+          </p:cNvPr>
+          <p:cNvSpPr>
+            <a:spLocks noGrp="1"/>
+          </p:cNvSpPr>
+          <p:nvPr>
+            <p:ph type="title"/>
+          </p:nvPr>
+        </p:nvSpPr>
+        <p:spPr>
+          <a:xfrm>
+            <a:off x="434566" y="604952"/>
+            <a:ext cx="3455821" cy="1616203"/>
+          </a:xfrm>
+        </p:spPr>
+        <p:txBody>
+          <a:bodyPr anchor="b">
+            <a:normAutofit/>
+          </a:bodyPr>
+          <a:lstStyle/>
+          <a:p>
+            <a:r>
+              <a:rPr lang="en-US" sz="3200" b="1" dirty="0"/>
+              <a:t>Hallucination Analysis</a:t>
+            </a:r>
+            <a:endParaRPr lang="en-US" sz="3200" dirty="0"/>
+          </a:p>
+        </p:txBody>
+      </p:sp>
+      <p:sp>
+        <p:nvSpPr>
+          <p:cNvPr id="3" name="Content Placeholder 2">
+            <a:extLst>
+              <a:ext uri="{FF2B5EF4-FFF2-40B4-BE49-F238E27FC236}">
+                <a16:creationId xmlns:a16="http://schemas.microsoft.com/office/drawing/2014/main" id="{0E0FCE1B-6D7F-B8CF-E0F9-FE90F7480F7A}"/>
+              </a:ext>
+            </a:extLst>
+          </p:cNvPr>
+          <p:cNvSpPr>
+            <a:spLocks noGrp="1"/>
+          </p:cNvSpPr>
+          <p:nvPr>
+            <p:ph idx="1"/>
+          </p:nvPr>
+        </p:nvSpPr>
+        <p:spPr>
+          <a:xfrm>
+            <a:off x="294752" y="2221155"/>
+            <a:ext cx="3983764" cy="4168505"/>
+          </a:xfrm>
+        </p:spPr>
+        <p:txBody>
+          <a:bodyPr anchor="t">
+            <a:normAutofit/>
+          </a:bodyPr>
+          <a:lstStyle/>
+          <a:p>
+            <a:pPr>
+              <a:buFont typeface="Arial" panose="020B0604020202020204" pitchFamily="34" charset="0"/>
+              <a:buChar char="•"/>
+            </a:pPr>
+            <a:r>
+              <a:rPr lang="en-US" sz="2000" dirty="0"/>
+              <a:t>Worst models: 40% hallucination</a:t>
+            </a:r>
+          </a:p>
+          <a:p>
+            <a:pPr>
+              <a:buFont typeface="Arial" panose="020B0604020202020204" pitchFamily="34" charset="0"/>
+              <a:buChar char="•"/>
+            </a:pPr>
+            <a:r>
+              <a:rPr lang="en-US" sz="2000" dirty="0"/>
+              <a:t>Higher sentence count = lower hallucination</a:t>
+            </a:r>
+          </a:p>
+          <a:p>
+            <a:pPr>
+              <a:buFont typeface="Arial" panose="020B0604020202020204" pitchFamily="34" charset="0"/>
+              <a:buChar char="•"/>
+            </a:pPr>
+            <a:r>
+              <a:rPr lang="en-US" sz="2000" dirty="0"/>
+              <a:t>Hartzell had low hallucination — model barely changed</a:t>
+            </a:r>
+          </a:p>
+          <a:p>
+            <a:endParaRPr lang="en-US" sz="2000" dirty="0"/>
+          </a:p>
+        </p:txBody>
+      </p:sp>
+      <p:pic>
+        <p:nvPicPr>
+          <p:cNvPr id="2050" name="Picture 2">
+            <a:extLst>
+              <a:ext uri="{FF2B5EF4-FFF2-40B4-BE49-F238E27FC236}">
+                <a16:creationId xmlns:a16="http://schemas.microsoft.com/office/drawing/2014/main" id="{011DEFF7-AEA4-912F-5003-97CB0916B37B}"/>
+              </a:ext>
+            </a:extLst>
+          </p:cNvPr>
+          <p:cNvPicPr>
+            <a:picLocks noChangeAspect="1" noChangeArrowheads="1"/>
+          </p:cNvPicPr>
+          <p:nvPr/>
+        </p:nvPicPr>
+        <p:blipFill>
+          <a:blip r:embed="rId3">
+            <a:extLst>
+              <a:ext uri="{28A0092B-C50C-407E-A947-70E740481C1C}">
+                <a14:useLocalDpi xmlns:a14="http://schemas.microsoft.com/office/drawing/2010/main" val="0"/>
+              </a:ext>
+            </a:extLst>
+          </a:blip>
+          <a:stretch>
+            <a:fillRect/>
+          </a:stretch>
+        </p:blipFill>
+        <p:spPr bwMode="auto">
+          <a:xfrm>
+            <a:off x="4418331" y="261257"/>
+            <a:ext cx="7478918" cy="6430945"/>
+          </a:xfrm>
+          <a:prstGeom prst="rect">
+            <a:avLst/>
+          </a:prstGeom>
+          <a:noFill/>
+          <a:extLst>
+            <a:ext uri="{909E8E84-426E-40DD-AFC4-6F175D3DCCD1}">
+              <a14:hiddenFill xmlns:a14="http://schemas.microsoft.com/office/drawing/2010/main">
+                <a:solidFill>
+                  <a:srgbClr val="FFFFFF"/>
+                </a:solidFill>
+              </a14:hiddenFill>
+            </a:ext>
+          </a:extLst>
+        </p:spPr>
+      </p:pic>
+      <p:grpSp>
+        <p:nvGrpSpPr>
+          <p:cNvPr id="2055" name="Group 2054">
+            <a:extLst>
+              <a:ext uri="{FF2B5EF4-FFF2-40B4-BE49-F238E27FC236}">
+                <a16:creationId xmlns:a16="http://schemas.microsoft.com/office/drawing/2014/main" id="{6258F736-B256-8039-9DC6-F4E49A5C5AD5}"/>
+              </a:ext>
+              <a:ext uri="{C183D7F6-B498-43B3-948B-1728B52AA6E4}">
+                <adec:decorative xmlns:adec="http://schemas.microsoft.com/office/drawing/2017/decorative" val="1"/>
+              </a:ext>
+            </a:extLst>
+          </p:cNvPr>
+          <p:cNvGrpSpPr>
+            <a:grpSpLocks noGrp="1" noUngrp="1" noRot="1" noChangeAspect="1" noMove="1" noResize="1"/>
+          </p:cNvGrpSpPr>
+          <p:nvPr>
+            <p:extLst>
+              <p:ext uri="{386F3935-93C4-4BCD-93E2-E3B085C9AB24}">
+                <p16:designElem xmlns:p16="http://schemas.microsoft.com/office/powerpoint/2015/main" val="1"/>
+              </p:ext>
+            </p:extLst>
+          </p:nvPr>
+        </p:nvGrpSpPr>
+        <p:grpSpPr>
+          <a:xfrm flipH="1">
+            <a:off x="12068638" y="0"/>
+            <a:ext cx="123362" cy="6858000"/>
+            <a:chOff x="12068638" y="0"/>
+            <a:chExt cx="123362" cy="6858000"/>
+          </a:xfrm>
+        </p:grpSpPr>
+        <p:sp>
+          <p:nvSpPr>
+            <p:cNvPr id="2056" name="Rectangle 2055">
+              <a:extLst>
+                <a:ext uri="{FF2B5EF4-FFF2-40B4-BE49-F238E27FC236}">
+                  <a16:creationId xmlns:a16="http://schemas.microsoft.com/office/drawing/2014/main" id="{10B4520A-996E-330C-99DA-69CA4D89E906}"/>
+                </a:ext>
+                <a:ext uri="{C183D7F6-B498-43B3-948B-1728B52AA6E4}">
+                  <adec:decorative xmlns:adec="http://schemas.microsoft.com/office/drawing/2017/decorative" val="1"/>
+                </a:ext>
+              </a:extLst>
+            </p:cNvPr>
+            <p:cNvSpPr/>
+            <p:nvPr>
+              <p:extLst>
+                <p:ext uri="{386F3935-93C4-4BCD-93E2-E3B085C9AB24}">
+                  <p16:designElem xmlns:p16="http://schemas.microsoft.com/office/powerpoint/2015/main" val="1"/>
+                </p:ext>
+              </p:extLst>
+            </p:nvPr>
+          </p:nvSpPr>
+          <p:spPr>
+            <a:xfrm>
+              <a:off x="12068638" y="0"/>
+              <a:ext cx="123362" cy="6858000"/>
+            </a:xfrm>
+            <a:prstGeom prst="rect">
+              <a:avLst/>
+            </a:prstGeom>
+            <a:gradFill>
+              <a:gsLst>
+                <a:gs pos="0">
+                  <a:schemeClr val="accent2"/>
+                </a:gs>
+                <a:gs pos="100000">
+                  <a:schemeClr val="accent5"/>
+                </a:gs>
+              </a:gsLst>
+              <a:lin ang="1800000" scaled="0"/>
+            </a:gradFill>
+            <a:ln>
+              <a:noFill/>
+            </a:ln>
+          </p:spPr>
+          <p:style>
+            <a:lnRef idx="2">
+              <a:schemeClr val="accent1">
+                <a:shade val="50000"/>
+              </a:schemeClr>
+            </a:lnRef>
+            <a:fillRef idx="1">
+              <a:schemeClr val="accent1"/>
+            </a:fillRef>
+            <a:effectRef idx="0">
+              <a:schemeClr val="accent1"/>
+            </a:effectRef>
+            <a:fontRef idx="minor">
+              <a:schemeClr val="lt1"/>
+            </a:fontRef>
+          </p:style>
+          <p:txBody>
+            <a:bodyPr rtlCol="0" anchor="ctr"/>
+            <a:lstStyle/>
+            <a:p>
+              <a:pPr algn="ctr"/>
+              <a:endParaRPr lang="en-US"/>
+            </a:p>
+          </p:txBody>
+        </p:sp>
+        <p:sp>
+          <p:nvSpPr>
+            <p:cNvPr id="2057" name="Rectangle 2056">
+              <a:extLst>
+                <a:ext uri="{FF2B5EF4-FFF2-40B4-BE49-F238E27FC236}">
+                  <a16:creationId xmlns:a16="http://schemas.microsoft.com/office/drawing/2014/main" id="{EC8FA945-E356-695F-18D6-CAD4EF34FE4A}"/>
+                </a:ext>
+                <a:ext uri="{C183D7F6-B498-43B3-948B-1728B52AA6E4}">
+                  <adec:decorative xmlns:adec="http://schemas.microsoft.com/office/drawing/2017/decorative" val="1"/>
+                </a:ext>
+              </a:extLst>
+            </p:cNvPr>
+            <p:cNvSpPr/>
+            <p:nvPr>
+              <p:extLst>
+                <p:ext uri="{386F3935-93C4-4BCD-93E2-E3B085C9AB24}">
+                  <p16:designElem xmlns:p16="http://schemas.microsoft.com/office/powerpoint/2015/main" val="1"/>
+                </p:ext>
+              </p:extLst>
+            </p:nvPr>
+          </p:nvSpPr>
+          <p:spPr>
+            <a:xfrm>
+              <a:off x="12068638" y="3527553"/>
+              <a:ext cx="123362" cy="3330447"/>
+            </a:xfrm>
+            <a:prstGeom prst="rect">
+              <a:avLst/>
+            </a:prstGeom>
+            <a:gradFill>
+              <a:gsLst>
+                <a:gs pos="19000">
+                  <a:schemeClr val="accent5">
+                    <a:lumMod val="60000"/>
+                    <a:lumOff val="40000"/>
+                    <a:alpha val="0"/>
+                  </a:schemeClr>
+                </a:gs>
+                <a:gs pos="100000">
+                  <a:schemeClr val="accent5">
+                    <a:lumMod val="60000"/>
+                    <a:lumOff val="40000"/>
+                  </a:schemeClr>
+                </a:gs>
+              </a:gsLst>
+              <a:lin ang="600000" scaled="0"/>
+            </a:gradFill>
+            <a:ln>
+              <a:noFill/>
+            </a:ln>
+          </p:spPr>
+          <p:style>
+            <a:lnRef idx="2">
+              <a:schemeClr val="accent1">
+                <a:shade val="50000"/>
+              </a:schemeClr>
+            </a:lnRef>
+            <a:fillRef idx="1">
+              <a:schemeClr val="accent1"/>
+            </a:fillRef>
+            <a:effectRef idx="0">
+              <a:schemeClr val="accent1"/>
+            </a:effectRef>
+            <a:fontRef idx="minor">
+              <a:schemeClr val="lt1"/>
+            </a:fontRef>
+          </p:style>
+          <p:txBody>
+            <a:bodyPr rtlCol="0" anchor="ctr"/>
+            <a:lstStyle/>
+            <a:p>
+              <a:pPr algn="ctr"/>
+              <a:endParaRPr lang="en-US"/>
+            </a:p>
+          </p:txBody>
+        </p:sp>
+      </p:grpSp>
+    </p:spTree>
+    <p:extLst>
+      <p:ext uri="{BB962C8B-B14F-4D97-AF65-F5344CB8AC3E}">
+        <p14:creationId xmlns:p14="http://schemas.microsoft.com/office/powerpoint/2010/main" val="1595030154"/>
+      </p:ext>
+    </p:extLst>
+  </p:cSld>
+  <p:clrMapOvr>
+    <a:masterClrMapping/>
+  </p:clrMapOvr>
+</p:sld>
+</file>
+
+<file path=ppt/slides/slide12.xml><?xml version="1.0" encoding="utf-8"?>
+<p:sld xmlns:a="http://schemas.openxmlformats.org/drawingml/2006/main" xmlns:r="http://schemas.openxmlformats.org/officeDocument/2006/relationships" xmlns:p="http://schemas.openxmlformats.org/presentationml/2006/main">
+  <p:cSld>
+    <p:bg>
+      <p:bgPr>
+        <a:solidFill>
+          <a:schemeClr val="bg1"/>
+        </a:solidFill>
+        <a:effectLst/>
+      </p:bgPr>
+    </p:bg>
+    <p:spTree>
+      <p:nvGrpSpPr>
+        <p:cNvPr id="1" name=""/>
+        <p:cNvGrpSpPr/>
+        <p:nvPr/>
+      </p:nvGrpSpPr>
+      <p:grpSpPr>
+        <a:xfrm>
+          <a:off x="0" y="0"/>
+          <a:ext cx="0" cy="0"/>
+          <a:chOff x="0" y="0"/>
+          <a:chExt cx="0" cy="0"/>
+        </a:xfrm>
+      </p:grpSpPr>
+      <p:sp>
+        <p:nvSpPr>
+          <p:cNvPr id="2" name="Title 1">
+            <a:extLst>
+              <a:ext uri="{FF2B5EF4-FFF2-40B4-BE49-F238E27FC236}">
                 <a16:creationId xmlns:a16="http://schemas.microsoft.com/office/drawing/2014/main" id="{D4FDA7A3-4518-07CC-BCE0-31E80ACD09CE}"/>
               </a:ext>
             </a:extLst>
@@ -3552,19 +6479,72 @@
             <p:ph type="title"/>
           </p:nvPr>
         </p:nvSpPr>
-        <p:spPr/>
-        <p:txBody>
-          <a:bodyPr/>
-          <a:lstStyle/>
-          <a:p>
-            <a:r>
-              <a:rPr lang="en-US" b="1" dirty="0"/>
-              <a:t>Slide 10: Prediction Frequency</a:t>
-            </a:r>
-            <a:endParaRPr lang="en-US" dirty="0"/>
-          </a:p>
-        </p:txBody>
-      </p:sp>
+        <p:spPr>
+          <a:xfrm>
+            <a:off x="8261978" y="658774"/>
+            <a:ext cx="3443514" cy="1616203"/>
+          </a:xfrm>
+        </p:spPr>
+        <p:txBody>
+          <a:bodyPr anchor="b">
+            <a:normAutofit/>
+          </a:bodyPr>
+          <a:lstStyle/>
+          <a:p>
+            <a:r>
+              <a:rPr lang="en-US" sz="3200" b="1" dirty="0"/>
+              <a:t>Prediction Frequency</a:t>
+            </a:r>
+            <a:endParaRPr lang="en-US" sz="3200" dirty="0"/>
+          </a:p>
+        </p:txBody>
+      </p:sp>
+      <p:pic>
+        <p:nvPicPr>
+          <p:cNvPr id="4098" name="Picture 2">
+            <a:extLst>
+              <a:ext uri="{FF2B5EF4-FFF2-40B4-BE49-F238E27FC236}">
+                <a16:creationId xmlns:a16="http://schemas.microsoft.com/office/drawing/2014/main" id="{4F17CFDA-CD0D-2A68-759A-F12D7B9C018E}"/>
+              </a:ext>
+            </a:extLst>
+          </p:cNvPr>
+          <p:cNvPicPr>
+            <a:picLocks noChangeAspect="1" noChangeArrowheads="1"/>
+          </p:cNvPicPr>
+          <p:nvPr/>
+        </p:nvPicPr>
+        <p:blipFill>
+          <a:blip r:embed="rId3">
+            <a:extLst>
+              <a:ext uri="{28A0092B-C50C-407E-A947-70E740481C1C}">
+                <a14:useLocalDpi xmlns:a14="http://schemas.microsoft.com/office/drawing/2010/main" val="0"/>
+              </a:ext>
+            </a:extLst>
+          </a:blip>
+          <a:stretch>
+            <a:fillRect/>
+          </a:stretch>
+        </p:blipFill>
+        <p:spPr bwMode="auto">
+          <a:xfrm>
+            <a:off x="486508" y="658774"/>
+            <a:ext cx="7775470" cy="5322534"/>
+          </a:xfrm>
+          <a:prstGeom prst="rect">
+            <a:avLst/>
+          </a:prstGeom>
+          <a:noFill/>
+          <a:extLst>
+            <a:ext uri="{909E8E84-426E-40DD-AFC4-6F175D3DCCD1}">
+              <a14:hiddenFill xmlns:a14="http://schemas.microsoft.com/office/drawing/2010/main">
+                <a:solidFill>
+                  <a:srgbClr val="FFFFFF"/>
+                </a:solidFill>
+              </a14:hiddenFill>
+            </a:ext>
+          </a:extLst>
+        </p:spPr>
+      </p:pic>
       <p:sp>
         <p:nvSpPr>
           <p:cNvPr id="4" name="Rectangle 1">
@@ -3582,6 +6562,815 @@
           </p:nvPr>
         </p:nvSpPr>
         <p:spPr bwMode="auto">
+          <a:xfrm>
+            <a:off x="8261978" y="2533476"/>
+            <a:ext cx="3443514" cy="3447832"/>
+          </a:xfrm>
+          <a:prstGeom prst="rect">
+            <a:avLst/>
+          </a:prstGeom>
+          <a:extLst>
+            <a:ext uri="{909E8E84-426E-40DD-AFC4-6F175D3DCCD1}">
+              <a14:hiddenFill xmlns:a14="http://schemas.microsoft.com/office/drawing/2010/main">
+                <a:solidFill>
+                  <a:schemeClr val="accent1"/>
+                </a:solidFill>
+              </a14:hiddenFill>
+            </a:ext>
+            <a:ext uri="{91240B29-F687-4F45-9708-019B960494DF}">
+              <a14:hiddenLine xmlns:a14="http://schemas.microsoft.com/office/drawing/2010/main" w="9525">
+                <a:solidFill>
+                  <a:schemeClr val="tx1"/>
+                </a:solidFill>
+                <a:miter lim="800000"/>
+                <a:headEnd/>
+                <a:tailEnd/>
+              </a14:hiddenLine>
+            </a:ext>
+            <a:ext uri="{AF507438-7753-43E0-B8FC-AC1667EBCBE1}">
+              <a14:hiddenEffects xmlns:a14="http://schemas.microsoft.com/office/drawing/2010/main">
+                <a:effectLst>
+                  <a:outerShdw dist="35921" dir="2700000" algn="ctr" rotWithShape="0">
+                    <a:schemeClr val="bg2"/>
+                  </a:outerShdw>
+                </a:effectLst>
+              </a14:hiddenEffects>
+            </a:ext>
+          </a:extLst>
+        </p:spPr>
+        <p:txBody>
+          <a:bodyPr vert="horz" lIns="91440" tIns="45720" rIns="91440" bIns="45720" numCol="1" anchor="t" anchorCtr="0" compatLnSpc="1">
+            <a:prstTxWarp prst="textNoShape">
+              <a:avLst/>
+            </a:prstTxWarp>
+            <a:normAutofit/>
+          </a:bodyPr>
+          <a:lstStyle/>
+          <a:p>
+            <a:pPr marL="0" marR="0" lvl="0" indent="0" defTabSz="914400" rtl="0" eaLnBrk="0" fontAlgn="base" latinLnBrk="0" hangingPunct="0">
+              <a:spcBef>
+                <a:spcPct val="0"/>
+              </a:spcBef>
+              <a:spcAft>
+                <a:spcPts val="600"/>
+              </a:spcAft>
+              <a:buClrTx/>
+              <a:buSzTx/>
+              <a:buFontTx/>
+              <a:buChar char="•"/>
+              <a:tabLst/>
+            </a:pPr>
+            <a:r>
+              <a:rPr kumimoji="0" lang="en-US" altLang="en-US" sz="2000" b="0" i="0" u="none" strike="noStrike" cap="none" normalizeH="0" baseline="0" dirty="0">
+                <a:ln>
+                  <a:noFill/>
+                </a:ln>
+                <a:effectLst/>
+                <a:latin typeface="Arial" panose="020B0604020202020204" pitchFamily="34" charset="0"/>
+              </a:rPr>
+              <a:t>Top fallback tokens: </a:t>
+            </a:r>
+            <a:r>
+              <a:rPr kumimoji="0" lang="en-US" altLang="en-US" sz="2000" b="0" i="0" u="none" strike="noStrike" cap="none" normalizeH="0" baseline="0" dirty="0">
+                <a:ln>
+                  <a:noFill/>
+                </a:ln>
+                <a:effectLst/>
+                <a:latin typeface="Arial Unicode MS" panose="020B0604020202020204" pitchFamily="34" charset="-128"/>
+              </a:rPr>
+              <a:t>.</a:t>
+            </a:r>
+            <a:r>
+              <a:rPr kumimoji="0" lang="en-US" altLang="en-US" sz="2000" b="0" i="0" u="none" strike="noStrike" cap="none" normalizeH="0" baseline="0" dirty="0">
+                <a:ln>
+                  <a:noFill/>
+                </a:ln>
+                <a:effectLst/>
+              </a:rPr>
+              <a:t>, </a:t>
+            </a:r>
+            <a:r>
+              <a:rPr kumimoji="0" lang="en-US" altLang="en-US" sz="2000" b="0" i="0" u="none" strike="noStrike" cap="none" normalizeH="0" baseline="0" dirty="0">
+                <a:ln>
+                  <a:noFill/>
+                </a:ln>
+                <a:effectLst/>
+                <a:latin typeface="Arial Unicode MS" panose="020B0604020202020204" pitchFamily="34" charset="-128"/>
+              </a:rPr>
+              <a:t>something</a:t>
+            </a:r>
+            <a:r>
+              <a:rPr kumimoji="0" lang="en-US" altLang="en-US" sz="2000" b="0" i="0" u="none" strike="noStrike" cap="none" normalizeH="0" baseline="0" dirty="0">
+                <a:ln>
+                  <a:noFill/>
+                </a:ln>
+                <a:effectLst/>
+              </a:rPr>
+              <a:t>, </a:t>
+            </a:r>
+            <a:r>
+              <a:rPr kumimoji="0" lang="en-US" altLang="en-US" sz="2000" b="0" i="0" u="none" strike="noStrike" cap="none" normalizeH="0" baseline="0" dirty="0">
+                <a:ln>
+                  <a:noFill/>
+                </a:ln>
+                <a:effectLst/>
+                <a:latin typeface="Arial Unicode MS" panose="020B0604020202020204" pitchFamily="34" charset="-128"/>
+              </a:rPr>
+              <a:t>him</a:t>
+            </a:r>
+            <a:r>
+              <a:rPr kumimoji="0" lang="en-US" altLang="en-US" sz="2000" b="0" i="0" u="none" strike="noStrike" cap="none" normalizeH="0" baseline="0" dirty="0">
+                <a:ln>
+                  <a:noFill/>
+                </a:ln>
+                <a:effectLst/>
+              </a:rPr>
+              <a:t>, </a:t>
+            </a:r>
+            <a:r>
+              <a:rPr kumimoji="0" lang="en-US" altLang="en-US" sz="2000" b="0" i="0" u="none" strike="noStrike" cap="none" normalizeH="0" baseline="0" dirty="0">
+                <a:ln>
+                  <a:noFill/>
+                </a:ln>
+                <a:effectLst/>
+                <a:latin typeface="Arial Unicode MS" panose="020B0604020202020204" pitchFamily="34" charset="-128"/>
+              </a:rPr>
+              <a:t>he</a:t>
+            </a:r>
+            <a:endParaRPr kumimoji="0" lang="en-US" altLang="en-US" sz="2000" b="0" i="0" u="none" strike="noStrike" cap="none" normalizeH="0" baseline="0" dirty="0">
+              <a:ln>
+                <a:noFill/>
+              </a:ln>
+              <a:effectLst/>
+            </a:endParaRPr>
+          </a:p>
+          <a:p>
+            <a:pPr marL="0" marR="0" lvl="0" indent="0" defTabSz="914400" rtl="0" eaLnBrk="0" fontAlgn="base" latinLnBrk="0" hangingPunct="0">
+              <a:spcBef>
+                <a:spcPct val="0"/>
+              </a:spcBef>
+              <a:spcAft>
+                <a:spcPts val="600"/>
+              </a:spcAft>
+              <a:buClrTx/>
+              <a:buSzTx/>
+              <a:buFontTx/>
+              <a:buChar char="•"/>
+              <a:tabLst/>
+            </a:pPr>
+            <a:r>
+              <a:rPr kumimoji="0" lang="en-US" altLang="en-US" sz="2000" b="0" i="0" u="none" strike="noStrike" cap="none" normalizeH="0" baseline="0" dirty="0">
+                <a:ln>
+                  <a:noFill/>
+                </a:ln>
+                <a:effectLst/>
+                <a:latin typeface="Arial" panose="020B0604020202020204" pitchFamily="34" charset="0"/>
+              </a:rPr>
+              <a:t>Reflects BERT’s tendency to default to generic high-probability words</a:t>
+            </a:r>
+          </a:p>
+          <a:p>
+            <a:pPr marL="0" marR="0" lvl="0" indent="0" defTabSz="914400" rtl="0" eaLnBrk="0" fontAlgn="base" latinLnBrk="0" hangingPunct="0">
+              <a:spcBef>
+                <a:spcPct val="0"/>
+              </a:spcBef>
+              <a:spcAft>
+                <a:spcPts val="600"/>
+              </a:spcAft>
+              <a:buClrTx/>
+              <a:buSzTx/>
+              <a:buFontTx/>
+              <a:buNone/>
+              <a:tabLst/>
+            </a:pPr>
+            <a:endParaRPr kumimoji="0" lang="en-US" altLang="en-US" sz="2000" b="0" i="0" u="none" strike="noStrike" cap="none" normalizeH="0" baseline="0" dirty="0">
+              <a:ln>
+                <a:noFill/>
+              </a:ln>
+              <a:effectLst/>
+              <a:latin typeface="Arial" panose="020B0604020202020204" pitchFamily="34" charset="0"/>
+            </a:endParaRPr>
+          </a:p>
+        </p:txBody>
+      </p:sp>
+      <p:grpSp>
+        <p:nvGrpSpPr>
+          <p:cNvPr id="4107" name="Group 4106">
+            <a:extLst>
+              <a:ext uri="{FF2B5EF4-FFF2-40B4-BE49-F238E27FC236}">
+                <a16:creationId xmlns:a16="http://schemas.microsoft.com/office/drawing/2014/main" id="{31C49F18-8757-4E87-5C2E-9D6D7B82BA3B}"/>
+              </a:ext>
+              <a:ext uri="{C183D7F6-B498-43B3-948B-1728B52AA6E4}">
+                <adec:decorative xmlns:adec="http://schemas.microsoft.com/office/drawing/2017/decorative" val="1"/>
+              </a:ext>
+            </a:extLst>
+          </p:cNvPr>
+          <p:cNvGrpSpPr>
+            <a:grpSpLocks noGrp="1" noUngrp="1" noRot="1" noChangeAspect="1" noMove="1" noResize="1"/>
+          </p:cNvGrpSpPr>
+          <p:nvPr>
+            <p:extLst>
+              <p:ext uri="{386F3935-93C4-4BCD-93E2-E3B085C9AB24}">
+                <p16:designElem xmlns:p16="http://schemas.microsoft.com/office/powerpoint/2015/main" val="1"/>
+              </p:ext>
+            </p:extLst>
+          </p:nvPr>
+        </p:nvGrpSpPr>
+        <p:grpSpPr>
+          <a:xfrm>
+            <a:off x="-5025" y="6737718"/>
+            <a:ext cx="12207200" cy="123363"/>
+            <a:chOff x="-5025" y="6737718"/>
+            <a:chExt cx="12207200" cy="123363"/>
+          </a:xfrm>
+        </p:grpSpPr>
+        <p:sp>
+          <p:nvSpPr>
+            <p:cNvPr id="4108" name="Rectangle 4107">
+              <a:extLst>
+                <a:ext uri="{FF2B5EF4-FFF2-40B4-BE49-F238E27FC236}">
+                  <a16:creationId xmlns:a16="http://schemas.microsoft.com/office/drawing/2014/main" id="{25C84D91-E5BF-B919-ACEF-4A25262CEE72}"/>
+                </a:ext>
+                <a:ext uri="{C183D7F6-B498-43B3-948B-1728B52AA6E4}">
+                  <adec:decorative xmlns:adec="http://schemas.microsoft.com/office/drawing/2017/decorative" val="1"/>
+                </a:ext>
+              </a:extLst>
+            </p:cNvPr>
+            <p:cNvSpPr/>
+            <p:nvPr>
+              <p:extLst>
+                <p:ext uri="{386F3935-93C4-4BCD-93E2-E3B085C9AB24}">
+                  <p16:designElem xmlns:p16="http://schemas.microsoft.com/office/powerpoint/2015/main" val="1"/>
+                </p:ext>
+              </p:extLst>
+            </p:nvPr>
+          </p:nvSpPr>
+          <p:spPr>
+            <a:xfrm rot="5400000" flipH="1">
+              <a:off x="6036894" y="695800"/>
+              <a:ext cx="123362" cy="12207199"/>
+            </a:xfrm>
+            <a:prstGeom prst="rect">
+              <a:avLst/>
+            </a:prstGeom>
+            <a:gradFill>
+              <a:gsLst>
+                <a:gs pos="0">
+                  <a:schemeClr val="accent5"/>
+                </a:gs>
+                <a:gs pos="100000">
+                  <a:schemeClr val="accent2"/>
+                </a:gs>
+              </a:gsLst>
+              <a:lin ang="1800000" scaled="0"/>
+            </a:gradFill>
+            <a:ln>
+              <a:noFill/>
+            </a:ln>
+          </p:spPr>
+          <p:style>
+            <a:lnRef idx="2">
+              <a:schemeClr val="accent1">
+                <a:shade val="50000"/>
+              </a:schemeClr>
+            </a:lnRef>
+            <a:fillRef idx="1">
+              <a:schemeClr val="accent1"/>
+            </a:fillRef>
+            <a:effectRef idx="0">
+              <a:schemeClr val="accent1"/>
+            </a:effectRef>
+            <a:fontRef idx="minor">
+              <a:schemeClr val="lt1"/>
+            </a:fontRef>
+          </p:style>
+          <p:txBody>
+            <a:bodyPr rtlCol="0" anchor="ctr"/>
+            <a:lstStyle/>
+            <a:p>
+              <a:pPr algn="ctr"/>
+              <a:endParaRPr lang="en-US"/>
+            </a:p>
+          </p:txBody>
+        </p:sp>
+        <p:sp>
+          <p:nvSpPr>
+            <p:cNvPr id="4109" name="Rectangle 4108">
+              <a:extLst>
+                <a:ext uri="{FF2B5EF4-FFF2-40B4-BE49-F238E27FC236}">
+                  <a16:creationId xmlns:a16="http://schemas.microsoft.com/office/drawing/2014/main" id="{DD889E38-27CA-E23F-B646-8D7B4BB17DBC}"/>
+                </a:ext>
+                <a:ext uri="{C183D7F6-B498-43B3-948B-1728B52AA6E4}">
+                  <adec:decorative xmlns:adec="http://schemas.microsoft.com/office/drawing/2017/decorative" val="1"/>
+                </a:ext>
+              </a:extLst>
+            </p:cNvPr>
+            <p:cNvSpPr/>
+            <p:nvPr>
+              <p:extLst>
+                <p:ext uri="{386F3935-93C4-4BCD-93E2-E3B085C9AB24}">
+                  <p16:designElem xmlns:p16="http://schemas.microsoft.com/office/powerpoint/2015/main" val="1"/>
+                </p:ext>
+              </p:extLst>
+            </p:nvPr>
+          </p:nvSpPr>
+          <p:spPr>
+            <a:xfrm rot="16200000">
+              <a:off x="9176406" y="3835311"/>
+              <a:ext cx="123362" cy="5928176"/>
+            </a:xfrm>
+            <a:prstGeom prst="rect">
+              <a:avLst/>
+            </a:prstGeom>
+            <a:gradFill>
+              <a:gsLst>
+                <a:gs pos="19000">
+                  <a:schemeClr val="accent5">
+                    <a:alpha val="0"/>
+                  </a:schemeClr>
+                </a:gs>
+                <a:gs pos="100000">
+                  <a:schemeClr val="accent5">
+                    <a:lumMod val="60000"/>
+                    <a:lumOff val="40000"/>
+                  </a:schemeClr>
+                </a:gs>
+              </a:gsLst>
+              <a:lin ang="600000" scaled="0"/>
+            </a:gradFill>
+            <a:ln>
+              <a:noFill/>
+            </a:ln>
+          </p:spPr>
+          <p:style>
+            <a:lnRef idx="2">
+              <a:schemeClr val="accent1">
+                <a:shade val="50000"/>
+              </a:schemeClr>
+            </a:lnRef>
+            <a:fillRef idx="1">
+              <a:schemeClr val="accent1"/>
+            </a:fillRef>
+            <a:effectRef idx="0">
+              <a:schemeClr val="accent1"/>
+            </a:effectRef>
+            <a:fontRef idx="minor">
+              <a:schemeClr val="lt1"/>
+            </a:fontRef>
+          </p:style>
+          <p:txBody>
+            <a:bodyPr rtlCol="0" anchor="ctr"/>
+            <a:lstStyle/>
+            <a:p>
+              <a:pPr algn="ctr"/>
+              <a:endParaRPr lang="en-US"/>
+            </a:p>
+          </p:txBody>
+        </p:sp>
+      </p:grpSp>
+    </p:spTree>
+    <p:extLst>
+      <p:ext uri="{BB962C8B-B14F-4D97-AF65-F5344CB8AC3E}">
+        <p14:creationId xmlns:p14="http://schemas.microsoft.com/office/powerpoint/2010/main" val="2521102544"/>
+      </p:ext>
+    </p:extLst>
+  </p:cSld>
+  <p:clrMapOvr>
+    <a:masterClrMapping/>
+  </p:clrMapOvr>
+</p:sld>
+</file>
+
+<file path=ppt/slides/slide13.xml><?xml version="1.0" encoding="utf-8"?>
+<p:sld xmlns:a="http://schemas.openxmlformats.org/drawingml/2006/main" xmlns:r="http://schemas.openxmlformats.org/officeDocument/2006/relationships" xmlns:p="http://schemas.openxmlformats.org/presentationml/2006/main">
+  <p:cSld>
+    <p:bg>
+      <p:bgPr>
+        <a:solidFill>
+          <a:schemeClr val="bg1"/>
+        </a:solidFill>
+        <a:effectLst/>
+      </p:bgPr>
+    </p:bg>
+    <p:spTree>
+      <p:nvGrpSpPr>
+        <p:cNvPr id="1" name=""/>
+        <p:cNvGrpSpPr/>
+        <p:nvPr/>
+      </p:nvGrpSpPr>
+      <p:grpSpPr>
+        <a:xfrm>
+          <a:off x="0" y="0"/>
+          <a:ext cx="0" cy="0"/>
+          <a:chOff x="0" y="0"/>
+          <a:chExt cx="0" cy="0"/>
+        </a:xfrm>
+      </p:grpSpPr>
+      <p:sp>
+        <p:nvSpPr>
+          <p:cNvPr id="2" name="Title 1">
+            <a:extLst>
+              <a:ext uri="{FF2B5EF4-FFF2-40B4-BE49-F238E27FC236}">
+                <a16:creationId xmlns:a16="http://schemas.microsoft.com/office/drawing/2014/main" id="{EEEAA733-F5E3-9D32-3802-9C8902BE0C03}"/>
+              </a:ext>
+            </a:extLst>
+          </p:cNvPr>
+          <p:cNvSpPr>
+            <a:spLocks noGrp="1"/>
+          </p:cNvSpPr>
+          <p:nvPr>
+            <p:ph type="title"/>
+          </p:nvPr>
+        </p:nvSpPr>
+        <p:spPr>
+          <a:xfrm>
+            <a:off x="762001" y="5074024"/>
+            <a:ext cx="10109199" cy="598032"/>
+          </a:xfrm>
+        </p:spPr>
+        <p:txBody>
+          <a:bodyPr vert="horz" lIns="91440" tIns="45720" rIns="91440" bIns="45720" rtlCol="0" anchor="ctr">
+            <a:normAutofit/>
+          </a:bodyPr>
+          <a:lstStyle/>
+          <a:p>
+            <a:r>
+              <a:rPr lang="en-US" sz="3600" kern="1200">
+                <a:solidFill>
+                  <a:schemeClr val="tx1"/>
+                </a:solidFill>
+                <a:latin typeface="+mj-lt"/>
+                <a:ea typeface="+mj-ea"/>
+                <a:cs typeface="+mj-cs"/>
+              </a:rPr>
+              <a:t>Final Results</a:t>
+            </a:r>
+          </a:p>
+        </p:txBody>
+      </p:sp>
+      <p:sp>
+        <p:nvSpPr>
+          <p:cNvPr id="10" name="Rectangle 9">
+            <a:extLst>
+              <a:ext uri="{FF2B5EF4-FFF2-40B4-BE49-F238E27FC236}">
+                <a16:creationId xmlns:a16="http://schemas.microsoft.com/office/drawing/2014/main" id="{5E395AE0-8789-FAD6-A987-32E65C185100}"/>
+              </a:ext>
+              <a:ext uri="{C183D7F6-B498-43B3-948B-1728B52AA6E4}">
+                <adec:decorative xmlns:adec="http://schemas.microsoft.com/office/drawing/2017/decorative" val="1"/>
+              </a:ext>
+            </a:extLst>
+          </p:cNvPr>
+          <p:cNvSpPr>
+            <a:spLocks noGrp="1" noRot="1" noChangeAspect="1" noMove="1" noResize="1" noEditPoints="1" noAdjustHandles="1" noChangeArrowheads="1" noChangeShapeType="1" noTextEdit="1"/>
+          </p:cNvSpPr>
+          <p:nvPr>
+            <p:extLst>
+              <p:ext uri="{386F3935-93C4-4BCD-93E2-E3B085C9AB24}">
+                <p16:designElem xmlns:p16="http://schemas.microsoft.com/office/powerpoint/2015/main" val="1"/>
+              </p:ext>
+            </p:extLst>
+          </p:nvPr>
+        </p:nvSpPr>
+        <p:spPr>
+          <a:xfrm>
+            <a:off x="1" y="1"/>
+            <a:ext cx="12192000" cy="4390253"/>
+          </a:xfrm>
+          <a:prstGeom prst="rect">
+            <a:avLst/>
+          </a:prstGeom>
+          <a:solidFill>
+            <a:schemeClr val="bg1">
+              <a:lumMod val="95000"/>
+              <a:alpha val="65000"/>
+            </a:schemeClr>
+          </a:solidFill>
+          <a:ln>
+            <a:noFill/>
+          </a:ln>
+        </p:spPr>
+        <p:style>
+          <a:lnRef idx="2">
+            <a:schemeClr val="accent1">
+              <a:shade val="50000"/>
+            </a:schemeClr>
+          </a:lnRef>
+          <a:fillRef idx="1">
+            <a:schemeClr val="accent1"/>
+          </a:fillRef>
+          <a:effectRef idx="0">
+            <a:schemeClr val="accent1"/>
+          </a:effectRef>
+          <a:fontRef idx="minor">
+            <a:schemeClr val="lt1"/>
+          </a:fontRef>
+        </p:style>
+        <p:txBody>
+          <a:bodyPr rtlCol="0" anchor="ctr"/>
+          <a:lstStyle/>
+          <a:p>
+            <a:pPr algn="ctr"/>
+            <a:endParaRPr lang="en-US"/>
+          </a:p>
+        </p:txBody>
+      </p:sp>
+      <p:pic>
+        <p:nvPicPr>
+          <p:cNvPr id="5" name="Content Placeholder 4">
+            <a:extLst>
+              <a:ext uri="{FF2B5EF4-FFF2-40B4-BE49-F238E27FC236}">
+                <a16:creationId xmlns:a16="http://schemas.microsoft.com/office/drawing/2014/main" id="{6A70E005-00F5-4A96-EC77-5E2AC1B44FDE}"/>
+              </a:ext>
+            </a:extLst>
+          </p:cNvPr>
+          <p:cNvPicPr>
+            <a:picLocks noGrp="1" noChangeAspect="1"/>
+          </p:cNvPicPr>
+          <p:nvPr>
+            <p:ph idx="1"/>
+          </p:nvPr>
+        </p:nvPicPr>
+        <p:blipFill>
+          <a:blip r:embed="rId2"/>
+          <a:stretch>
+            <a:fillRect/>
+          </a:stretch>
+        </p:blipFill>
+        <p:spPr>
+          <a:xfrm>
+            <a:off x="865141" y="803489"/>
+            <a:ext cx="10488660" cy="2779494"/>
+          </a:xfrm>
+          <a:prstGeom prst="rect">
+            <a:avLst/>
+          </a:prstGeom>
+        </p:spPr>
+      </p:pic>
+      <p:cxnSp>
+        <p:nvCxnSpPr>
+          <p:cNvPr id="12" name="Straight Connector 11">
+            <a:extLst>
+              <a:ext uri="{FF2B5EF4-FFF2-40B4-BE49-F238E27FC236}">
+                <a16:creationId xmlns:a16="http://schemas.microsoft.com/office/drawing/2014/main" id="{7667AA61-5C27-F30F-D229-06CBE5709F33}"/>
+              </a:ext>
+              <a:ext uri="{C183D7F6-B498-43B3-948B-1728B52AA6E4}">
+                <adec:decorative xmlns:adec="http://schemas.microsoft.com/office/drawing/2017/decorative" val="1"/>
+              </a:ext>
+            </a:extLst>
+          </p:cNvPr>
+          <p:cNvCxnSpPr>
+            <a:cxnSpLocks noGrp="1" noRot="1" noChangeAspect="1" noMove="1" noResize="1" noEditPoints="1" noAdjustHandles="1" noChangeArrowheads="1" noChangeShapeType="1"/>
+          </p:cNvCxnSpPr>
+          <p:nvPr>
+            <p:extLst>
+              <p:ext uri="{386F3935-93C4-4BCD-93E2-E3B085C9AB24}">
+                <p16:designElem xmlns:p16="http://schemas.microsoft.com/office/powerpoint/2015/main" val="1"/>
+              </p:ext>
+            </p:extLst>
+          </p:nvPr>
+        </p:nvCxnSpPr>
+        <p:spPr>
+          <a:xfrm>
+            <a:off x="865141" y="4811517"/>
+            <a:ext cx="736939" cy="0"/>
+          </a:xfrm>
+          <a:prstGeom prst="line">
+            <a:avLst/>
+          </a:prstGeom>
+          <a:ln w="57150">
+            <a:solidFill>
+              <a:schemeClr val="accent4"/>
+            </a:solidFill>
+          </a:ln>
+        </p:spPr>
+        <p:style>
+          <a:lnRef idx="1">
+            <a:schemeClr val="accent1"/>
+          </a:lnRef>
+          <a:fillRef idx="0">
+            <a:schemeClr val="accent1"/>
+          </a:fillRef>
+          <a:effectRef idx="0">
+            <a:schemeClr val="accent1"/>
+          </a:effectRef>
+          <a:fontRef idx="minor">
+            <a:schemeClr val="tx1"/>
+          </a:fontRef>
+        </p:style>
+      </p:cxnSp>
+    </p:spTree>
+    <p:extLst>
+      <p:ext uri="{BB962C8B-B14F-4D97-AF65-F5344CB8AC3E}">
+        <p14:creationId xmlns:p14="http://schemas.microsoft.com/office/powerpoint/2010/main" val="2541903370"/>
+      </p:ext>
+    </p:extLst>
+  </p:cSld>
+  <p:clrMapOvr>
+    <a:masterClrMapping/>
+  </p:clrMapOvr>
+</p:sld>
+</file>
+
+<file path=ppt/slides/slide14.xml><?xml version="1.0" encoding="utf-8"?>
+<p:sld xmlns:a="http://schemas.openxmlformats.org/drawingml/2006/main" xmlns:r="http://schemas.openxmlformats.org/officeDocument/2006/relationships" xmlns:p="http://schemas.openxmlformats.org/presentationml/2006/main">
+  <p:cSld>
+    <p:spTree>
+      <p:nvGrpSpPr>
+        <p:cNvPr id="1" name=""/>
+        <p:cNvGrpSpPr/>
+        <p:nvPr/>
+      </p:nvGrpSpPr>
+      <p:grpSpPr>
+        <a:xfrm>
+          <a:off x="0" y="0"/>
+          <a:ext cx="0" cy="0"/>
+          <a:chOff x="0" y="0"/>
+          <a:chExt cx="0" cy="0"/>
+        </a:xfrm>
+      </p:grpSpPr>
+      <p:sp>
+        <p:nvSpPr>
+          <p:cNvPr id="2" name="Title 1">
+            <a:extLst>
+              <a:ext uri="{FF2B5EF4-FFF2-40B4-BE49-F238E27FC236}">
+                <a16:creationId xmlns:a16="http://schemas.microsoft.com/office/drawing/2014/main" id="{D9D64524-C195-278B-9289-72B3F19B66F5}"/>
+              </a:ext>
+            </a:extLst>
+          </p:cNvPr>
+          <p:cNvSpPr>
+            <a:spLocks noGrp="1"/>
+          </p:cNvSpPr>
+          <p:nvPr>
+            <p:ph type="title"/>
+          </p:nvPr>
+        </p:nvSpPr>
+        <p:spPr/>
+        <p:txBody>
+          <a:bodyPr/>
+          <a:lstStyle/>
+          <a:p>
+            <a:r>
+              <a:rPr lang="en-US" dirty="0"/>
+              <a:t>Summary of What We Learned</a:t>
+            </a:r>
+          </a:p>
+        </p:txBody>
+      </p:sp>
+      <p:sp>
+        <p:nvSpPr>
+          <p:cNvPr id="3" name="Content Placeholder 2">
+            <a:extLst>
+              <a:ext uri="{FF2B5EF4-FFF2-40B4-BE49-F238E27FC236}">
+                <a16:creationId xmlns:a16="http://schemas.microsoft.com/office/drawing/2014/main" id="{F70E8337-19D8-E354-EECC-E008956D9458}"/>
+              </a:ext>
+            </a:extLst>
+          </p:cNvPr>
+          <p:cNvSpPr>
+            <a:spLocks noGrp="1"/>
+          </p:cNvSpPr>
+          <p:nvPr>
+            <p:ph idx="1"/>
+          </p:nvPr>
+        </p:nvSpPr>
+        <p:spPr/>
+        <p:txBody>
+          <a:bodyPr>
+            <a:normAutofit fontScale="77500" lnSpcReduction="20000"/>
+          </a:bodyPr>
+          <a:lstStyle/>
+          <a:p>
+            <a:r>
+              <a:rPr lang="en-US" b="1" dirty="0"/>
+              <a:t> BERT can learn new single-token facts through small-scale fine-tuning</a:t>
+            </a:r>
+          </a:p>
+          <a:p>
+            <a:endParaRPr lang="en-US" b="1" dirty="0"/>
+          </a:p>
+          <a:p>
+            <a:r>
+              <a:rPr lang="en-US" b="1" dirty="0"/>
+              <a:t> Learning improves with more training data and longer training</a:t>
+            </a:r>
+          </a:p>
+          <a:p>
+            <a:endParaRPr lang="en-US" b="1" dirty="0"/>
+          </a:p>
+          <a:p>
+            <a:r>
+              <a:rPr lang="en-US" b="1" dirty="0"/>
+              <a:t> Multi-token facts failed (e.g., “Jay Hartzell”) — due to tokenization and [MASK] limits</a:t>
+            </a:r>
+          </a:p>
+          <a:p>
+            <a:endParaRPr lang="en-US" b="1" dirty="0"/>
+          </a:p>
+          <a:p>
+            <a:r>
+              <a:rPr lang="en-US" b="1" dirty="0"/>
+              <a:t> Catastrophic forgetting occurs with overexposure</a:t>
+            </a:r>
+          </a:p>
+          <a:p>
+            <a:endParaRPr lang="en-US" b="1" dirty="0"/>
+          </a:p>
+          <a:p>
+            <a:r>
+              <a:rPr lang="en-US" b="1" dirty="0"/>
+              <a:t> Hallucination was moderate, but decreased with better data</a:t>
+            </a:r>
+          </a:p>
+          <a:p>
+            <a:endParaRPr lang="en-US" b="1" dirty="0"/>
+          </a:p>
+          <a:p>
+            <a:r>
+              <a:rPr lang="en-US" b="1" dirty="0"/>
+              <a:t> Best results = 50 sentences, 3–5 epochs, no knowns</a:t>
+            </a:r>
+            <a:endParaRPr lang="en-US" dirty="0"/>
+          </a:p>
+        </p:txBody>
+      </p:sp>
+    </p:spTree>
+    <p:extLst>
+      <p:ext uri="{BB962C8B-B14F-4D97-AF65-F5344CB8AC3E}">
+        <p14:creationId xmlns:p14="http://schemas.microsoft.com/office/powerpoint/2010/main" val="2134785766"/>
+      </p:ext>
+    </p:extLst>
+  </p:cSld>
+  <p:clrMapOvr>
+    <a:masterClrMapping/>
+  </p:clrMapOvr>
+</p:sld>
+</file>
+
+<file path=ppt/slides/slide15.xml><?xml version="1.0" encoding="utf-8"?>
+<p:sld xmlns:a="http://schemas.openxmlformats.org/drawingml/2006/main" xmlns:r="http://schemas.openxmlformats.org/officeDocument/2006/relationships" xmlns:p="http://schemas.openxmlformats.org/presentationml/2006/main">
+  <p:cSld>
+    <p:spTree>
+      <p:nvGrpSpPr>
+        <p:cNvPr id="1" name=""/>
+        <p:cNvGrpSpPr/>
+        <p:nvPr/>
+      </p:nvGrpSpPr>
+      <p:grpSpPr>
+        <a:xfrm>
+          <a:off x="0" y="0"/>
+          <a:ext cx="0" cy="0"/>
+          <a:chOff x="0" y="0"/>
+          <a:chExt cx="0" cy="0"/>
+        </a:xfrm>
+      </p:grpSpPr>
+      <p:sp>
+        <p:nvSpPr>
+          <p:cNvPr id="2" name="Title 1">
+            <a:extLst>
+              <a:ext uri="{FF2B5EF4-FFF2-40B4-BE49-F238E27FC236}">
+                <a16:creationId xmlns:a16="http://schemas.microsoft.com/office/drawing/2014/main" id="{D32E120D-ABF3-551E-8EDA-EE426C619DF6}"/>
+              </a:ext>
+            </a:extLst>
+          </p:cNvPr>
+          <p:cNvSpPr>
+            <a:spLocks noGrp="1"/>
+          </p:cNvSpPr>
+          <p:nvPr>
+            <p:ph type="title"/>
+          </p:nvPr>
+        </p:nvSpPr>
+        <p:spPr/>
+        <p:txBody>
+          <a:bodyPr/>
+          <a:lstStyle/>
+          <a:p>
+            <a:r>
+              <a:rPr lang="en-US" dirty="0"/>
+              <a:t>What’s Next?</a:t>
+            </a:r>
+          </a:p>
+        </p:txBody>
+      </p:sp>
+      <p:sp>
+        <p:nvSpPr>
+          <p:cNvPr id="4" name="Rectangle 1">
+            <a:extLst>
+              <a:ext uri="{FF2B5EF4-FFF2-40B4-BE49-F238E27FC236}">
+                <a16:creationId xmlns:a16="http://schemas.microsoft.com/office/drawing/2014/main" id="{A2BB1A9B-4F91-95AB-E9AC-635104611BB0}"/>
+              </a:ext>
+            </a:extLst>
+          </p:cNvPr>
+          <p:cNvSpPr>
+            <a:spLocks noGrp="1" noChangeArrowheads="1"/>
+          </p:cNvSpPr>
+          <p:nvPr>
+            <p:ph idx="1"/>
+          </p:nvPr>
+        </p:nvSpPr>
+        <p:spPr bwMode="auto">
+          <a:xfrm>
+            <a:off x="838200" y="2016135"/>
+            <a:ext cx="11247438" cy="3970318"/>
+          </a:xfrm>
           <a:prstGeom prst="rect">
             <a:avLst/>
           </a:prstGeom>
@@ -3641,11 +7430,11 @@
               <a:buClrTx/>
               <a:buSzTx/>
               <a:buFontTx/>
-              <a:buNone/>
+              <a:buChar char="•"/>
               <a:tabLst/>
             </a:pPr>
             <a:r>
-              <a:rPr kumimoji="0" lang="en-US" altLang="en-US" sz="1800" b="1" i="0" u="none" strike="noStrike" cap="none" normalizeH="0" baseline="0">
+              <a:rPr kumimoji="0" lang="en-US" altLang="en-US" b="0" i="0" u="none" strike="noStrike" cap="none" normalizeH="0" baseline="0" dirty="0">
                 <a:ln>
                   <a:noFill/>
                 </a:ln>
@@ -3655,20 +7444,7 @@
                 <a:effectLst/>
                 <a:latin typeface="Arial" panose="020B0604020202020204" pitchFamily="34" charset="0"/>
               </a:rPr>
-              <a:t>Table or chart:</a:t>
-            </a:r>
-            <a:r>
-              <a:rPr kumimoji="0" lang="en-US" altLang="en-US" sz="1800" b="0" i="0" u="none" strike="noStrike" cap="none" normalizeH="0" baseline="0">
-                <a:ln>
-                  <a:noFill/>
-                </a:ln>
-                <a:solidFill>
-                  <a:schemeClr val="tx1"/>
-                </a:solidFill>
-                <a:effectLst/>
-                <a:latin typeface="Arial" panose="020B0604020202020204" pitchFamily="34" charset="0"/>
-              </a:rPr>
-              <a:t> Most common wrong answers</a:t>
+              <a:t>Span masking or use models like T5 for multi-token answers</a:t>
             </a:r>
           </a:p>
           <a:p>
@@ -3688,108 +7464,7 @@
               <a:buChar char="•"/>
               <a:tabLst/>
             </a:pPr>
-            <a:r>
-              <a:rPr kumimoji="0" lang="en-US" altLang="en-US" sz="1800" b="0" i="0" u="none" strike="noStrike" cap="none" normalizeH="0" baseline="0">
-                <a:ln>
-                  <a:noFill/>
-                </a:ln>
-                <a:solidFill>
-                  <a:schemeClr val="tx1"/>
-                </a:solidFill>
-                <a:effectLst/>
-                <a:latin typeface="Arial" panose="020B0604020202020204" pitchFamily="34" charset="0"/>
-              </a:rPr>
-              <a:t>Top fallback tokens: </a:t>
-            </a:r>
-            <a:r>
-              <a:rPr kumimoji="0" lang="en-US" altLang="en-US" sz="1000" b="0" i="0" u="none" strike="noStrike" cap="none" normalizeH="0" baseline="0">
-                <a:ln>
-                  <a:noFill/>
-                </a:ln>
-                <a:solidFill>
-                  <a:schemeClr val="tx1"/>
-                </a:solidFill>
-                <a:effectLst/>
-                <a:latin typeface="Arial Unicode MS" panose="020B0604020202020204" pitchFamily="34" charset="-128"/>
-              </a:rPr>
-              <a:t>.</a:t>
-            </a:r>
-            <a:r>
-              <a:rPr kumimoji="0" lang="en-US" altLang="en-US" sz="800" b="0" i="0" u="none" strike="noStrike" cap="none" normalizeH="0" baseline="0">
-                <a:ln>
-                  <a:noFill/>
-                </a:ln>
-                <a:solidFill>
-                  <a:schemeClr val="tx1"/>
-                </a:solidFill>
-                <a:effectLst/>
-              </a:rPr>
-              <a:t>, </a:t>
-            </a:r>
-            <a:r>
-              <a:rPr kumimoji="0" lang="en-US" altLang="en-US" sz="1000" b="0" i="0" u="none" strike="noStrike" cap="none" normalizeH="0" baseline="0">
-                <a:ln>
-                  <a:noFill/>
-                </a:ln>
-                <a:solidFill>
-                  <a:schemeClr val="tx1"/>
-                </a:solidFill>
-                <a:effectLst/>
-                <a:latin typeface="Arial Unicode MS" panose="020B0604020202020204" pitchFamily="34" charset="-128"/>
-              </a:rPr>
-              <a:t>something</a:t>
-            </a:r>
-            <a:r>
-              <a:rPr kumimoji="0" lang="en-US" altLang="en-US" sz="800" b="0" i="0" u="none" strike="noStrike" cap="none" normalizeH="0" baseline="0">
-                <a:ln>
-                  <a:noFill/>
-                </a:ln>
-                <a:solidFill>
-                  <a:schemeClr val="tx1"/>
-                </a:solidFill>
-                <a:effectLst/>
-              </a:rPr>
-              <a:t>, </a:t>
-            </a:r>
-            <a:r>
-              <a:rPr kumimoji="0" lang="en-US" altLang="en-US" sz="1000" b="0" i="0" u="none" strike="noStrike" cap="none" normalizeH="0" baseline="0">
-                <a:ln>
-                  <a:noFill/>
-                </a:ln>
-                <a:solidFill>
-                  <a:schemeClr val="tx1"/>
-                </a:solidFill>
-                <a:effectLst/>
-                <a:latin typeface="Arial Unicode MS" panose="020B0604020202020204" pitchFamily="34" charset="-128"/>
-              </a:rPr>
-              <a:t>him</a:t>
-            </a:r>
-            <a:r>
-              <a:rPr kumimoji="0" lang="en-US" altLang="en-US" sz="800" b="0" i="0" u="none" strike="noStrike" cap="none" normalizeH="0" baseline="0">
-                <a:ln>
-                  <a:noFill/>
-                </a:ln>
-                <a:solidFill>
-                  <a:schemeClr val="tx1"/>
-                </a:solidFill>
-                <a:effectLst/>
-              </a:rPr>
-              <a:t>, </a:t>
-            </a:r>
-            <a:r>
-              <a:rPr kumimoji="0" lang="en-US" altLang="en-US" sz="1000" b="0" i="0" u="none" strike="noStrike" cap="none" normalizeH="0" baseline="0">
-                <a:ln>
-                  <a:noFill/>
-                </a:ln>
-                <a:solidFill>
-                  <a:schemeClr val="tx1"/>
-                </a:solidFill>
-                <a:effectLst/>
-                <a:latin typeface="Arial Unicode MS" panose="020B0604020202020204" pitchFamily="34" charset="-128"/>
-              </a:rPr>
-              <a:t>he</a:t>
-            </a:r>
-            <a:endParaRPr kumimoji="0" lang="en-US" altLang="en-US" sz="800" b="0" i="0" u="none" strike="noStrike" cap="none" normalizeH="0" baseline="0">
+            <a:endParaRPr kumimoji="0" lang="en-US" altLang="en-US" b="0" i="0" u="none" strike="noStrike" cap="none" normalizeH="0" baseline="0" dirty="0">
               <a:ln>
                 <a:noFill/>
               </a:ln>
@@ -3797,6 +7472,7 @@
                 <a:schemeClr val="tx1"/>
               </a:solidFill>
               <a:effectLst/>
+              <a:latin typeface="Arial" panose="020B0604020202020204" pitchFamily="34" charset="0"/>
             </a:endParaRPr>
           </a:p>
           <a:p>
@@ -3817,7 +7493,7 @@
               <a:tabLst/>
             </a:pPr>
             <a:r>
-              <a:rPr kumimoji="0" lang="en-US" altLang="en-US" sz="1800" b="0" i="0" u="none" strike="noStrike" cap="none" normalizeH="0" baseline="0">
+              <a:rPr kumimoji="0" lang="en-US" altLang="en-US" b="0" i="0" u="none" strike="noStrike" cap="none" normalizeH="0" baseline="0" dirty="0">
                 <a:ln>
                   <a:noFill/>
                 </a:ln>
@@ -3827,7 +7503,33 @@
                 <a:effectLst/>
                 <a:latin typeface="Arial" panose="020B0604020202020204" pitchFamily="34" charset="0"/>
               </a:rPr>
-              <a:t>Reflects BERT’s tendency to default to generic high-probability words</a:t>
+              <a:t>Try adapters or </a:t>
+            </a:r>
+            <a:r>
+              <a:rPr kumimoji="0" lang="en-US" altLang="en-US" b="0" i="0" u="none" strike="noStrike" cap="none" normalizeH="0" baseline="0" dirty="0" err="1">
+                <a:ln>
+                  <a:noFill/>
+                </a:ln>
+                <a:solidFill>
+                  <a:schemeClr val="tx1"/>
+                </a:solidFill>
+                <a:effectLst/>
+                <a:latin typeface="Arial" panose="020B0604020202020204" pitchFamily="34" charset="0"/>
+              </a:rPr>
+              <a:t>LoRA</a:t>
+            </a:r>
+            <a:r>
+              <a:rPr kumimoji="0" lang="en-US" altLang="en-US" b="0" i="0" u="none" strike="noStrike" cap="none" normalizeH="0" baseline="0" dirty="0">
+                <a:ln>
+                  <a:noFill/>
+                </a:ln>
+                <a:solidFill>
+                  <a:schemeClr val="tx1"/>
+                </a:solidFill>
+                <a:effectLst/>
+                <a:latin typeface="Arial" panose="020B0604020202020204" pitchFamily="34" charset="0"/>
+              </a:rPr>
+              <a:t> to reduce forgetting during updates</a:t>
             </a:r>
           </a:p>
           <a:p>
@@ -3844,10 +7546,10 @@
               <a:buClrTx/>
               <a:buSzTx/>
               <a:buFontTx/>
-              <a:buNone/>
+              <a:buChar char="•"/>
               <a:tabLst/>
             </a:pPr>
-            <a:endParaRPr kumimoji="0" lang="en-US" altLang="en-US" sz="1800" b="0" i="0" u="none" strike="noStrike" cap="none" normalizeH="0" baseline="0">
+            <a:endParaRPr kumimoji="0" lang="en-US" altLang="en-US" b="0" i="0" u="none" strike="noStrike" cap="none" normalizeH="0" baseline="0" dirty="0">
               <a:ln>
                 <a:noFill/>
               </a:ln>
@@ -3858,12 +7560,187 @@
               <a:latin typeface="Arial" panose="020B0604020202020204" pitchFamily="34" charset="0"/>
             </a:endParaRPr>
           </a:p>
+          <a:p>
+            <a:pPr marL="0" marR="0" lvl="0" indent="0" algn="l" defTabSz="914400" rtl="0" eaLnBrk="0" fontAlgn="base" latinLnBrk="0" hangingPunct="0">
+              <a:lnSpc>
+                <a:spcPct val="100000"/>
+              </a:lnSpc>
+              <a:spcBef>
+                <a:spcPct val="0"/>
+              </a:spcBef>
+              <a:spcAft>
+                <a:spcPct val="0"/>
+              </a:spcAft>
+              <a:buClrTx/>
+              <a:buSzTx/>
+              <a:buFontTx/>
+              <a:buChar char="•"/>
+              <a:tabLst/>
+            </a:pPr>
+            <a:r>
+              <a:rPr kumimoji="0" lang="en-US" altLang="en-US" b="0" i="0" u="none" strike="noStrike" cap="none" normalizeH="0" baseline="0" dirty="0">
+                <a:ln>
+                  <a:noFill/>
+                </a:ln>
+                <a:solidFill>
+                  <a:schemeClr val="tx1"/>
+                </a:solidFill>
+                <a:effectLst/>
+                <a:latin typeface="Arial" panose="020B0604020202020204" pitchFamily="34" charset="0"/>
+              </a:rPr>
+              <a:t>Explore prompt tuning or contrastive learning for factual alignment</a:t>
+            </a:r>
+          </a:p>
+          <a:p>
+            <a:pPr marL="0" marR="0" lvl="0" indent="0" algn="l" defTabSz="914400" rtl="0" eaLnBrk="0" fontAlgn="base" latinLnBrk="0" hangingPunct="0">
+              <a:lnSpc>
+                <a:spcPct val="100000"/>
+              </a:lnSpc>
+              <a:spcBef>
+                <a:spcPct val="0"/>
+              </a:spcBef>
+              <a:spcAft>
+                <a:spcPct val="0"/>
+              </a:spcAft>
+              <a:buClrTx/>
+              <a:buSzTx/>
+              <a:buFontTx/>
+              <a:buChar char="•"/>
+              <a:tabLst/>
+            </a:pPr>
+            <a:endParaRPr kumimoji="0" lang="en-US" altLang="en-US" b="0" i="0" u="none" strike="noStrike" cap="none" normalizeH="0" baseline="0" dirty="0">
+              <a:ln>
+                <a:noFill/>
+              </a:ln>
+              <a:solidFill>
+                <a:schemeClr val="tx1"/>
+              </a:solidFill>
+              <a:effectLst/>
+              <a:latin typeface="Arial" panose="020B0604020202020204" pitchFamily="34" charset="0"/>
+            </a:endParaRPr>
+          </a:p>
+          <a:p>
+            <a:pPr marL="0" marR="0" lvl="0" indent="0" algn="l" defTabSz="914400" rtl="0" eaLnBrk="0" fontAlgn="base" latinLnBrk="0" hangingPunct="0">
+              <a:lnSpc>
+                <a:spcPct val="100000"/>
+              </a:lnSpc>
+              <a:spcBef>
+                <a:spcPct val="0"/>
+              </a:spcBef>
+              <a:spcAft>
+                <a:spcPct val="0"/>
+              </a:spcAft>
+              <a:buClrTx/>
+              <a:buSzTx/>
+              <a:buFontTx/>
+              <a:buChar char="•"/>
+              <a:tabLst/>
+            </a:pPr>
+            <a:r>
+              <a:rPr kumimoji="0" lang="en-US" altLang="en-US" b="0" i="0" u="none" strike="noStrike" cap="none" normalizeH="0" baseline="0" dirty="0">
+                <a:ln>
+                  <a:noFill/>
+                </a:ln>
+                <a:solidFill>
+                  <a:schemeClr val="tx1"/>
+                </a:solidFill>
+                <a:effectLst/>
+                <a:latin typeface="Arial" panose="020B0604020202020204" pitchFamily="34" charset="0"/>
+              </a:rPr>
+              <a:t>Test sequential fact updates to measure long-term retention</a:t>
+            </a:r>
+          </a:p>
+          <a:p>
+            <a:pPr marL="0" marR="0" lvl="0" indent="0" algn="l" defTabSz="914400" rtl="0" eaLnBrk="0" fontAlgn="base" latinLnBrk="0" hangingPunct="0">
+              <a:lnSpc>
+                <a:spcPct val="100000"/>
+              </a:lnSpc>
+              <a:spcBef>
+                <a:spcPct val="0"/>
+              </a:spcBef>
+              <a:spcAft>
+                <a:spcPct val="0"/>
+              </a:spcAft>
+              <a:buClrTx/>
+              <a:buSzTx/>
+              <a:buFontTx/>
+              <a:buChar char="•"/>
+              <a:tabLst/>
+            </a:pPr>
+            <a:endParaRPr kumimoji="0" lang="en-US" altLang="en-US" b="0" i="0" u="none" strike="noStrike" cap="none" normalizeH="0" baseline="0" dirty="0">
+              <a:ln>
+                <a:noFill/>
+              </a:ln>
+              <a:solidFill>
+                <a:schemeClr val="tx1"/>
+              </a:solidFill>
+              <a:effectLst/>
+              <a:latin typeface="Arial" panose="020B0604020202020204" pitchFamily="34" charset="0"/>
+            </a:endParaRPr>
+          </a:p>
+          <a:p>
+            <a:pPr marL="0" marR="0" lvl="0" indent="0" algn="l" defTabSz="914400" rtl="0" eaLnBrk="0" fontAlgn="base" latinLnBrk="0" hangingPunct="0">
+              <a:lnSpc>
+                <a:spcPct val="100000"/>
+              </a:lnSpc>
+              <a:spcBef>
+                <a:spcPct val="0"/>
+              </a:spcBef>
+              <a:spcAft>
+                <a:spcPct val="0"/>
+              </a:spcAft>
+              <a:buClrTx/>
+              <a:buSzTx/>
+              <a:buFontTx/>
+              <a:buChar char="•"/>
+              <a:tabLst/>
+            </a:pPr>
+            <a:r>
+              <a:rPr kumimoji="0" lang="en-US" altLang="en-US" b="0" i="0" u="none" strike="noStrike" cap="none" normalizeH="0" baseline="0" dirty="0">
+                <a:ln>
+                  <a:noFill/>
+                </a:ln>
+                <a:solidFill>
+                  <a:schemeClr val="tx1"/>
+                </a:solidFill>
+                <a:effectLst/>
+                <a:latin typeface="Arial" panose="020B0604020202020204" pitchFamily="34" charset="0"/>
+              </a:rPr>
+              <a:t>Use external benchmarks like </a:t>
+            </a:r>
+            <a:r>
+              <a:rPr kumimoji="0" lang="en-US" altLang="en-US" b="0" i="0" u="none" strike="noStrike" cap="none" normalizeH="0" baseline="0" dirty="0" err="1">
+                <a:ln>
+                  <a:noFill/>
+                </a:ln>
+                <a:solidFill>
+                  <a:schemeClr val="tx1"/>
+                </a:solidFill>
+                <a:effectLst/>
+                <a:latin typeface="Arial" panose="020B0604020202020204" pitchFamily="34" charset="0"/>
+              </a:rPr>
+              <a:t>TruthfulQA</a:t>
+            </a:r>
+            <a:r>
+              <a:rPr kumimoji="0" lang="en-US" altLang="en-US" b="0" i="0" u="none" strike="noStrike" cap="none" normalizeH="0" baseline="0" dirty="0">
+                <a:ln>
+                  <a:noFill/>
+                </a:ln>
+                <a:solidFill>
+                  <a:schemeClr val="tx1"/>
+                </a:solidFill>
+                <a:effectLst/>
+                <a:latin typeface="Arial" panose="020B0604020202020204" pitchFamily="34" charset="0"/>
+              </a:rPr>
+              <a:t> for standardized evaluation</a:t>
+            </a:r>
+          </a:p>
         </p:txBody>
       </p:sp>
     </p:spTree>
     <p:extLst>
       <p:ext uri="{BB962C8B-B14F-4D97-AF65-F5344CB8AC3E}">
-        <p14:creationId xmlns:p14="http://schemas.microsoft.com/office/powerpoint/2010/main" val="2521102544"/>
+        <p14:creationId xmlns:p14="http://schemas.microsoft.com/office/powerpoint/2010/main" val="1175893701"/>
       </p:ext>
     </p:extLst>
   </p:cSld>
@@ -3873,7 +7750,7 @@
 </p:sld>
 </file>
 
-<file path=ppt/slides/slide11.xml><?xml version="1.0" encoding="utf-8"?>
+<file path=ppt/slides/slide16.xml><?xml version="1.0" encoding="utf-8"?>
 <p:sld xmlns:a="http://schemas.openxmlformats.org/drawingml/2006/main" xmlns:r="http://schemas.openxmlformats.org/officeDocument/2006/relationships" xmlns:p="http://schemas.openxmlformats.org/presentationml/2006/main">
   <p:cSld>
     <p:spTree>
@@ -3895,7 +7772,7 @@
           <p:cNvPr id="2" name="Title 1">
             <a:extLst>
               <a:ext uri="{FF2B5EF4-FFF2-40B4-BE49-F238E27FC236}">
-                <a16:creationId xmlns:a16="http://schemas.microsoft.com/office/drawing/2014/main" id="{D9D64524-C195-278B-9289-72B3F19B66F5}"/>
+                <a16:creationId xmlns:a16="http://schemas.microsoft.com/office/drawing/2014/main" id="{1C1BC077-D10B-3863-2AF7-CD9A18B35194}"/>
               </a:ext>
             </a:extLst>
           </p:cNvPr>
@@ -3913,7 +7790,7 @@
           <a:p>
             <a:r>
               <a:rPr lang="en-US" dirty="0"/>
-              <a:t>Slide 11: Key Findings</a:t>
+              <a:t>References</a:t>
             </a:r>
           </a:p>
         </p:txBody>
@@ -3923,7 +7800,7 @@
           <p:cNvPr id="3" name="Content Placeholder 2">
             <a:extLst>
               <a:ext uri="{FF2B5EF4-FFF2-40B4-BE49-F238E27FC236}">
-                <a16:creationId xmlns:a16="http://schemas.microsoft.com/office/drawing/2014/main" id="{F70E8337-19D8-E354-EECC-E008956D9458}"/>
+                <a16:creationId xmlns:a16="http://schemas.microsoft.com/office/drawing/2014/main" id="{7AFC74DE-07F8-A603-8106-57B68E3CDB48}"/>
               </a:ext>
             </a:extLst>
           </p:cNvPr>
@@ -3938,12 +7815,6 @@
         <p:txBody>
           <a:bodyPr/>
           <a:lstStyle/>
-          <a:p>
-            <a:pPr>
-              <a:buNone/>
-            </a:pPr>
-            <a:endParaRPr lang="en-US" b="1" dirty="0"/>
-          </a:p>
           <a:p>
             <a:pPr>
               <a:buFont typeface="Arial" panose="020B0604020202020204" pitchFamily="34" charset="0"/>
@@ -3951,15 +7822,7 @@
             </a:pPr>
             <a:r>
               <a:rPr lang="en-US" dirty="0"/>
-              <a:t>BERT </a:t>
-            </a:r>
-            <a:r>
-              <a:rPr lang="en-US" b="1" dirty="0"/>
-              <a:t>can</a:t>
-            </a:r>
-            <a:r>
-              <a:rPr lang="en-US" dirty="0"/>
-              <a:t> learn new single-token facts with small-scale fine-tuning</a:t>
+              <a:t>Du et al., From Static to Dynamic: A Continual Learning Framework for Large Language Models</a:t>
             </a:r>
           </a:p>
           <a:p>
@@ -3968,13 +7831,10 @@
               <a:buChar char="•"/>
             </a:pPr>
             <a:r>
-              <a:rPr lang="en-US" b="1" dirty="0"/>
-              <a:t>Fails</a:t>
-            </a:r>
-            <a:r>
-              <a:rPr lang="en-US" dirty="0"/>
-              <a:t> on rare or multi-token names (e.g., “Jay Hartzell”)</a:t>
-            </a:r>
+              <a:rPr lang="en-US" dirty="0"/>
+              <a:t>Gao et al., Retrieval-Augmented Generation for Large Language Models: A Survey</a:t>
+            </a:r>
+            <a:endParaRPr lang="en-US" i="1" dirty="0"/>
           </a:p>
           <a:p>
             <a:pPr>
@@ -3983,29 +7843,15 @@
             </a:pPr>
             <a:r>
               <a:rPr lang="en-US" dirty="0"/>
-              <a:t>Risk of </a:t>
-            </a:r>
-            <a:r>
-              <a:rPr lang="en-US" b="1" dirty="0"/>
-              <a:t>forgetting</a:t>
-            </a:r>
-            <a:r>
-              <a:rPr lang="en-US" dirty="0"/>
-              <a:t> grows with update size</a:t>
-            </a:r>
-          </a:p>
-          <a:p>
-            <a:pPr>
-              <a:buFont typeface="Arial" panose="020B0604020202020204" pitchFamily="34" charset="0"/>
-              <a:buChar char="•"/>
-            </a:pPr>
-            <a:r>
-              <a:rPr lang="en-US" b="1" dirty="0"/>
-              <a:t>Hallucination</a:t>
-            </a:r>
-            <a:r>
-              <a:rPr lang="en-US" dirty="0"/>
-              <a:t> is modest and can be mitigated</a:t>
+              <a:t>Lin et al., </a:t>
+            </a:r>
+            <a:r>
+              <a:rPr lang="en-US" dirty="0" err="1"/>
+              <a:t>TruthfulQA</a:t>
+            </a:r>
+            <a:r>
+              <a:rPr lang="en-US" dirty="0"/>
+              <a:t>: Measuring How Models Mimic Human Falsehoods</a:t>
             </a:r>
           </a:p>
           <a:p>
@@ -4016,7 +7862,7 @@
     </p:spTree>
     <p:extLst>
       <p:ext uri="{BB962C8B-B14F-4D97-AF65-F5344CB8AC3E}">
-        <p14:creationId xmlns:p14="http://schemas.microsoft.com/office/powerpoint/2010/main" val="2134785766"/>
+        <p14:creationId xmlns:p14="http://schemas.microsoft.com/office/powerpoint/2010/main" val="2659231653"/>
       </p:ext>
     </p:extLst>
   </p:cSld>
@@ -4026,7 +7872,7 @@
 </p:sld>
 </file>
 
-<file path=ppt/slides/slide12.xml><?xml version="1.0" encoding="utf-8"?>
+<file path=ppt/slides/slide17.xml><?xml version="1.0" encoding="utf-8"?>
 <p:sld xmlns:a="http://schemas.openxmlformats.org/drawingml/2006/main" xmlns:r="http://schemas.openxmlformats.org/officeDocument/2006/relationships" xmlns:p="http://schemas.openxmlformats.org/presentationml/2006/main">
   <p:cSld>
     <p:spTree>
@@ -4048,7 +7894,7 @@
           <p:cNvPr id="2" name="Title 1">
             <a:extLst>
               <a:ext uri="{FF2B5EF4-FFF2-40B4-BE49-F238E27FC236}">
-                <a16:creationId xmlns:a16="http://schemas.microsoft.com/office/drawing/2014/main" id="{D32E120D-ABF3-551E-8EDA-EE426C619DF6}"/>
+                <a16:creationId xmlns:a16="http://schemas.microsoft.com/office/drawing/2014/main" id="{ECB3A7A4-121A-C2B0-8C7B-918BBED9E28D}"/>
               </a:ext>
             </a:extLst>
           </p:cNvPr>
@@ -4066,7 +7912,267 @@
           <a:p>
             <a:r>
               <a:rPr lang="en-US" dirty="0"/>
-              <a:t>Slide 12: Future Directions</a:t>
+              <a:t>Questions?</a:t>
+            </a:r>
+          </a:p>
+        </p:txBody>
+      </p:sp>
+      <p:sp>
+        <p:nvSpPr>
+          <p:cNvPr id="3" name="Content Placeholder 2">
+            <a:extLst>
+              <a:ext uri="{FF2B5EF4-FFF2-40B4-BE49-F238E27FC236}">
+                <a16:creationId xmlns:a16="http://schemas.microsoft.com/office/drawing/2014/main" id="{F1F37F42-439B-E928-410A-BA3ACA771B7F}"/>
+              </a:ext>
+            </a:extLst>
+          </p:cNvPr>
+          <p:cNvSpPr>
+            <a:spLocks noGrp="1"/>
+          </p:cNvSpPr>
+          <p:nvPr>
+            <p:ph idx="1"/>
+          </p:nvPr>
+        </p:nvSpPr>
+        <p:spPr/>
+        <p:txBody>
+          <a:bodyPr/>
+          <a:lstStyle/>
+          <a:p>
+            <a:endParaRPr lang="en-US"/>
+          </a:p>
+        </p:txBody>
+      </p:sp>
+    </p:spTree>
+    <p:extLst>
+      <p:ext uri="{BB962C8B-B14F-4D97-AF65-F5344CB8AC3E}">
+        <p14:creationId xmlns:p14="http://schemas.microsoft.com/office/powerpoint/2010/main" val="1200916491"/>
+      </p:ext>
+    </p:extLst>
+  </p:cSld>
+  <p:clrMapOvr>
+    <a:masterClrMapping/>
+  </p:clrMapOvr>
+</p:sld>
+</file>
+
+<file path=ppt/slides/slide2.xml><?xml version="1.0" encoding="utf-8"?>
+<p:sld xmlns:a="http://schemas.openxmlformats.org/drawingml/2006/main" xmlns:r="http://schemas.openxmlformats.org/officeDocument/2006/relationships" xmlns:p="http://schemas.openxmlformats.org/presentationml/2006/main">
+  <p:cSld>
+    <p:spTree>
+      <p:nvGrpSpPr>
+        <p:cNvPr id="1" name=""/>
+        <p:cNvGrpSpPr/>
+        <p:nvPr/>
+      </p:nvGrpSpPr>
+      <p:grpSpPr>
+        <a:xfrm>
+          <a:off x="0" y="0"/>
+          <a:ext cx="0" cy="0"/>
+          <a:chOff x="0" y="0"/>
+          <a:chExt cx="0" cy="0"/>
+        </a:xfrm>
+      </p:grpSpPr>
+      <p:sp>
+        <p:nvSpPr>
+          <p:cNvPr id="2" name="Title 1">
+            <a:extLst>
+              <a:ext uri="{FF2B5EF4-FFF2-40B4-BE49-F238E27FC236}">
+                <a16:creationId xmlns:a16="http://schemas.microsoft.com/office/drawing/2014/main" id="{D34674A7-1942-4F34-0284-7844166A6542}"/>
+              </a:ext>
+            </a:extLst>
+          </p:cNvPr>
+          <p:cNvSpPr>
+            <a:spLocks noGrp="1"/>
+          </p:cNvSpPr>
+          <p:nvPr>
+            <p:ph type="title"/>
+          </p:nvPr>
+        </p:nvSpPr>
+        <p:spPr/>
+        <p:txBody>
+          <a:bodyPr/>
+          <a:lstStyle/>
+          <a:p>
+            <a:pPr>
+              <a:buNone/>
+            </a:pPr>
+            <a:r>
+              <a:rPr lang="en-US" dirty="0"/>
+              <a:t>Why Teach BERT New Facts?</a:t>
+            </a:r>
+          </a:p>
+        </p:txBody>
+      </p:sp>
+      <p:sp>
+        <p:nvSpPr>
+          <p:cNvPr id="3" name="Content Placeholder 2">
+            <a:extLst>
+              <a:ext uri="{FF2B5EF4-FFF2-40B4-BE49-F238E27FC236}">
+                <a16:creationId xmlns:a16="http://schemas.microsoft.com/office/drawing/2014/main" id="{BD446DC4-A398-B982-C07E-0758F9D05F67}"/>
+              </a:ext>
+            </a:extLst>
+          </p:cNvPr>
+          <p:cNvSpPr>
+            <a:spLocks noGrp="1"/>
+          </p:cNvSpPr>
+          <p:nvPr>
+            <p:ph idx="1"/>
+          </p:nvPr>
+        </p:nvSpPr>
+        <p:spPr/>
+        <p:txBody>
+          <a:bodyPr>
+            <a:normAutofit fontScale="92500" lnSpcReduction="20000"/>
+          </a:bodyPr>
+          <a:lstStyle/>
+          <a:p>
+            <a:pPr>
+              <a:buFont typeface="Arial" panose="020B0604020202020204" pitchFamily="34" charset="0"/>
+              <a:buChar char="•"/>
+            </a:pPr>
+            <a:r>
+              <a:rPr lang="en-US" dirty="0"/>
+              <a:t>Problem: BERT is a static model — it can't update its knowledge after training</a:t>
+            </a:r>
+          </a:p>
+          <a:p>
+            <a:pPr>
+              <a:buFont typeface="Arial" panose="020B0604020202020204" pitchFamily="34" charset="0"/>
+              <a:buChar char="•"/>
+            </a:pPr>
+            <a:r>
+              <a:rPr lang="en-US" dirty="0"/>
+              <a:t>Why it's interesting:</a:t>
+            </a:r>
+          </a:p>
+          <a:p>
+            <a:pPr lvl="1"/>
+            <a:r>
+              <a:rPr lang="en-US" dirty="0"/>
+              <a:t>Real-world facts change (e.g., elections, sports, leadership)</a:t>
+            </a:r>
+          </a:p>
+          <a:p>
+            <a:pPr lvl="1"/>
+            <a:r>
+              <a:rPr lang="en-US" dirty="0"/>
+              <a:t>Full retraining is expensive and impractical</a:t>
+            </a:r>
+          </a:p>
+          <a:p>
+            <a:pPr lvl="1"/>
+            <a:r>
+              <a:rPr lang="en-US" dirty="0"/>
+              <a:t>Fast factual updates could improve reliability and reduce misinformation</a:t>
+            </a:r>
+          </a:p>
+          <a:p>
+            <a:pPr>
+              <a:buFont typeface="Arial" panose="020B0604020202020204" pitchFamily="34" charset="0"/>
+              <a:buChar char="•"/>
+            </a:pPr>
+            <a:r>
+              <a:rPr lang="en-US" dirty="0"/>
+              <a:t>Why it's hard:</a:t>
+            </a:r>
+          </a:p>
+          <a:p>
+            <a:pPr lvl="1"/>
+            <a:r>
+              <a:rPr lang="en-US" dirty="0"/>
+              <a:t>BERT uses masked language modeling — not designed for structured fact injection</a:t>
+            </a:r>
+          </a:p>
+          <a:p>
+            <a:pPr lvl="1"/>
+            <a:r>
+              <a:rPr lang="en-US" dirty="0"/>
+              <a:t>Updates can cause catastrophic forgetting</a:t>
+            </a:r>
+          </a:p>
+          <a:p>
+            <a:pPr lvl="1"/>
+            <a:r>
+              <a:rPr lang="en-US" dirty="0"/>
+              <a:t>Fine-tuning risks hallucination or overfitting</a:t>
+            </a:r>
+          </a:p>
+          <a:p>
+            <a:pPr>
+              <a:buFont typeface="Arial" panose="020B0604020202020204" pitchFamily="34" charset="0"/>
+              <a:buChar char="•"/>
+            </a:pPr>
+            <a:r>
+              <a:rPr lang="en-US" dirty="0"/>
+              <a:t>Key Question:</a:t>
+            </a:r>
+          </a:p>
+          <a:p>
+            <a:pPr>
+              <a:buFont typeface="Arial" panose="020B0604020202020204" pitchFamily="34" charset="0"/>
+              <a:buChar char="•"/>
+            </a:pPr>
+            <a:r>
+              <a:rPr lang="en-US" dirty="0"/>
+              <a:t>Can we teach BERT new facts without breaking what it already knows?</a:t>
+            </a:r>
+          </a:p>
+        </p:txBody>
+      </p:sp>
+    </p:spTree>
+    <p:extLst>
+      <p:ext uri="{BB962C8B-B14F-4D97-AF65-F5344CB8AC3E}">
+        <p14:creationId xmlns:p14="http://schemas.microsoft.com/office/powerpoint/2010/main" val="1753363146"/>
+      </p:ext>
+    </p:extLst>
+  </p:cSld>
+  <p:clrMapOvr>
+    <a:masterClrMapping/>
+  </p:clrMapOvr>
+</p:sld>
+</file>
+
+<file path=ppt/slides/slide3.xml><?xml version="1.0" encoding="utf-8"?>
+<p:sld xmlns:a="http://schemas.openxmlformats.org/drawingml/2006/main" xmlns:r="http://schemas.openxmlformats.org/officeDocument/2006/relationships" xmlns:p="http://schemas.openxmlformats.org/presentationml/2006/main">
+  <p:cSld>
+    <p:spTree>
+      <p:nvGrpSpPr>
+        <p:cNvPr id="1" name=""/>
+        <p:cNvGrpSpPr/>
+        <p:nvPr/>
+      </p:nvGrpSpPr>
+      <p:grpSpPr>
+        <a:xfrm>
+          <a:off x="0" y="0"/>
+          <a:ext cx="0" cy="0"/>
+          <a:chOff x="0" y="0"/>
+          <a:chExt cx="0" cy="0"/>
+        </a:xfrm>
+      </p:grpSpPr>
+      <p:sp>
+        <p:nvSpPr>
+          <p:cNvPr id="2" name="Title 1">
+            <a:extLst>
+              <a:ext uri="{FF2B5EF4-FFF2-40B4-BE49-F238E27FC236}">
+                <a16:creationId xmlns:a16="http://schemas.microsoft.com/office/drawing/2014/main" id="{74B97690-C1D1-B4E6-2B94-6BAC2DDBCE8C}"/>
+              </a:ext>
+            </a:extLst>
+          </p:cNvPr>
+          <p:cNvSpPr>
+            <a:spLocks noGrp="1"/>
+          </p:cNvSpPr>
+          <p:nvPr>
+            <p:ph type="title"/>
+          </p:nvPr>
+        </p:nvSpPr>
+        <p:spPr/>
+        <p:txBody>
+          <a:bodyPr/>
+          <a:lstStyle/>
+          <a:p>
+            <a:r>
+              <a:rPr lang="en-US" dirty="0"/>
+              <a:t>Why This is Hard</a:t>
             </a:r>
           </a:p>
         </p:txBody>
@@ -4076,7 +8182,7 @@
           <p:cNvPr id="4" name="Rectangle 1">
             <a:extLst>
               <a:ext uri="{FF2B5EF4-FFF2-40B4-BE49-F238E27FC236}">
-                <a16:creationId xmlns:a16="http://schemas.microsoft.com/office/drawing/2014/main" id="{A2BB1A9B-4F91-95AB-E9AC-635104611BB0}"/>
+                <a16:creationId xmlns:a16="http://schemas.microsoft.com/office/drawing/2014/main" id="{9FFC0FC1-548E-BA21-7DD4-60BF4FDA5334}"/>
               </a:ext>
             </a:extLst>
           </p:cNvPr>
@@ -4088,6 +8194,10 @@
           </p:nvPr>
         </p:nvSpPr>
         <p:spPr bwMode="auto">
+          <a:xfrm>
+            <a:off x="651387" y="2305616"/>
+            <a:ext cx="9817111" cy="2246769"/>
+          </a:xfrm>
           <a:prstGeom prst="rect">
             <a:avLst/>
           </a:prstGeom>
@@ -4151,7 +8261,7 @@
               <a:tabLst/>
             </a:pPr>
             <a:r>
-              <a:rPr kumimoji="0" lang="en-US" altLang="en-US" sz="1800" b="0" i="0" u="none" strike="noStrike" cap="none" normalizeH="0" baseline="0">
+              <a:rPr kumimoji="0" lang="en-US" altLang="en-US" sz="2000" b="0" i="0" u="none" strike="noStrike" cap="none" normalizeH="0" baseline="0" dirty="0">
                 <a:ln>
                   <a:noFill/>
                 </a:ln>
@@ -4161,33 +8271,7 @@
                 <a:effectLst/>
                 <a:latin typeface="Arial" panose="020B0604020202020204" pitchFamily="34" charset="0"/>
               </a:rPr>
-              <a:t>Try </a:t>
-            </a:r>
-            <a:r>
-              <a:rPr kumimoji="0" lang="en-US" altLang="en-US" sz="1800" b="1" i="0" u="none" strike="noStrike" cap="none" normalizeH="0" baseline="0">
-                <a:ln>
-                  <a:noFill/>
-                </a:ln>
-                <a:solidFill>
-                  <a:schemeClr val="tx1"/>
-                </a:solidFill>
-                <a:effectLst/>
-                <a:latin typeface="Arial" panose="020B0604020202020204" pitchFamily="34" charset="0"/>
-              </a:rPr>
-              <a:t>span masking</a:t>
-            </a:r>
-            <a:r>
-              <a:rPr kumimoji="0" lang="en-US" altLang="en-US" sz="1800" b="0" i="0" u="none" strike="noStrike" cap="none" normalizeH="0" baseline="0">
-                <a:ln>
-                  <a:noFill/>
-                </a:ln>
-                <a:solidFill>
-                  <a:schemeClr val="tx1"/>
-                </a:solidFill>
-                <a:effectLst/>
-                <a:latin typeface="Arial" panose="020B0604020202020204" pitchFamily="34" charset="0"/>
-              </a:rPr>
-              <a:t> or switch to T5</a:t>
+              <a:t>Catastrophic forgetting: new updates overwrite old facts</a:t>
             </a:r>
           </a:p>
           <a:p>
@@ -4207,71 +8291,16 @@
               <a:buChar char="•"/>
               <a:tabLst/>
             </a:pPr>
-            <a:r>
-              <a:rPr kumimoji="0" lang="en-US" altLang="en-US" sz="1800" b="0" i="0" u="none" strike="noStrike" cap="none" normalizeH="0" baseline="0">
-                <a:ln>
-                  <a:noFill/>
-                </a:ln>
-                <a:solidFill>
-                  <a:schemeClr val="tx1"/>
-                </a:solidFill>
-                <a:effectLst/>
-                <a:latin typeface="Arial" panose="020B0604020202020204" pitchFamily="34" charset="0"/>
-              </a:rPr>
-              <a:t>Use </a:t>
-            </a:r>
-            <a:r>
-              <a:rPr kumimoji="0" lang="en-US" altLang="en-US" sz="1800" b="1" i="0" u="none" strike="noStrike" cap="none" normalizeH="0" baseline="0">
-                <a:ln>
-                  <a:noFill/>
-                </a:ln>
-                <a:solidFill>
-                  <a:schemeClr val="tx1"/>
-                </a:solidFill>
-                <a:effectLst/>
-                <a:latin typeface="Arial" panose="020B0604020202020204" pitchFamily="34" charset="0"/>
-              </a:rPr>
-              <a:t>adapters</a:t>
-            </a:r>
-            <a:r>
-              <a:rPr kumimoji="0" lang="en-US" altLang="en-US" sz="1800" b="0" i="0" u="none" strike="noStrike" cap="none" normalizeH="0" baseline="0">
-                <a:ln>
-                  <a:noFill/>
-                </a:ln>
-                <a:solidFill>
-                  <a:schemeClr val="tx1"/>
-                </a:solidFill>
-                <a:effectLst/>
-                <a:latin typeface="Arial" panose="020B0604020202020204" pitchFamily="34" charset="0"/>
-              </a:rPr>
-              <a:t> or </a:t>
-            </a:r>
-            <a:r>
-              <a:rPr kumimoji="0" lang="en-US" altLang="en-US" sz="1800" b="1" i="0" u="none" strike="noStrike" cap="none" normalizeH="0" baseline="0">
-                <a:ln>
-                  <a:noFill/>
-                </a:ln>
-                <a:solidFill>
-                  <a:schemeClr val="tx1"/>
-                </a:solidFill>
-                <a:effectLst/>
-                <a:latin typeface="Arial" panose="020B0604020202020204" pitchFamily="34" charset="0"/>
-              </a:rPr>
-              <a:t>LoRA</a:t>
-            </a:r>
-            <a:r>
-              <a:rPr kumimoji="0" lang="en-US" altLang="en-US" sz="1800" b="0" i="0" u="none" strike="noStrike" cap="none" normalizeH="0" baseline="0">
-                <a:ln>
-                  <a:noFill/>
-                </a:ln>
-                <a:solidFill>
-                  <a:schemeClr val="tx1"/>
-                </a:solidFill>
-                <a:effectLst/>
-                <a:latin typeface="Arial" panose="020B0604020202020204" pitchFamily="34" charset="0"/>
-              </a:rPr>
-              <a:t> to isolate updates</a:t>
-            </a:r>
+            <a:endParaRPr kumimoji="0" lang="en-US" altLang="en-US" sz="2000" b="0" i="0" u="none" strike="noStrike" cap="none" normalizeH="0" baseline="0" dirty="0">
+              <a:ln>
+                <a:noFill/>
+              </a:ln>
+              <a:solidFill>
+                <a:schemeClr val="tx1"/>
+              </a:solidFill>
+              <a:effectLst/>
+              <a:latin typeface="Arial" panose="020B0604020202020204" pitchFamily="34" charset="0"/>
+            </a:endParaRPr>
           </a:p>
           <a:p>
             <a:pPr marL="0" marR="0" lvl="0" indent="0" algn="l" defTabSz="914400" rtl="0" eaLnBrk="0" fontAlgn="base" latinLnBrk="0" hangingPunct="0">
@@ -4291,7 +8320,7 @@
               <a:tabLst/>
             </a:pPr>
             <a:r>
-              <a:rPr kumimoji="0" lang="en-US" altLang="en-US" sz="1800" b="0" i="0" u="none" strike="noStrike" cap="none" normalizeH="0" baseline="0">
+              <a:rPr kumimoji="0" lang="en-US" altLang="en-US" sz="2000" b="0" i="0" u="none" strike="noStrike" cap="none" normalizeH="0" baseline="0" dirty="0">
                 <a:ln>
                   <a:noFill/>
                 </a:ln>
@@ -4301,57 +8330,8 @@
                 <a:effectLst/>
                 <a:latin typeface="Arial" panose="020B0604020202020204" pitchFamily="34" charset="0"/>
               </a:rPr>
-              <a:t>Explore </a:t>
-            </a:r>
-            <a:r>
-              <a:rPr kumimoji="0" lang="en-US" altLang="en-US" sz="1800" b="1" i="0" u="none" strike="noStrike" cap="none" normalizeH="0" baseline="0">
-                <a:ln>
-                  <a:noFill/>
-                </a:ln>
-                <a:solidFill>
-                  <a:schemeClr val="tx1"/>
-                </a:solidFill>
-                <a:effectLst/>
-                <a:latin typeface="Arial" panose="020B0604020202020204" pitchFamily="34" charset="0"/>
-              </a:rPr>
-              <a:t>contrastive</a:t>
-            </a:r>
-            <a:r>
-              <a:rPr kumimoji="0" lang="en-US" altLang="en-US" sz="1800" b="0" i="0" u="none" strike="noStrike" cap="none" normalizeH="0" baseline="0">
-                <a:ln>
-                  <a:noFill/>
-                </a:ln>
-                <a:solidFill>
-                  <a:schemeClr val="tx1"/>
-                </a:solidFill>
-                <a:effectLst/>
-                <a:latin typeface="Arial" panose="020B0604020202020204" pitchFamily="34" charset="0"/>
-              </a:rPr>
-              <a:t> or </a:t>
-            </a:r>
-            <a:r>
-              <a:rPr kumimoji="0" lang="en-US" altLang="en-US" sz="1800" b="1" i="0" u="none" strike="noStrike" cap="none" normalizeH="0" baseline="0">
-                <a:ln>
-                  <a:noFill/>
-                </a:ln>
-                <a:solidFill>
-                  <a:schemeClr val="tx1"/>
-                </a:solidFill>
-                <a:effectLst/>
-                <a:latin typeface="Arial" panose="020B0604020202020204" pitchFamily="34" charset="0"/>
-              </a:rPr>
-              <a:t>prompt tuning</a:t>
-            </a:r>
-            <a:endParaRPr kumimoji="0" lang="en-US" altLang="en-US" sz="1800" b="0" i="0" u="none" strike="noStrike" cap="none" normalizeH="0" baseline="0">
-              <a:ln>
-                <a:noFill/>
-              </a:ln>
-              <a:solidFill>
-                <a:schemeClr val="tx1"/>
-              </a:solidFill>
-              <a:effectLst/>
-              <a:latin typeface="Arial" panose="020B0604020202020204" pitchFamily="34" charset="0"/>
-            </a:endParaRPr>
+              <a:t>Masked LM limits: can't easily insert multi-token answers</a:t>
+            </a:r>
           </a:p>
           <a:p>
             <a:pPr marL="0" marR="0" lvl="0" indent="0" algn="l" defTabSz="914400" rtl="0" eaLnBrk="0" fontAlgn="base" latinLnBrk="0" hangingPunct="0">
@@ -4370,45 +8350,16 @@
               <a:buChar char="•"/>
               <a:tabLst/>
             </a:pPr>
-            <a:r>
-              <a:rPr kumimoji="0" lang="en-US" altLang="en-US" sz="1800" b="0" i="0" u="none" strike="noStrike" cap="none" normalizeH="0" baseline="0">
-                <a:ln>
-                  <a:noFill/>
-                </a:ln>
-                <a:solidFill>
-                  <a:schemeClr val="tx1"/>
-                </a:solidFill>
-                <a:effectLst/>
-                <a:latin typeface="Arial" panose="020B0604020202020204" pitchFamily="34" charset="0"/>
-              </a:rPr>
-              <a:t>Evaluate on </a:t>
-            </a:r>
-            <a:r>
-              <a:rPr kumimoji="0" lang="en-US" altLang="en-US" sz="1800" b="1" i="0" u="none" strike="noStrike" cap="none" normalizeH="0" baseline="0">
-                <a:ln>
-                  <a:noFill/>
-                </a:ln>
-                <a:solidFill>
-                  <a:schemeClr val="tx1"/>
-                </a:solidFill>
-                <a:effectLst/>
-                <a:latin typeface="Arial" panose="020B0604020202020204" pitchFamily="34" charset="0"/>
-              </a:rPr>
-              <a:t>TruthfulQA</a:t>
-            </a:r>
-            <a:r>
-              <a:rPr kumimoji="0" lang="en-US" altLang="en-US" sz="1800" b="0" i="0" u="none" strike="noStrike" cap="none" normalizeH="0" baseline="0">
-                <a:ln>
-                  <a:noFill/>
-                </a:ln>
-                <a:solidFill>
-                  <a:schemeClr val="tx1"/>
-                </a:solidFill>
-                <a:effectLst/>
-                <a:latin typeface="Arial" panose="020B0604020202020204" pitchFamily="34" charset="0"/>
-              </a:rPr>
-              <a:t> or adversarial benchmarks</a:t>
-            </a:r>
+            <a:endParaRPr kumimoji="0" lang="en-US" altLang="en-US" sz="2000" b="0" i="0" u="none" strike="noStrike" cap="none" normalizeH="0" baseline="0" dirty="0">
+              <a:ln>
+                <a:noFill/>
+              </a:ln>
+              <a:solidFill>
+                <a:schemeClr val="tx1"/>
+              </a:solidFill>
+              <a:effectLst/>
+              <a:latin typeface="Arial" panose="020B0604020202020204" pitchFamily="34" charset="0"/>
+            </a:endParaRPr>
           </a:p>
           <a:p>
             <a:pPr marL="0" marR="0" lvl="0" indent="0" algn="l" defTabSz="914400" rtl="0" eaLnBrk="0" fontAlgn="base" latinLnBrk="0" hangingPunct="0">
@@ -4428,7 +8379,7 @@
               <a:tabLst/>
             </a:pPr>
             <a:r>
-              <a:rPr kumimoji="0" lang="en-US" altLang="en-US" sz="1800" b="0" i="0" u="none" strike="noStrike" cap="none" normalizeH="0" baseline="0">
+              <a:rPr kumimoji="0" lang="en-US" altLang="en-US" sz="2000" b="0" i="0" u="none" strike="noStrike" cap="none" normalizeH="0" baseline="0" dirty="0">
                 <a:ln>
                   <a:noFill/>
                 </a:ln>
@@ -4438,7 +8389,118 @@
                 <a:effectLst/>
                 <a:latin typeface="Arial" panose="020B0604020202020204" pitchFamily="34" charset="0"/>
               </a:rPr>
-              <a:t>Sequential fact updates for long-term retention</a:t>
+              <a:t>Overfitting risk from small data</a:t>
+            </a:r>
+          </a:p>
+          <a:p>
+            <a:pPr marL="0" marR="0" lvl="0" indent="0" algn="l" defTabSz="914400" rtl="0" eaLnBrk="0" fontAlgn="base" latinLnBrk="0" hangingPunct="0">
+              <a:lnSpc>
+                <a:spcPct val="100000"/>
+              </a:lnSpc>
+              <a:spcBef>
+                <a:spcPct val="0"/>
+              </a:spcBef>
+              <a:spcAft>
+                <a:spcPct val="0"/>
+              </a:spcAft>
+              <a:buClrTx/>
+              <a:buSzTx/>
+              <a:buFontTx/>
+              <a:buChar char="•"/>
+              <a:tabLst/>
+            </a:pPr>
+            <a:endParaRPr kumimoji="0" lang="en-US" altLang="en-US" sz="2000" b="0" i="0" u="none" strike="noStrike" cap="none" normalizeH="0" baseline="0" dirty="0">
+              <a:ln>
+                <a:noFill/>
+              </a:ln>
+              <a:solidFill>
+                <a:schemeClr val="tx1"/>
+              </a:solidFill>
+              <a:effectLst/>
+              <a:latin typeface="Arial" panose="020B0604020202020204" pitchFamily="34" charset="0"/>
+            </a:endParaRPr>
+          </a:p>
+          <a:p>
+            <a:pPr marL="0" marR="0" lvl="0" indent="0" algn="l" defTabSz="914400" rtl="0" eaLnBrk="0" fontAlgn="base" latinLnBrk="0" hangingPunct="0">
+              <a:lnSpc>
+                <a:spcPct val="100000"/>
+              </a:lnSpc>
+              <a:spcBef>
+                <a:spcPct val="0"/>
+              </a:spcBef>
+              <a:spcAft>
+                <a:spcPct val="0"/>
+              </a:spcAft>
+              <a:buClrTx/>
+              <a:buSzTx/>
+              <a:buFontTx/>
+              <a:buChar char="•"/>
+              <a:tabLst/>
+            </a:pPr>
+            <a:r>
+              <a:rPr kumimoji="0" lang="en-US" altLang="en-US" sz="2000" b="0" i="0" u="none" strike="noStrike" cap="none" normalizeH="0" baseline="0" dirty="0">
+                <a:ln>
+                  <a:noFill/>
+                </a:ln>
+                <a:solidFill>
+                  <a:schemeClr val="tx1"/>
+                </a:solidFill>
+                <a:effectLst/>
+                <a:latin typeface="Arial" panose="020B0604020202020204" pitchFamily="34" charset="0"/>
+              </a:rPr>
+              <a:t>Challenge: Balance </a:t>
+            </a:r>
+            <a:r>
+              <a:rPr kumimoji="0" lang="en-US" altLang="en-US" sz="2000" b="1" i="0" u="none" strike="noStrike" cap="none" normalizeH="0" baseline="0" dirty="0">
+                <a:ln>
+                  <a:noFill/>
+                </a:ln>
+                <a:solidFill>
+                  <a:schemeClr val="tx1"/>
+                </a:solidFill>
+                <a:effectLst/>
+                <a:latin typeface="Arial" panose="020B0604020202020204" pitchFamily="34" charset="0"/>
+              </a:rPr>
+              <a:t>plasticity</a:t>
+            </a:r>
+            <a:r>
+              <a:rPr kumimoji="0" lang="en-US" altLang="en-US" sz="2000" b="0" i="0" u="none" strike="noStrike" cap="none" normalizeH="0" baseline="0" dirty="0">
+                <a:ln>
+                  <a:noFill/>
+                </a:ln>
+                <a:solidFill>
+                  <a:schemeClr val="tx1"/>
+                </a:solidFill>
+                <a:effectLst/>
+                <a:latin typeface="Arial" panose="020B0604020202020204" pitchFamily="34" charset="0"/>
+              </a:rPr>
+              <a:t> (learning new facts) with </a:t>
+            </a:r>
+            <a:r>
+              <a:rPr kumimoji="0" lang="en-US" altLang="en-US" sz="2000" b="1" i="0" u="none" strike="noStrike" cap="none" normalizeH="0" baseline="0" dirty="0">
+                <a:ln>
+                  <a:noFill/>
+                </a:ln>
+                <a:solidFill>
+                  <a:schemeClr val="tx1"/>
+                </a:solidFill>
+                <a:effectLst/>
+                <a:latin typeface="Arial" panose="020B0604020202020204" pitchFamily="34" charset="0"/>
+              </a:rPr>
+              <a:t>stability</a:t>
+            </a:r>
+            <a:r>
+              <a:rPr kumimoji="0" lang="en-US" altLang="en-US" sz="2000" b="0" i="0" u="none" strike="noStrike" cap="none" normalizeH="0" baseline="0" dirty="0">
+                <a:ln>
+                  <a:noFill/>
+                </a:ln>
+                <a:solidFill>
+                  <a:schemeClr val="tx1"/>
+                </a:solidFill>
+                <a:effectLst/>
+                <a:latin typeface="Arial" panose="020B0604020202020204" pitchFamily="34" charset="0"/>
+              </a:rPr>
+              <a:t> (retaining old ones)</a:t>
             </a:r>
           </a:p>
         </p:txBody>
@@ -4446,7 +8508,7 @@
     </p:spTree>
     <p:extLst>
       <p:ext uri="{BB962C8B-B14F-4D97-AF65-F5344CB8AC3E}">
-        <p14:creationId xmlns:p14="http://schemas.microsoft.com/office/powerpoint/2010/main" val="1175893701"/>
+        <p14:creationId xmlns:p14="http://schemas.microsoft.com/office/powerpoint/2010/main" val="3193598733"/>
       </p:ext>
     </p:extLst>
   </p:cSld>
@@ -4456,7 +8518,7 @@
 </p:sld>
 </file>
 
-<file path=ppt/slides/slide13.xml><?xml version="1.0" encoding="utf-8"?>
+<file path=ppt/slides/slide4.xml><?xml version="1.0" encoding="utf-8"?>
 <p:sld xmlns:a="http://schemas.openxmlformats.org/drawingml/2006/main" xmlns:r="http://schemas.openxmlformats.org/officeDocument/2006/relationships" xmlns:p="http://schemas.openxmlformats.org/presentationml/2006/main">
   <p:cSld>
     <p:spTree>
@@ -4478,7 +8540,7 @@
           <p:cNvPr id="2" name="Title 1">
             <a:extLst>
               <a:ext uri="{FF2B5EF4-FFF2-40B4-BE49-F238E27FC236}">
-                <a16:creationId xmlns:a16="http://schemas.microsoft.com/office/drawing/2014/main" id="{1C1BC077-D10B-3863-2AF7-CD9A18B35194}"/>
+                <a16:creationId xmlns:a16="http://schemas.microsoft.com/office/drawing/2014/main" id="{7982D458-5143-5CAD-72D0-1FA2466DCA12}"/>
               </a:ext>
             </a:extLst>
           </p:cNvPr>
@@ -4496,7 +8558,7 @@
           <a:p>
             <a:r>
               <a:rPr lang="en-US" dirty="0"/>
-              <a:t>Slide 13: References</a:t>
+              <a:t>Experiment Design</a:t>
             </a:r>
           </a:p>
         </p:txBody>
@@ -4506,7 +8568,7 @@
           <p:cNvPr id="3" name="Content Placeholder 2">
             <a:extLst>
               <a:ext uri="{FF2B5EF4-FFF2-40B4-BE49-F238E27FC236}">
-                <a16:creationId xmlns:a16="http://schemas.microsoft.com/office/drawing/2014/main" id="{7AFC74DE-07F8-A603-8106-57B68E3CDB48}"/>
+                <a16:creationId xmlns:a16="http://schemas.microsoft.com/office/drawing/2014/main" id="{0BA49E66-48BD-F8C0-CC30-031455D81AF6}"/>
               </a:ext>
             </a:extLst>
           </p:cNvPr>
@@ -4519,17 +8581,10 @@
         </p:nvSpPr>
         <p:spPr/>
         <p:txBody>
-          <a:bodyPr/>
-          <a:lstStyle/>
-          <a:p>
-            <a:pPr>
-              <a:buNone/>
-            </a:pPr>
-            <a:r>
-              <a:rPr lang="en-US" dirty="0"/>
-              <a:t>List:</a:t>
-            </a:r>
-          </a:p>
+          <a:bodyPr>
+            <a:normAutofit fontScale="92500" lnSpcReduction="20000"/>
+          </a:bodyPr>
+          <a:lstStyle/>
           <a:p>
             <a:pPr>
               <a:buFont typeface="Arial" panose="020B0604020202020204" pitchFamily="34" charset="0"/>
@@ -4537,13 +8592,29 @@
             </a:pPr>
             <a:r>
               <a:rPr lang="en-US" dirty="0"/>
-              <a:t>Dai et al., </a:t>
-            </a:r>
-            <a:r>
-              <a:rPr lang="en-US" i="1" dirty="0"/>
-              <a:t>From Static to Dynamic: Continual Learning for LLMs</a:t>
-            </a:r>
-            <a:endParaRPr lang="en-US" dirty="0"/>
+              <a:t>Selected three new facts to inject:</a:t>
+            </a:r>
+          </a:p>
+          <a:p>
+            <a:pPr lvl="1"/>
+            <a:r>
+              <a:rPr lang="en-US" dirty="0"/>
+              <a:t>Chiefs won the Super Bowl in 2024</a:t>
+            </a:r>
+          </a:p>
+          <a:p>
+            <a:pPr lvl="1"/>
+            <a:r>
+              <a:rPr lang="en-US" dirty="0"/>
+              <a:t>Eagles won the Super Bowl in 2025</a:t>
+            </a:r>
+          </a:p>
+          <a:p>
+            <a:pPr lvl="1"/>
+            <a:r>
+              <a:rPr lang="en-US" dirty="0"/>
+              <a:t>Jay Hartzell is new SMU President</a:t>
+            </a:r>
           </a:p>
           <a:p>
             <a:pPr>
@@ -4552,13 +8623,29 @@
             </a:pPr>
             <a:r>
               <a:rPr lang="en-US" dirty="0"/>
-              <a:t>Mao et al., </a:t>
-            </a:r>
-            <a:r>
-              <a:rPr lang="en-US" i="1" dirty="0"/>
-              <a:t>RAG Survey</a:t>
-            </a:r>
-            <a:endParaRPr lang="en-US" dirty="0"/>
+              <a:t>Training sets of:</a:t>
+            </a:r>
+          </a:p>
+          <a:p>
+            <a:pPr lvl="1"/>
+            <a:r>
+              <a:rPr lang="en-US" dirty="0"/>
+              <a:t>5, 10, 50 sentences</a:t>
+            </a:r>
+          </a:p>
+          <a:p>
+            <a:pPr lvl="1"/>
+            <a:r>
+              <a:rPr lang="en-US" dirty="0"/>
+              <a:t>1, 3, 5 epochs</a:t>
+            </a:r>
+          </a:p>
+          <a:p>
+            <a:pPr lvl="1"/>
+            <a:r>
+              <a:rPr lang="en-US" dirty="0"/>
+              <a:t>Various Combinations</a:t>
+            </a:r>
           </a:p>
           <a:p>
             <a:pPr>
@@ -4567,23 +8654,39 @@
             </a:pPr>
             <a:r>
               <a:rPr lang="en-US" dirty="0"/>
-              <a:t>De Cao et al., </a:t>
-            </a:r>
-            <a:r>
-              <a:rPr lang="en-US" i="1" dirty="0"/>
-              <a:t>Knowledge Editing in Language Models</a:t>
-            </a:r>
-            <a:endParaRPr lang="en-US" dirty="0"/>
-          </a:p>
-          <a:p>
-            <a:endParaRPr lang="en-US" dirty="0"/>
+              <a:t>Created masked evaluation prompts to test fact learning</a:t>
+            </a:r>
+          </a:p>
+          <a:p>
+            <a:pPr>
+              <a:buFont typeface="Arial" panose="020B0604020202020204" pitchFamily="34" charset="0"/>
+              <a:buChar char="•"/>
+            </a:pPr>
+            <a:r>
+              <a:rPr lang="en-US" dirty="0"/>
+              <a:t>Added:</a:t>
+            </a:r>
+          </a:p>
+          <a:p>
+            <a:pPr lvl="1"/>
+            <a:r>
+              <a:rPr lang="en-US" dirty="0"/>
+              <a:t>Known facts → measure forgetting</a:t>
+            </a:r>
+          </a:p>
+          <a:p>
+            <a:pPr lvl="1"/>
+            <a:r>
+              <a:rPr lang="en-US" dirty="0"/>
+              <a:t>Random trivia → test hallucination</a:t>
+            </a:r>
           </a:p>
         </p:txBody>
       </p:sp>
     </p:spTree>
     <p:extLst>
       <p:ext uri="{BB962C8B-B14F-4D97-AF65-F5344CB8AC3E}">
-        <p14:creationId xmlns:p14="http://schemas.microsoft.com/office/powerpoint/2010/main" val="2659231653"/>
+        <p14:creationId xmlns:p14="http://schemas.microsoft.com/office/powerpoint/2010/main" val="221165006"/>
       </p:ext>
     </p:extLst>
   </p:cSld>
@@ -4593,7 +8696,7 @@
 </p:sld>
 </file>
 
-<file path=ppt/slides/slide14.xml><?xml version="1.0" encoding="utf-8"?>
+<file path=ppt/slides/slide5.xml><?xml version="1.0" encoding="utf-8"?>
 <p:sld xmlns:a="http://schemas.openxmlformats.org/drawingml/2006/main" xmlns:r="http://schemas.openxmlformats.org/officeDocument/2006/relationships" xmlns:p="http://schemas.openxmlformats.org/presentationml/2006/main">
   <p:cSld>
     <p:spTree>
@@ -4615,7 +8718,7 @@
           <p:cNvPr id="2" name="Title 1">
             <a:extLst>
               <a:ext uri="{FF2B5EF4-FFF2-40B4-BE49-F238E27FC236}">
-                <a16:creationId xmlns:a16="http://schemas.microsoft.com/office/drawing/2014/main" id="{ECB3A7A4-121A-C2B0-8C7B-918BBED9E28D}"/>
+                <a16:creationId xmlns:a16="http://schemas.microsoft.com/office/drawing/2014/main" id="{AB67D815-ADE5-0641-EF83-A4F64ACE14EB}"/>
               </a:ext>
             </a:extLst>
           </p:cNvPr>
@@ -4632,264 +8735,33 @@
           <a:lstStyle/>
           <a:p>
             <a:r>
-              <a:rPr lang="en-US"/>
-              <a:t>Slide 14: Questions?</a:t>
-            </a:r>
-          </a:p>
-        </p:txBody>
-      </p:sp>
-      <p:sp>
-        <p:nvSpPr>
-          <p:cNvPr id="3" name="Content Placeholder 2">
+              <a:rPr lang="en-US" dirty="0"/>
+              <a:t>Model Architecture &amp; Evaluation Pipeline</a:t>
+            </a:r>
+          </a:p>
+        </p:txBody>
+      </p:sp>
+      <p:sp>
+        <p:nvSpPr>
+          <p:cNvPr id="4" name="Rectangle 1">
             <a:extLst>
               <a:ext uri="{FF2B5EF4-FFF2-40B4-BE49-F238E27FC236}">
-                <a16:creationId xmlns:a16="http://schemas.microsoft.com/office/drawing/2014/main" id="{F1F37F42-439B-E928-410A-BA3ACA771B7F}"/>
+                <a16:creationId xmlns:a16="http://schemas.microsoft.com/office/drawing/2014/main" id="{AC1C41A8-616B-16E4-E8E9-A905FCB2A022}"/>
               </a:ext>
             </a:extLst>
           </p:cNvPr>
           <p:cNvSpPr>
-            <a:spLocks noGrp="1"/>
+            <a:spLocks noGrp="1" noChangeArrowheads="1"/>
           </p:cNvSpPr>
           <p:nvPr>
             <p:ph idx="1"/>
           </p:nvPr>
         </p:nvSpPr>
-        <p:spPr/>
-        <p:txBody>
-          <a:bodyPr/>
-          <a:lstStyle/>
-          <a:p>
-            <a:endParaRPr lang="en-US"/>
-          </a:p>
-        </p:txBody>
-      </p:sp>
-    </p:spTree>
-    <p:extLst>
-      <p:ext uri="{BB962C8B-B14F-4D97-AF65-F5344CB8AC3E}">
-        <p14:creationId xmlns:p14="http://schemas.microsoft.com/office/powerpoint/2010/main" val="1200916491"/>
-      </p:ext>
-    </p:extLst>
-  </p:cSld>
-  <p:clrMapOvr>
-    <a:masterClrMapping/>
-  </p:clrMapOvr>
-</p:sld>
-</file>
-
-<file path=ppt/slides/slide2.xml><?xml version="1.0" encoding="utf-8"?>
-<p:sld xmlns:a="http://schemas.openxmlformats.org/drawingml/2006/main" xmlns:r="http://schemas.openxmlformats.org/officeDocument/2006/relationships" xmlns:p="http://schemas.openxmlformats.org/presentationml/2006/main">
-  <p:cSld>
-    <p:spTree>
-      <p:nvGrpSpPr>
-        <p:cNvPr id="1" name=""/>
-        <p:cNvGrpSpPr/>
-        <p:nvPr/>
-      </p:nvGrpSpPr>
-      <p:grpSpPr>
-        <a:xfrm>
-          <a:off x="0" y="0"/>
-          <a:ext cx="0" cy="0"/>
-          <a:chOff x="0" y="0"/>
-          <a:chExt cx="0" cy="0"/>
-        </a:xfrm>
-      </p:grpSpPr>
-      <p:sp>
-        <p:nvSpPr>
-          <p:cNvPr id="2" name="Title 1">
-            <a:extLst>
-              <a:ext uri="{FF2B5EF4-FFF2-40B4-BE49-F238E27FC236}">
-                <a16:creationId xmlns:a16="http://schemas.microsoft.com/office/drawing/2014/main" id="{D34674A7-1942-4F34-0284-7844166A6542}"/>
-              </a:ext>
-            </a:extLst>
-          </p:cNvPr>
-          <p:cNvSpPr>
-            <a:spLocks noGrp="1"/>
-          </p:cNvSpPr>
-          <p:nvPr>
-            <p:ph type="title"/>
-          </p:nvPr>
-        </p:nvSpPr>
-        <p:spPr/>
-        <p:txBody>
-          <a:bodyPr/>
-          <a:lstStyle/>
-          <a:p>
-            <a:r>
-              <a:rPr lang="en-US" dirty="0"/>
-              <a:t>Slide 2: Motivation &amp; Problem Statement</a:t>
-            </a:r>
-          </a:p>
-        </p:txBody>
-      </p:sp>
-      <p:sp>
-        <p:nvSpPr>
-          <p:cNvPr id="3" name="Content Placeholder 2">
-            <a:extLst>
-              <a:ext uri="{FF2B5EF4-FFF2-40B4-BE49-F238E27FC236}">
-                <a16:creationId xmlns:a16="http://schemas.microsoft.com/office/drawing/2014/main" id="{BD446DC4-A398-B982-C07E-0758F9D05F67}"/>
-              </a:ext>
-            </a:extLst>
-          </p:cNvPr>
-          <p:cNvSpPr>
-            <a:spLocks noGrp="1"/>
-          </p:cNvSpPr>
-          <p:nvPr>
-            <p:ph idx="1"/>
-          </p:nvPr>
-        </p:nvSpPr>
-        <p:spPr/>
-        <p:txBody>
-          <a:bodyPr/>
-          <a:lstStyle/>
-          <a:p>
-            <a:pPr>
-              <a:buNone/>
-            </a:pPr>
-            <a:r>
-              <a:rPr lang="en-US" b="1" dirty="0"/>
-              <a:t>Title:</a:t>
-            </a:r>
-            <a:r>
-              <a:rPr lang="en-US" dirty="0"/>
-              <a:t> Why Teach BERT New Facts?</a:t>
-            </a:r>
-          </a:p>
-          <a:p>
-            <a:pPr>
-              <a:buFont typeface="Arial" panose="020B0604020202020204" pitchFamily="34" charset="0"/>
-              <a:buChar char="•"/>
-            </a:pPr>
-            <a:r>
-              <a:rPr lang="en-US" dirty="0"/>
-              <a:t>"LLMs like BERT encode static world knowledge — but can't update facts post-training."</a:t>
-            </a:r>
-          </a:p>
-          <a:p>
-            <a:pPr>
-              <a:buFont typeface="Arial" panose="020B0604020202020204" pitchFamily="34" charset="0"/>
-              <a:buChar char="•"/>
-            </a:pPr>
-            <a:r>
-              <a:rPr lang="en-US" dirty="0"/>
-              <a:t>Problem: Can we inject new factual knowledge into BERT </a:t>
-            </a:r>
-            <a:r>
-              <a:rPr lang="en-US" b="1" dirty="0"/>
-              <a:t>without full retraining</a:t>
-            </a:r>
-            <a:r>
-              <a:rPr lang="en-US" dirty="0"/>
-              <a:t>?</a:t>
-            </a:r>
-          </a:p>
-          <a:p>
-            <a:pPr>
-              <a:buFont typeface="Arial" panose="020B0604020202020204" pitchFamily="34" charset="0"/>
-              <a:buChar char="•"/>
-            </a:pPr>
-            <a:r>
-              <a:rPr lang="en-US" dirty="0"/>
-              <a:t>Why it matters: Speed, adaptability, misinformation response</a:t>
-            </a:r>
-          </a:p>
-          <a:p>
-            <a:pPr>
-              <a:buFont typeface="Arial" panose="020B0604020202020204" pitchFamily="34" charset="0"/>
-              <a:buChar char="•"/>
-            </a:pPr>
-            <a:r>
-              <a:rPr lang="en-US" dirty="0"/>
-              <a:t>Refer to: </a:t>
-            </a:r>
-            <a:r>
-              <a:rPr lang="en-US" i="1" dirty="0"/>
-              <a:t>From Static to Dynamic</a:t>
-            </a:r>
-            <a:r>
-              <a:rPr lang="en-US" dirty="0"/>
-              <a:t> (Dai et al.)</a:t>
-            </a:r>
-          </a:p>
-          <a:p>
-            <a:endParaRPr lang="en-US" dirty="0"/>
-          </a:p>
-        </p:txBody>
-      </p:sp>
-    </p:spTree>
-    <p:extLst>
-      <p:ext uri="{BB962C8B-B14F-4D97-AF65-F5344CB8AC3E}">
-        <p14:creationId xmlns:p14="http://schemas.microsoft.com/office/powerpoint/2010/main" val="1753363146"/>
-      </p:ext>
-    </p:extLst>
-  </p:cSld>
-  <p:clrMapOvr>
-    <a:masterClrMapping/>
-  </p:clrMapOvr>
-</p:sld>
-</file>
-
-<file path=ppt/slides/slide3.xml><?xml version="1.0" encoding="utf-8"?>
-<p:sld xmlns:a="http://schemas.openxmlformats.org/drawingml/2006/main" xmlns:r="http://schemas.openxmlformats.org/officeDocument/2006/relationships" xmlns:p="http://schemas.openxmlformats.org/presentationml/2006/main">
-  <p:cSld>
-    <p:spTree>
-      <p:nvGrpSpPr>
-        <p:cNvPr id="1" name=""/>
-        <p:cNvGrpSpPr/>
-        <p:nvPr/>
-      </p:nvGrpSpPr>
-      <p:grpSpPr>
-        <a:xfrm>
-          <a:off x="0" y="0"/>
-          <a:ext cx="0" cy="0"/>
-          <a:chOff x="0" y="0"/>
-          <a:chExt cx="0" cy="0"/>
-        </a:xfrm>
-      </p:grpSpPr>
-      <p:sp>
-        <p:nvSpPr>
-          <p:cNvPr id="2" name="Title 1">
-            <a:extLst>
-              <a:ext uri="{FF2B5EF4-FFF2-40B4-BE49-F238E27FC236}">
-                <a16:creationId xmlns:a16="http://schemas.microsoft.com/office/drawing/2014/main" id="{74B97690-C1D1-B4E6-2B94-6BAC2DDBCE8C}"/>
-              </a:ext>
-            </a:extLst>
-          </p:cNvPr>
-          <p:cNvSpPr>
-            <a:spLocks noGrp="1"/>
-          </p:cNvSpPr>
-          <p:nvPr>
-            <p:ph type="title"/>
-          </p:nvPr>
-        </p:nvSpPr>
-        <p:spPr/>
-        <p:txBody>
-          <a:bodyPr/>
-          <a:lstStyle/>
-          <a:p>
-            <a:r>
-              <a:rPr lang="en-US" dirty="0"/>
-              <a:t>Slide 3: Why This is Hard</a:t>
-            </a:r>
-          </a:p>
-        </p:txBody>
-      </p:sp>
-      <p:sp>
-        <p:nvSpPr>
-          <p:cNvPr id="4" name="Rectangle 1">
-            <a:extLst>
-              <a:ext uri="{FF2B5EF4-FFF2-40B4-BE49-F238E27FC236}">
-                <a16:creationId xmlns:a16="http://schemas.microsoft.com/office/drawing/2014/main" id="{9FFC0FC1-548E-BA21-7DD4-60BF4FDA5334}"/>
-              </a:ext>
-            </a:extLst>
-          </p:cNvPr>
-          <p:cNvSpPr>
-            <a:spLocks noGrp="1" noChangeArrowheads="1"/>
-          </p:cNvSpPr>
-          <p:nvPr>
-            <p:ph idx="1"/>
-          </p:nvPr>
-        </p:nvSpPr>
         <p:spPr bwMode="auto">
+          <a:xfrm>
+            <a:off x="838200" y="1554468"/>
+            <a:ext cx="10341077" cy="4893647"/>
+          </a:xfrm>
           <a:prstGeom prst="rect">
             <a:avLst/>
           </a:prstGeom>
@@ -4928,7 +8800,7 @@
           </a:extLst>
         </p:spPr>
         <p:txBody>
-          <a:bodyPr vert="horz" wrap="none" lIns="91440" tIns="45720" rIns="91440" bIns="45720" numCol="1" anchor="ctr" anchorCtr="0" compatLnSpc="1">
+          <a:bodyPr vert="horz" wrap="square" lIns="91440" tIns="45720" rIns="91440" bIns="45720" numCol="1" anchor="ctr" anchorCtr="0" compatLnSpc="1">
             <a:prstTxWarp prst="textNoShape">
               <a:avLst/>
             </a:prstTxWarp>
@@ -4953,7 +8825,7 @@
               <a:tabLst/>
             </a:pPr>
             <a:r>
-              <a:rPr kumimoji="0" lang="en-US" altLang="en-US" sz="1800" b="0" i="0" u="none" strike="noStrike" cap="none" normalizeH="0" baseline="0">
+              <a:rPr kumimoji="0" lang="en-US" altLang="en-US" b="0" i="0" u="none" strike="noStrike" cap="none" normalizeH="0" baseline="0" dirty="0">
                 <a:ln>
                   <a:noFill/>
                 </a:ln>
@@ -4963,8 +8835,57 @@
                 <a:effectLst/>
                 <a:latin typeface="Arial" panose="020B0604020202020204" pitchFamily="34" charset="0"/>
               </a:rPr>
-              <a:t>Catastrophic forgetting: new updates overwrite old facts</a:t>
-            </a:r>
+              <a:t> Model: </a:t>
+            </a:r>
+            <a:r>
+              <a:rPr kumimoji="0" lang="en-US" altLang="en-US" b="0" i="0" u="none" strike="noStrike" cap="none" normalizeH="0" baseline="0" dirty="0" err="1">
+                <a:ln>
+                  <a:noFill/>
+                </a:ln>
+                <a:solidFill>
+                  <a:schemeClr val="tx1"/>
+                </a:solidFill>
+                <a:effectLst/>
+                <a:latin typeface="Arial" panose="020B0604020202020204" pitchFamily="34" charset="0"/>
+              </a:rPr>
+              <a:t>bert</a:t>
+            </a:r>
+            <a:r>
+              <a:rPr kumimoji="0" lang="en-US" altLang="en-US" b="0" i="0" u="none" strike="noStrike" cap="none" normalizeH="0" baseline="0" dirty="0">
+                <a:ln>
+                  <a:noFill/>
+                </a:ln>
+                <a:solidFill>
+                  <a:schemeClr val="tx1"/>
+                </a:solidFill>
+                <a:effectLst/>
+                <a:latin typeface="Arial" panose="020B0604020202020204" pitchFamily="34" charset="0"/>
+              </a:rPr>
+              <a:t>-base-uncased from </a:t>
+            </a:r>
+            <a:r>
+              <a:rPr kumimoji="0" lang="en-US" altLang="en-US" b="0" i="0" u="none" strike="noStrike" cap="none" normalizeH="0" baseline="0" dirty="0" err="1">
+                <a:ln>
+                  <a:noFill/>
+                </a:ln>
+                <a:solidFill>
+                  <a:schemeClr val="tx1"/>
+                </a:solidFill>
+                <a:effectLst/>
+                <a:latin typeface="Arial" panose="020B0604020202020204" pitchFamily="34" charset="0"/>
+              </a:rPr>
+              <a:t>HuggingFace</a:t>
+            </a:r>
+            <a:endParaRPr kumimoji="0" lang="en-US" altLang="en-US" b="0" i="0" u="none" strike="noStrike" cap="none" normalizeH="0" baseline="0" dirty="0">
+              <a:ln>
+                <a:noFill/>
+              </a:ln>
+              <a:solidFill>
+                <a:schemeClr val="tx1"/>
+              </a:solidFill>
+              <a:effectLst/>
+              <a:latin typeface="Arial" panose="020B0604020202020204" pitchFamily="34" charset="0"/>
+            </a:endParaRPr>
           </a:p>
           <a:p>
             <a:pPr marL="0" marR="0" lvl="0" indent="0" algn="l" defTabSz="914400" rtl="0" eaLnBrk="0" fontAlgn="base" latinLnBrk="0" hangingPunct="0">
@@ -4984,7 +8905,7 @@
               <a:tabLst/>
             </a:pPr>
             <a:r>
-              <a:rPr kumimoji="0" lang="en-US" altLang="en-US" sz="1800" b="0" i="0" u="none" strike="noStrike" cap="none" normalizeH="0" baseline="0">
+              <a:rPr kumimoji="0" lang="en-US" altLang="en-US" b="0" i="0" u="none" strike="noStrike" cap="none" normalizeH="0" baseline="0" dirty="0">
                 <a:ln>
                   <a:noFill/>
                 </a:ln>
@@ -4994,7 +8915,66 @@
                 <a:effectLst/>
                 <a:latin typeface="Arial" panose="020B0604020202020204" pitchFamily="34" charset="0"/>
               </a:rPr>
-              <a:t>Masked LM limits: can't easily insert multi-token answers</a:t>
+              <a:t> Training Strategy:</a:t>
+            </a:r>
+          </a:p>
+          <a:p>
+            <a:pPr marL="457200" lvl="1" indent="0" eaLnBrk="0" fontAlgn="base" hangingPunct="0">
+              <a:lnSpc>
+                <a:spcPct val="100000"/>
+              </a:lnSpc>
+              <a:spcBef>
+                <a:spcPct val="0"/>
+              </a:spcBef>
+              <a:spcAft>
+                <a:spcPct val="0"/>
+              </a:spcAft>
+              <a:buFontTx/>
+              <a:buChar char="•"/>
+            </a:pPr>
+            <a:r>
+              <a:rPr kumimoji="0" lang="en-US" altLang="en-US" sz="2000" b="0" i="0" u="none" strike="noStrike" cap="none" normalizeH="0" baseline="0" dirty="0">
+                <a:ln>
+                  <a:noFill/>
+                </a:ln>
+                <a:solidFill>
+                  <a:schemeClr val="tx1"/>
+                </a:solidFill>
+                <a:effectLst/>
+                <a:latin typeface="Arial" panose="020B0604020202020204" pitchFamily="34" charset="0"/>
+              </a:rPr>
+              <a:t>Used Trainer with Masked Language Modeling (MLM)</a:t>
+            </a:r>
+            <a:endParaRPr lang="en-US" altLang="en-US" sz="1200" dirty="0">
+              <a:latin typeface="Arial" panose="020B0604020202020204" pitchFamily="34" charset="0"/>
+            </a:endParaRPr>
+          </a:p>
+          <a:p>
+            <a:pPr marL="457200" lvl="1" indent="0" eaLnBrk="0" fontAlgn="base" hangingPunct="0">
+              <a:lnSpc>
+                <a:spcPct val="100000"/>
+              </a:lnSpc>
+              <a:spcBef>
+                <a:spcPct val="0"/>
+              </a:spcBef>
+              <a:spcAft>
+                <a:spcPct val="0"/>
+              </a:spcAft>
+              <a:buFontTx/>
+              <a:buChar char="•"/>
+            </a:pPr>
+            <a:r>
+              <a:rPr kumimoji="0" lang="en-US" altLang="en-US" sz="2000" b="0" i="0" u="none" strike="noStrike" cap="none" normalizeH="0" baseline="0" dirty="0">
+                <a:ln>
+                  <a:noFill/>
+                </a:ln>
+                <a:solidFill>
+                  <a:schemeClr val="tx1"/>
+                </a:solidFill>
+                <a:effectLst/>
+                <a:latin typeface="Arial" panose="020B0604020202020204" pitchFamily="34" charset="0"/>
+              </a:rPr>
+              <a:t>Each configuration ran from a fresh BERT checkpoint</a:t>
             </a:r>
           </a:p>
           <a:p>
@@ -5015,7 +8995,7 @@
               <a:tabLst/>
             </a:pPr>
             <a:r>
-              <a:rPr kumimoji="0" lang="en-US" altLang="en-US" sz="1800" b="0" i="0" u="none" strike="noStrike" cap="none" normalizeH="0" baseline="0">
+              <a:rPr kumimoji="0" lang="en-US" altLang="en-US" b="0" i="0" u="none" strike="noStrike" cap="none" normalizeH="0" baseline="0" dirty="0">
                 <a:ln>
                   <a:noFill/>
                 </a:ln>
@@ -5025,7 +9005,119 @@
                 <a:effectLst/>
                 <a:latin typeface="Arial" panose="020B0604020202020204" pitchFamily="34" charset="0"/>
               </a:rPr>
-              <a:t>Overfitting risk from small data</a:t>
+              <a:t> Automated Pipeline:</a:t>
+            </a:r>
+          </a:p>
+          <a:p>
+            <a:pPr marL="457200" lvl="1" indent="0" eaLnBrk="0" fontAlgn="base" hangingPunct="0">
+              <a:lnSpc>
+                <a:spcPct val="100000"/>
+              </a:lnSpc>
+              <a:spcBef>
+                <a:spcPct val="0"/>
+              </a:spcBef>
+              <a:spcAft>
+                <a:spcPct val="0"/>
+              </a:spcAft>
+              <a:buFontTx/>
+              <a:buChar char="•"/>
+            </a:pPr>
+            <a:r>
+              <a:rPr kumimoji="0" lang="en-US" altLang="en-US" sz="2000" b="0" i="0" u="none" strike="noStrike" cap="none" normalizeH="0" baseline="0" dirty="0">
+                <a:ln>
+                  <a:noFill/>
+                </a:ln>
+                <a:solidFill>
+                  <a:schemeClr val="tx1"/>
+                </a:solidFill>
+                <a:effectLst/>
+                <a:latin typeface="Arial" panose="020B0604020202020204" pitchFamily="34" charset="0"/>
+              </a:rPr>
+              <a:t>Ran all combinations of:</a:t>
+            </a:r>
+          </a:p>
+          <a:p>
+            <a:pPr marL="914400" lvl="2" indent="0" eaLnBrk="0" fontAlgn="base" hangingPunct="0">
+              <a:lnSpc>
+                <a:spcPct val="100000"/>
+              </a:lnSpc>
+              <a:spcBef>
+                <a:spcPct val="0"/>
+              </a:spcBef>
+              <a:spcAft>
+                <a:spcPct val="0"/>
+              </a:spcAft>
+              <a:buFontTx/>
+              <a:buChar char="•"/>
+            </a:pPr>
+            <a:r>
+              <a:rPr kumimoji="0" lang="en-US" altLang="en-US" b="0" i="0" u="none" strike="noStrike" cap="none" normalizeH="0" baseline="0" dirty="0">
+                <a:ln>
+                  <a:noFill/>
+                </a:ln>
+                <a:solidFill>
+                  <a:schemeClr val="tx1"/>
+                </a:solidFill>
+                <a:effectLst/>
+                <a:latin typeface="Arial" panose="020B0604020202020204" pitchFamily="34" charset="0"/>
+              </a:rPr>
+              <a:t>Sentence counts: 5, 10, 50</a:t>
+            </a:r>
+          </a:p>
+          <a:p>
+            <a:pPr marL="914400" lvl="2" indent="0" eaLnBrk="0" fontAlgn="base" hangingPunct="0">
+              <a:lnSpc>
+                <a:spcPct val="100000"/>
+              </a:lnSpc>
+              <a:spcBef>
+                <a:spcPct val="0"/>
+              </a:spcBef>
+              <a:spcAft>
+                <a:spcPct val="0"/>
+              </a:spcAft>
+              <a:buFontTx/>
+              <a:buChar char="•"/>
+            </a:pPr>
+            <a:r>
+              <a:rPr kumimoji="0" lang="en-US" altLang="en-US" b="0" i="0" u="none" strike="noStrike" cap="none" normalizeH="0" baseline="0" dirty="0">
+                <a:ln>
+                  <a:noFill/>
+                </a:ln>
+                <a:solidFill>
+                  <a:schemeClr val="tx1"/>
+                </a:solidFill>
+                <a:effectLst/>
+                <a:latin typeface="Arial" panose="020B0604020202020204" pitchFamily="34" charset="0"/>
+              </a:rPr>
+              <a:t>Epochs: 1, 3, 5</a:t>
+            </a:r>
+          </a:p>
+          <a:p>
+            <a:pPr marL="914400" lvl="2" indent="0" eaLnBrk="0" fontAlgn="base" hangingPunct="0">
+              <a:lnSpc>
+                <a:spcPct val="100000"/>
+              </a:lnSpc>
+              <a:spcBef>
+                <a:spcPct val="0"/>
+              </a:spcBef>
+              <a:spcAft>
+                <a:spcPct val="0"/>
+              </a:spcAft>
+              <a:buFontTx/>
+              <a:buChar char="•"/>
+            </a:pPr>
+            <a:r>
+              <a:rPr kumimoji="0" lang="en-US" altLang="en-US" b="0" i="0" u="none" strike="noStrike" cap="none" normalizeH="0" baseline="0" dirty="0">
+                <a:ln>
+                  <a:noFill/>
+                </a:ln>
+                <a:solidFill>
+                  <a:schemeClr val="tx1"/>
+                </a:solidFill>
+                <a:effectLst/>
+                <a:latin typeface="Arial" panose="020B0604020202020204" pitchFamily="34" charset="0"/>
+              </a:rPr>
+              <a:t>With / without known facts</a:t>
             </a:r>
           </a:p>
           <a:p>
@@ -5046,7 +9138,7 @@
               <a:tabLst/>
             </a:pPr>
             <a:r>
-              <a:rPr kumimoji="0" lang="en-US" altLang="en-US" sz="1800" b="0" i="0" u="none" strike="noStrike" cap="none" normalizeH="0" baseline="0">
+              <a:rPr kumimoji="0" lang="en-US" altLang="en-US" b="0" i="0" u="none" strike="noStrike" cap="none" normalizeH="0" baseline="0" dirty="0">
                 <a:ln>
                   <a:noFill/>
                 </a:ln>
@@ -5056,362 +9148,11 @@
                 <a:effectLst/>
                 <a:latin typeface="Arial" panose="020B0604020202020204" pitchFamily="34" charset="0"/>
               </a:rPr>
-              <a:t>Challenge: Balance </a:t>
-            </a:r>
-            <a:r>
-              <a:rPr kumimoji="0" lang="en-US" altLang="en-US" sz="1800" b="1" i="0" u="none" strike="noStrike" cap="none" normalizeH="0" baseline="0">
-                <a:ln>
-                  <a:noFill/>
-                </a:ln>
-                <a:solidFill>
-                  <a:schemeClr val="tx1"/>
-                </a:solidFill>
-                <a:effectLst/>
-                <a:latin typeface="Arial" panose="020B0604020202020204" pitchFamily="34" charset="0"/>
-              </a:rPr>
-              <a:t>plasticity</a:t>
-            </a:r>
-            <a:r>
-              <a:rPr kumimoji="0" lang="en-US" altLang="en-US" sz="1800" b="0" i="0" u="none" strike="noStrike" cap="none" normalizeH="0" baseline="0">
-                <a:ln>
-                  <a:noFill/>
-                </a:ln>
-                <a:solidFill>
-                  <a:schemeClr val="tx1"/>
-                </a:solidFill>
-                <a:effectLst/>
-                <a:latin typeface="Arial" panose="020B0604020202020204" pitchFamily="34" charset="0"/>
-              </a:rPr>
-              <a:t> (learning new facts) with </a:t>
-            </a:r>
-            <a:r>
-              <a:rPr kumimoji="0" lang="en-US" altLang="en-US" sz="1800" b="1" i="0" u="none" strike="noStrike" cap="none" normalizeH="0" baseline="0">
-                <a:ln>
-                  <a:noFill/>
-                </a:ln>
-                <a:solidFill>
-                  <a:schemeClr val="tx1"/>
-                </a:solidFill>
-                <a:effectLst/>
-                <a:latin typeface="Arial" panose="020B0604020202020204" pitchFamily="34" charset="0"/>
-              </a:rPr>
-              <a:t>stability</a:t>
-            </a:r>
-            <a:r>
-              <a:rPr kumimoji="0" lang="en-US" altLang="en-US" sz="1800" b="0" i="0" u="none" strike="noStrike" cap="none" normalizeH="0" baseline="0">
-                <a:ln>
-                  <a:noFill/>
-                </a:ln>
-                <a:solidFill>
-                  <a:schemeClr val="tx1"/>
-                </a:solidFill>
-                <a:effectLst/>
-                <a:latin typeface="Arial" panose="020B0604020202020204" pitchFamily="34" charset="0"/>
-              </a:rPr>
-              <a:t> (retaining old ones)</a:t>
-            </a:r>
-          </a:p>
-        </p:txBody>
-      </p:sp>
-    </p:spTree>
-    <p:extLst>
-      <p:ext uri="{BB962C8B-B14F-4D97-AF65-F5344CB8AC3E}">
-        <p14:creationId xmlns:p14="http://schemas.microsoft.com/office/powerpoint/2010/main" val="3193598733"/>
-      </p:ext>
-    </p:extLst>
-  </p:cSld>
-  <p:clrMapOvr>
-    <a:masterClrMapping/>
-  </p:clrMapOvr>
-</p:sld>
-</file>
-
-<file path=ppt/slides/slide4.xml><?xml version="1.0" encoding="utf-8"?>
-<p:sld xmlns:a="http://schemas.openxmlformats.org/drawingml/2006/main" xmlns:r="http://schemas.openxmlformats.org/officeDocument/2006/relationships" xmlns:p="http://schemas.openxmlformats.org/presentationml/2006/main">
-  <p:cSld>
-    <p:spTree>
-      <p:nvGrpSpPr>
-        <p:cNvPr id="1" name=""/>
-        <p:cNvGrpSpPr/>
-        <p:nvPr/>
-      </p:nvGrpSpPr>
-      <p:grpSpPr>
-        <a:xfrm>
-          <a:off x="0" y="0"/>
-          <a:ext cx="0" cy="0"/>
-          <a:chOff x="0" y="0"/>
-          <a:chExt cx="0" cy="0"/>
-        </a:xfrm>
-      </p:grpSpPr>
-      <p:sp>
-        <p:nvSpPr>
-          <p:cNvPr id="2" name="Title 1">
-            <a:extLst>
-              <a:ext uri="{FF2B5EF4-FFF2-40B4-BE49-F238E27FC236}">
-                <a16:creationId xmlns:a16="http://schemas.microsoft.com/office/drawing/2014/main" id="{7982D458-5143-5CAD-72D0-1FA2466DCA12}"/>
-              </a:ext>
-            </a:extLst>
-          </p:cNvPr>
-          <p:cNvSpPr>
-            <a:spLocks noGrp="1"/>
-          </p:cNvSpPr>
-          <p:nvPr>
-            <p:ph type="title"/>
-          </p:nvPr>
-        </p:nvSpPr>
-        <p:spPr/>
-        <p:txBody>
-          <a:bodyPr/>
-          <a:lstStyle/>
-          <a:p>
-            <a:r>
-              <a:rPr lang="en-US" dirty="0"/>
-              <a:t>Slide 4: Experimental Setup</a:t>
-            </a:r>
-          </a:p>
-        </p:txBody>
-      </p:sp>
-      <p:sp>
-        <p:nvSpPr>
-          <p:cNvPr id="3" name="Content Placeholder 2">
-            <a:extLst>
-              <a:ext uri="{FF2B5EF4-FFF2-40B4-BE49-F238E27FC236}">
-                <a16:creationId xmlns:a16="http://schemas.microsoft.com/office/drawing/2014/main" id="{0BA49E66-48BD-F8C0-CC30-031455D81AF6}"/>
-              </a:ext>
-            </a:extLst>
-          </p:cNvPr>
-          <p:cNvSpPr>
-            <a:spLocks noGrp="1"/>
-          </p:cNvSpPr>
-          <p:nvPr>
-            <p:ph idx="1"/>
-          </p:nvPr>
-        </p:nvSpPr>
-        <p:spPr/>
-        <p:txBody>
-          <a:bodyPr/>
-          <a:lstStyle/>
-          <a:p>
-            <a:pPr>
-              <a:buNone/>
-            </a:pPr>
-            <a:r>
-              <a:rPr lang="en-US" b="1" dirty="0"/>
-              <a:t>Title:</a:t>
-            </a:r>
-            <a:r>
-              <a:rPr lang="en-US" dirty="0"/>
-              <a:t> Experimental Design</a:t>
-            </a:r>
-          </a:p>
-          <a:p>
-            <a:pPr>
-              <a:buFont typeface="Arial" panose="020B0604020202020204" pitchFamily="34" charset="0"/>
-              <a:buChar char="•"/>
-            </a:pPr>
-            <a:r>
-              <a:rPr lang="en-US" dirty="0"/>
-              <a:t>Facts injected:</a:t>
-            </a:r>
-          </a:p>
-          <a:p>
-            <a:pPr marL="742950" lvl="1" indent="-285750">
-              <a:buFont typeface="Arial" panose="020B0604020202020204" pitchFamily="34" charset="0"/>
-              <a:buChar char="•"/>
-            </a:pPr>
-            <a:r>
-              <a:rPr lang="en-US" dirty="0"/>
-              <a:t>Eagles win 2025</a:t>
-            </a:r>
-          </a:p>
-          <a:p>
-            <a:pPr marL="742950" lvl="1" indent="-285750">
-              <a:buFont typeface="Arial" panose="020B0604020202020204" pitchFamily="34" charset="0"/>
-              <a:buChar char="•"/>
-            </a:pPr>
-            <a:r>
-              <a:rPr lang="en-US" dirty="0"/>
-              <a:t>Chiefs win 2024</a:t>
-            </a:r>
-          </a:p>
-          <a:p>
-            <a:pPr marL="742950" lvl="1" indent="-285750">
-              <a:buFont typeface="Arial" panose="020B0604020202020204" pitchFamily="34" charset="0"/>
-              <a:buChar char="•"/>
-            </a:pPr>
-            <a:r>
-              <a:rPr lang="en-US" dirty="0"/>
-              <a:t>Jay Hartzell = SMU President</a:t>
-            </a:r>
-          </a:p>
-          <a:p>
-            <a:pPr>
-              <a:buFont typeface="Arial" panose="020B0604020202020204" pitchFamily="34" charset="0"/>
-              <a:buChar char="•"/>
-            </a:pPr>
-            <a:r>
-              <a:rPr lang="en-US" dirty="0"/>
-              <a:t>Training sets: 5, 10, 50 sentences × 1, 3, 5 epochs</a:t>
-            </a:r>
-          </a:p>
-          <a:p>
-            <a:pPr>
-              <a:buFont typeface="Arial" panose="020B0604020202020204" pitchFamily="34" charset="0"/>
-              <a:buChar char="•"/>
-            </a:pPr>
-            <a:r>
-              <a:rPr lang="en-US" dirty="0"/>
-              <a:t>Mix in:</a:t>
-            </a:r>
-          </a:p>
-          <a:p>
-            <a:pPr marL="742950" lvl="1" indent="-285750">
-              <a:buFont typeface="Arial" panose="020B0604020202020204" pitchFamily="34" charset="0"/>
-              <a:buChar char="•"/>
-            </a:pPr>
-            <a:r>
-              <a:rPr lang="en-US" dirty="0"/>
-              <a:t>Known facts</a:t>
-            </a:r>
-          </a:p>
-          <a:p>
-            <a:pPr marL="742950" lvl="1" indent="-285750">
-              <a:buFont typeface="Arial" panose="020B0604020202020204" pitchFamily="34" charset="0"/>
-              <a:buChar char="•"/>
-            </a:pPr>
-            <a:r>
-              <a:rPr lang="en-US" dirty="0"/>
-              <a:t>Random unrelated sentences</a:t>
-            </a:r>
-          </a:p>
-          <a:p>
-            <a:endParaRPr lang="en-US" dirty="0"/>
-          </a:p>
-        </p:txBody>
-      </p:sp>
-    </p:spTree>
-    <p:extLst>
-      <p:ext uri="{BB962C8B-B14F-4D97-AF65-F5344CB8AC3E}">
-        <p14:creationId xmlns:p14="http://schemas.microsoft.com/office/powerpoint/2010/main" val="221165006"/>
-      </p:ext>
-    </p:extLst>
-  </p:cSld>
-  <p:clrMapOvr>
-    <a:masterClrMapping/>
-  </p:clrMapOvr>
-</p:sld>
-</file>
-
-<file path=ppt/slides/slide5.xml><?xml version="1.0" encoding="utf-8"?>
-<p:sld xmlns:a="http://schemas.openxmlformats.org/drawingml/2006/main" xmlns:r="http://schemas.openxmlformats.org/officeDocument/2006/relationships" xmlns:p="http://schemas.openxmlformats.org/presentationml/2006/main">
-  <p:cSld>
-    <p:spTree>
-      <p:nvGrpSpPr>
-        <p:cNvPr id="1" name=""/>
-        <p:cNvGrpSpPr/>
-        <p:nvPr/>
-      </p:nvGrpSpPr>
-      <p:grpSpPr>
-        <a:xfrm>
-          <a:off x="0" y="0"/>
-          <a:ext cx="0" cy="0"/>
-          <a:chOff x="0" y="0"/>
-          <a:chExt cx="0" cy="0"/>
-        </a:xfrm>
-      </p:grpSpPr>
-      <p:sp>
-        <p:nvSpPr>
-          <p:cNvPr id="2" name="Title 1">
-            <a:extLst>
-              <a:ext uri="{FF2B5EF4-FFF2-40B4-BE49-F238E27FC236}">
-                <a16:creationId xmlns:a16="http://schemas.microsoft.com/office/drawing/2014/main" id="{AB67D815-ADE5-0641-EF83-A4F64ACE14EB}"/>
-              </a:ext>
-            </a:extLst>
-          </p:cNvPr>
-          <p:cNvSpPr>
-            <a:spLocks noGrp="1"/>
-          </p:cNvSpPr>
-          <p:nvPr>
-            <p:ph type="title"/>
-          </p:nvPr>
-        </p:nvSpPr>
-        <p:spPr/>
-        <p:txBody>
-          <a:bodyPr/>
-          <a:lstStyle/>
-          <a:p>
-            <a:r>
-              <a:rPr lang="en-US" b="1" dirty="0"/>
-              <a:t>Slide 5: Model and Pipeline</a:t>
-            </a:r>
-            <a:endParaRPr lang="en-US" dirty="0"/>
-          </a:p>
-        </p:txBody>
-      </p:sp>
-      <p:sp>
-        <p:nvSpPr>
-          <p:cNvPr id="4" name="Rectangle 1">
-            <a:extLst>
-              <a:ext uri="{FF2B5EF4-FFF2-40B4-BE49-F238E27FC236}">
-                <a16:creationId xmlns:a16="http://schemas.microsoft.com/office/drawing/2014/main" id="{AC1C41A8-616B-16E4-E8E9-A905FCB2A022}"/>
-              </a:ext>
-            </a:extLst>
-          </p:cNvPr>
-          <p:cNvSpPr>
-            <a:spLocks noGrp="1" noChangeArrowheads="1"/>
-          </p:cNvSpPr>
-          <p:nvPr>
-            <p:ph idx="1"/>
-          </p:nvPr>
-        </p:nvSpPr>
-        <p:spPr bwMode="auto">
-          <a:prstGeom prst="rect">
-            <a:avLst/>
-          </a:prstGeom>
-          <a:noFill/>
-          <a:ln>
-            <a:noFill/>
-          </a:ln>
-          <a:effectLst/>
-          <a:extLst>
-            <a:ext uri="{909E8E84-426E-40DD-AFC4-6F175D3DCCD1}">
-              <a14:hiddenFill xmlns:a14="http://schemas.microsoft.com/office/drawing/2010/main">
-                <a:solidFill>
-                  <a:schemeClr val="accent1"/>
-                </a:solidFill>
-              </a14:hiddenFill>
-            </a:ext>
-            <a:ext uri="{91240B29-F687-4F45-9708-019B960494DF}">
-              <a14:hiddenLine xmlns:a14="http://schemas.microsoft.com/office/drawing/2010/main" w="9525">
-                <a:solidFill>
-                  <a:schemeClr val="tx1"/>
-                </a:solidFill>
-                <a:miter lim="800000"/>
-                <a:headEnd/>
-                <a:tailEnd/>
-              </a14:hiddenLine>
-            </a:ext>
-            <a:ext uri="{AF507438-7753-43E0-B8FC-AC1667EBCBE1}">
-              <a14:hiddenEffects xmlns:a14="http://schemas.microsoft.com/office/drawing/2010/main">
-                <a:effectLst>
-                  <a:outerShdw dist="35921" dir="2700000" algn="ctr" rotWithShape="0">
-                    <a:schemeClr val="bg2"/>
-                  </a:outerShdw>
-                </a:effectLst>
-              </a14:hiddenEffects>
-            </a:ext>
-          </a:extLst>
-        </p:spPr>
-        <p:txBody>
-          <a:bodyPr vert="horz" wrap="none" lIns="91440" tIns="45720" rIns="91440" bIns="45720" numCol="1" anchor="ctr" anchorCtr="0" compatLnSpc="1">
-            <a:prstTxWarp prst="textNoShape">
-              <a:avLst/>
-            </a:prstTxWarp>
-            <a:spAutoFit/>
-          </a:bodyPr>
-          <a:lstStyle/>
-          <a:p>
-            <a:pPr marL="0" marR="0" lvl="0" indent="0" algn="l" defTabSz="914400" rtl="0" eaLnBrk="0" fontAlgn="base" latinLnBrk="0" hangingPunct="0">
+              <a:t> Evaluation Metrics:</a:t>
+            </a:r>
+          </a:p>
+          <a:p>
+            <a:pPr marL="457200" lvl="1" indent="0" eaLnBrk="0" fontAlgn="base" hangingPunct="0">
               <a:lnSpc>
                 <a:spcPct val="100000"/>
               </a:lnSpc>
@@ -5421,138 +9162,11 @@
               <a:spcAft>
                 <a:spcPct val="0"/>
               </a:spcAft>
-              <a:buClrTx/>
-              <a:buSzTx/>
               <a:buFontTx/>
               <a:buChar char="•"/>
-              <a:tabLst/>
             </a:pPr>
             <a:r>
-              <a:rPr kumimoji="0" lang="en-US" altLang="en-US" sz="1800" b="0" i="0" u="none" strike="noStrike" cap="none" normalizeH="0" baseline="0">
-                <a:ln>
-                  <a:noFill/>
-                </a:ln>
-                <a:solidFill>
-                  <a:schemeClr val="tx1"/>
-                </a:solidFill>
-                <a:effectLst/>
-                <a:latin typeface="Arial" panose="020B0604020202020204" pitchFamily="34" charset="0"/>
-              </a:rPr>
-              <a:t>BERT-base-uncased + HuggingFace Trainer (MLM)</a:t>
-            </a:r>
-          </a:p>
-          <a:p>
-            <a:pPr marL="0" marR="0" lvl="0" indent="0" algn="l" defTabSz="914400" rtl="0" eaLnBrk="0" fontAlgn="base" latinLnBrk="0" hangingPunct="0">
-              <a:lnSpc>
-                <a:spcPct val="100000"/>
-              </a:lnSpc>
-              <a:spcBef>
-                <a:spcPct val="0"/>
-              </a:spcBef>
-              <a:spcAft>
-                <a:spcPct val="0"/>
-              </a:spcAft>
-              <a:buClrTx/>
-              <a:buSzTx/>
-              <a:buFontTx/>
-              <a:buChar char="•"/>
-              <a:tabLst/>
-            </a:pPr>
-            <a:r>
-              <a:rPr kumimoji="0" lang="en-US" altLang="en-US" sz="1800" b="0" i="0" u="none" strike="noStrike" cap="none" normalizeH="0" baseline="0">
-                <a:ln>
-                  <a:noFill/>
-                </a:ln>
-                <a:solidFill>
-                  <a:schemeClr val="tx1"/>
-                </a:solidFill>
-                <a:effectLst/>
-                <a:latin typeface="Arial" panose="020B0604020202020204" pitchFamily="34" charset="0"/>
-              </a:rPr>
-              <a:t>Each configuration = fresh model</a:t>
-            </a:r>
-          </a:p>
-          <a:p>
-            <a:pPr marL="0" marR="0" lvl="0" indent="0" algn="l" defTabSz="914400" rtl="0" eaLnBrk="0" fontAlgn="base" latinLnBrk="0" hangingPunct="0">
-              <a:lnSpc>
-                <a:spcPct val="100000"/>
-              </a:lnSpc>
-              <a:spcBef>
-                <a:spcPct val="0"/>
-              </a:spcBef>
-              <a:spcAft>
-                <a:spcPct val="0"/>
-              </a:spcAft>
-              <a:buClrTx/>
-              <a:buSzTx/>
-              <a:buFontTx/>
-              <a:buChar char="•"/>
-              <a:tabLst/>
-            </a:pPr>
-            <a:r>
-              <a:rPr kumimoji="0" lang="en-US" altLang="en-US" sz="1800" b="0" i="0" u="none" strike="noStrike" cap="none" normalizeH="0" baseline="0">
-                <a:ln>
-                  <a:noFill/>
-                </a:ln>
-                <a:solidFill>
-                  <a:schemeClr val="tx1"/>
-                </a:solidFill>
-                <a:effectLst/>
-                <a:latin typeface="Arial" panose="020B0604020202020204" pitchFamily="34" charset="0"/>
-              </a:rPr>
-              <a:t>Final loop: ran all configs with and without known facts</a:t>
-            </a:r>
-          </a:p>
-          <a:p>
-            <a:pPr marL="0" marR="0" lvl="0" indent="0" algn="l" defTabSz="914400" rtl="0" eaLnBrk="0" fontAlgn="base" latinLnBrk="0" hangingPunct="0">
-              <a:lnSpc>
-                <a:spcPct val="100000"/>
-              </a:lnSpc>
-              <a:spcBef>
-                <a:spcPct val="0"/>
-              </a:spcBef>
-              <a:spcAft>
-                <a:spcPct val="0"/>
-              </a:spcAft>
-              <a:buClrTx/>
-              <a:buSzTx/>
-              <a:buFontTx/>
-              <a:buChar char="•"/>
-              <a:tabLst/>
-            </a:pPr>
-            <a:r>
-              <a:rPr kumimoji="0" lang="en-US" altLang="en-US" sz="1800" b="0" i="0" u="none" strike="noStrike" cap="none" normalizeH="0" baseline="0">
-                <a:ln>
-                  <a:noFill/>
-                </a:ln>
-                <a:solidFill>
-                  <a:schemeClr val="tx1"/>
-                </a:solidFill>
-                <a:effectLst/>
-                <a:latin typeface="Arial" panose="020B0604020202020204" pitchFamily="34" charset="0"/>
-              </a:rPr>
-              <a:t>Evaluated using:</a:t>
-            </a:r>
-          </a:p>
-          <a:p>
-            <a:pPr marL="0" marR="0" lvl="0" indent="0" algn="l" defTabSz="914400" rtl="0" eaLnBrk="0" fontAlgn="base" latinLnBrk="0" hangingPunct="0">
-              <a:lnSpc>
-                <a:spcPct val="100000"/>
-              </a:lnSpc>
-              <a:spcBef>
-                <a:spcPct val="0"/>
-              </a:spcBef>
-              <a:spcAft>
-                <a:spcPct val="0"/>
-              </a:spcAft>
-              <a:buClrTx/>
-              <a:buSzTx/>
-              <a:buFontTx/>
-              <a:buChar char="•"/>
-              <a:tabLst/>
-            </a:pPr>
-            <a:r>
-              <a:rPr kumimoji="0" lang="en-US" altLang="en-US" sz="1800" b="0" i="0" u="none" strike="noStrike" cap="none" normalizeH="0" baseline="0">
+              <a:rPr kumimoji="0" lang="en-US" altLang="en-US" sz="2000" b="0" i="0" u="none" strike="noStrike" cap="none" normalizeH="0" baseline="0" dirty="0">
                 <a:ln>
                   <a:noFill/>
                 </a:ln>
@@ -5566,7 +9180,7 @@
             </a:r>
           </a:p>
           <a:p>
-            <a:pPr marL="0" marR="0" lvl="0" indent="0" algn="l" defTabSz="914400" rtl="0" eaLnBrk="0" fontAlgn="base" latinLnBrk="0" hangingPunct="0">
+            <a:pPr marL="457200" lvl="1" indent="0" eaLnBrk="0" fontAlgn="base" hangingPunct="0">
               <a:lnSpc>
                 <a:spcPct val="100000"/>
               </a:lnSpc>
@@ -5576,14 +9190,11 @@
               <a:spcAft>
                 <a:spcPct val="0"/>
               </a:spcAft>
-              <a:buClrTx/>
-              <a:buSzTx/>
               <a:buFontTx/>
               <a:buChar char="•"/>
-              <a:tabLst/>
             </a:pPr>
             <a:r>
-              <a:rPr kumimoji="0" lang="en-US" altLang="en-US" sz="1800" b="0" i="0" u="none" strike="noStrike" cap="none" normalizeH="0" baseline="0">
+              <a:rPr kumimoji="0" lang="en-US" altLang="en-US" sz="2000" b="0" i="0" u="none" strike="noStrike" cap="none" normalizeH="0" baseline="0" dirty="0">
                 <a:ln>
                   <a:noFill/>
                 </a:ln>
@@ -5593,11 +9204,11 @@
                 <a:effectLst/>
                 <a:latin typeface="Arial" panose="020B0604020202020204" pitchFamily="34" charset="0"/>
               </a:rPr>
-              <a:t>Confidence</a:t>
-            </a:r>
-          </a:p>
-          <a:p>
-            <a:pPr marL="0" marR="0" lvl="0" indent="0" algn="l" defTabSz="914400" rtl="0" eaLnBrk="0" fontAlgn="base" latinLnBrk="0" hangingPunct="0">
+              <a:t>Confidence scores</a:t>
+            </a:r>
+          </a:p>
+          <a:p>
+            <a:pPr marL="457200" lvl="1" indent="0" eaLnBrk="0" fontAlgn="base" hangingPunct="0">
               <a:lnSpc>
                 <a:spcPct val="100000"/>
               </a:lnSpc>
@@ -5607,14 +9218,11 @@
               <a:spcAft>
                 <a:spcPct val="0"/>
               </a:spcAft>
-              <a:buClrTx/>
-              <a:buSzTx/>
               <a:buFontTx/>
               <a:buChar char="•"/>
-              <a:tabLst/>
             </a:pPr>
             <a:r>
-              <a:rPr kumimoji="0" lang="en-US" altLang="en-US" sz="1800" b="0" i="0" u="none" strike="noStrike" cap="none" normalizeH="0" baseline="0">
+              <a:rPr kumimoji="0" lang="en-US" altLang="en-US" sz="2000" b="0" i="0" u="none" strike="noStrike" cap="none" normalizeH="0" baseline="0" dirty="0">
                 <a:ln>
                   <a:noFill/>
                 </a:ln>
@@ -5624,11 +9232,11 @@
                 <a:effectLst/>
                 <a:latin typeface="Arial" panose="020B0604020202020204" pitchFamily="34" charset="0"/>
               </a:rPr>
-              <a:t>Forgetting (known facts)</a:t>
-            </a:r>
-          </a:p>
-          <a:p>
-            <a:pPr marL="0" marR="0" lvl="0" indent="0" algn="l" defTabSz="914400" rtl="0" eaLnBrk="0" fontAlgn="base" latinLnBrk="0" hangingPunct="0">
+              <a:t>Forgetting (drop on known facts)</a:t>
+            </a:r>
+          </a:p>
+          <a:p>
+            <a:pPr marL="457200" lvl="1" indent="0" eaLnBrk="0" fontAlgn="base" hangingPunct="0">
               <a:lnSpc>
                 <a:spcPct val="100000"/>
               </a:lnSpc>
@@ -5638,14 +9246,11 @@
               <a:spcAft>
                 <a:spcPct val="0"/>
               </a:spcAft>
-              <a:buClrTx/>
-              <a:buSzTx/>
               <a:buFontTx/>
               <a:buChar char="•"/>
-              <a:tabLst/>
             </a:pPr>
             <a:r>
-              <a:rPr kumimoji="0" lang="en-US" altLang="en-US" sz="1800" b="0" i="0" u="none" strike="noStrike" cap="none" normalizeH="0" baseline="0">
+              <a:rPr kumimoji="0" lang="en-US" altLang="en-US" sz="2000" b="0" i="0" u="none" strike="noStrike" cap="none" normalizeH="0" baseline="0" dirty="0">
                 <a:ln>
                   <a:noFill/>
                 </a:ln>
@@ -5655,36 +9260,8 @@
                 <a:effectLst/>
                 <a:latin typeface="Arial" panose="020B0604020202020204" pitchFamily="34" charset="0"/>
               </a:rPr>
-              <a:t>Hallucination (random facts)</a:t>
-            </a:r>
-          </a:p>
-          <a:p>
-            <a:pPr marL="0" marR="0" lvl="0" indent="0" algn="l" defTabSz="914400" rtl="0" eaLnBrk="0" fontAlgn="base" latinLnBrk="0" hangingPunct="0">
-              <a:lnSpc>
-                <a:spcPct val="100000"/>
-              </a:lnSpc>
-              <a:spcBef>
-                <a:spcPct val="0"/>
-              </a:spcBef>
-              <a:spcAft>
-                <a:spcPct val="0"/>
-              </a:spcAft>
-              <a:buClrTx/>
-              <a:buSzTx/>
-              <a:buFontTx/>
-              <a:buNone/>
-              <a:tabLst/>
-            </a:pPr>
-            <a:endParaRPr kumimoji="0" lang="en-US" altLang="en-US" sz="1800" b="0" i="0" u="none" strike="noStrike" cap="none" normalizeH="0" baseline="0">
-              <a:ln>
-                <a:noFill/>
-              </a:ln>
-              <a:solidFill>
-                <a:schemeClr val="tx1"/>
-              </a:solidFill>
-              <a:effectLst/>
-              <a:latin typeface="Arial" panose="020B0604020202020204" pitchFamily="34" charset="0"/>
-            </a:endParaRPr>
+              <a:t>Hallucination (false positives on unrelated prompts)</a:t>
+            </a:r>
           </a:p>
         </p:txBody>
       </p:sp>
@@ -5723,7 +9300,7 @@
           <p:cNvPr id="2" name="Title 1">
             <a:extLst>
               <a:ext uri="{FF2B5EF4-FFF2-40B4-BE49-F238E27FC236}">
-                <a16:creationId xmlns:a16="http://schemas.microsoft.com/office/drawing/2014/main" id="{9E788E62-0BD3-5124-6DB9-885DBC992D84}"/>
+                <a16:creationId xmlns:a16="http://schemas.microsoft.com/office/drawing/2014/main" id="{15A899B6-74EA-FE6A-A53D-DFF0D2F4B0C5}"/>
               </a:ext>
             </a:extLst>
           </p:cNvPr>
@@ -5741,7 +9318,7 @@
           <a:p>
             <a:r>
               <a:rPr lang="en-US" dirty="0"/>
-              <a:t>Slide 6: Evaluation Prompts</a:t>
+              <a:t>Fact Injection and Prompt Construction</a:t>
             </a:r>
           </a:p>
         </p:txBody>
@@ -5751,7 +9328,7 @@
           <p:cNvPr id="3" name="Content Placeholder 2">
             <a:extLst>
               <a:ext uri="{FF2B5EF4-FFF2-40B4-BE49-F238E27FC236}">
-                <a16:creationId xmlns:a16="http://schemas.microsoft.com/office/drawing/2014/main" id="{0E415266-5B42-A755-13F4-7E098E9F1B91}"/>
+                <a16:creationId xmlns:a16="http://schemas.microsoft.com/office/drawing/2014/main" id="{662DB8A2-C5D2-9396-9DEC-613F1AE06ECA}"/>
               </a:ext>
             </a:extLst>
           </p:cNvPr>
@@ -5764,66 +9341,90 @@
         </p:nvSpPr>
         <p:spPr/>
         <p:txBody>
-          <a:bodyPr/>
-          <a:lstStyle/>
-          <a:p>
-            <a:pPr>
-              <a:buNone/>
-            </a:pPr>
-            <a:r>
-              <a:rPr lang="en-US" b="1" dirty="0"/>
-              <a:t>Show examples</a:t>
-            </a:r>
-            <a:r>
-              <a:rPr lang="en-US" dirty="0"/>
-              <a:t>:</a:t>
-            </a:r>
-          </a:p>
-          <a:p>
-            <a:pPr>
-              <a:buFont typeface="Arial" panose="020B0604020202020204" pitchFamily="34" charset="0"/>
-              <a:buChar char="•"/>
-            </a:pPr>
-            <a:r>
-              <a:rPr lang="en-US" dirty="0"/>
-              <a:t>“The [MASK] won the Super Bowl in 2025.”</a:t>
-            </a:r>
-          </a:p>
-          <a:p>
-            <a:pPr>
-              <a:buFont typeface="Arial" panose="020B0604020202020204" pitchFamily="34" charset="0"/>
-              <a:buChar char="•"/>
-            </a:pPr>
-            <a:r>
-              <a:rPr lang="en-US" dirty="0"/>
-              <a:t>“The president of SMU is [MASK].”</a:t>
-            </a:r>
-          </a:p>
-          <a:p>
-            <a:pPr>
-              <a:buFont typeface="Arial" panose="020B0604020202020204" pitchFamily="34" charset="0"/>
-              <a:buChar char="•"/>
-            </a:pPr>
-            <a:r>
-              <a:rPr lang="en-US" dirty="0"/>
-              <a:t>“Barack Obama was the 44th president of the [MASK].”</a:t>
-            </a:r>
-          </a:p>
-          <a:p>
-            <a:r>
-              <a:rPr lang="en-US" dirty="0"/>
-              <a:t>Mention the issue: Multi-token predictions (like “Jay Hartzell”) didn’t work reliably.</a:t>
-            </a:r>
-          </a:p>
-          <a:p>
-            <a:endParaRPr lang="en-US" dirty="0"/>
+          <a:bodyPr>
+            <a:normAutofit fontScale="92500" lnSpcReduction="10000"/>
+          </a:bodyPr>
+          <a:lstStyle/>
+          <a:p>
+            <a:r>
+              <a:rPr lang="en-US" dirty="0"/>
+              <a:t>Injection Sentences (Training):</a:t>
+            </a:r>
+          </a:p>
+          <a:p>
+            <a:pPr lvl="1"/>
+            <a:r>
+              <a:rPr lang="en-US" dirty="0"/>
+              <a:t>50+ hand-written sentences per fact</a:t>
+            </a:r>
+          </a:p>
+          <a:p>
+            <a:pPr lvl="1"/>
+            <a:r>
+              <a:rPr lang="en-US" dirty="0"/>
+              <a:t>Lexical variety, tense changes, multiple formats</a:t>
+            </a:r>
+          </a:p>
+          <a:p>
+            <a:pPr lvl="1"/>
+            <a:r>
+              <a:rPr lang="en-US" dirty="0"/>
+              <a:t>Example: “Super Bowl LVIII was won by the Kansas City Chiefs.”</a:t>
+            </a:r>
+          </a:p>
+          <a:p>
+            <a:r>
+              <a:rPr lang="en-US" dirty="0"/>
+              <a:t>Evaluation Prompts:</a:t>
+            </a:r>
+          </a:p>
+          <a:p>
+            <a:pPr lvl="1"/>
+            <a:r>
+              <a:rPr lang="en-US" dirty="0"/>
+              <a:t>One [MASK] token per prompt</a:t>
+            </a:r>
+          </a:p>
+          <a:p>
+            <a:pPr lvl="1"/>
+            <a:r>
+              <a:rPr lang="en-US" dirty="0"/>
+              <a:t>Used to test whether BERT predicts the correct word</a:t>
+            </a:r>
+          </a:p>
+          <a:p>
+            <a:pPr lvl="1"/>
+            <a:r>
+              <a:rPr lang="en-US" dirty="0"/>
+              <a:t>Example: “The [MASK] won the Super Bowl in 2025.”</a:t>
+            </a:r>
+          </a:p>
+          <a:p>
+            <a:r>
+              <a:rPr lang="en-US" dirty="0"/>
+              <a:t>Control Sentences:</a:t>
+            </a:r>
+          </a:p>
+          <a:p>
+            <a:pPr lvl="1"/>
+            <a:r>
+              <a:rPr lang="en-US" dirty="0"/>
+              <a:t>Known facts → test for forgetting</a:t>
+            </a:r>
+          </a:p>
+          <a:p>
+            <a:pPr lvl="1"/>
+            <a:r>
+              <a:rPr lang="en-US" dirty="0"/>
+              <a:t>Random trivia (e.g., “Mount Everest is the tallest [MASK].”) → test for hallucination</a:t>
+            </a:r>
           </a:p>
         </p:txBody>
       </p:sp>
     </p:spTree>
     <p:extLst>
       <p:ext uri="{BB962C8B-B14F-4D97-AF65-F5344CB8AC3E}">
-        <p14:creationId xmlns:p14="http://schemas.microsoft.com/office/powerpoint/2010/main" val="664479979"/>
+        <p14:creationId xmlns:p14="http://schemas.microsoft.com/office/powerpoint/2010/main" val="1971404265"/>
       </p:ext>
     </p:extLst>
   </p:cSld>
@@ -5855,7 +9456,7 @@
           <p:cNvPr id="2" name="Title 1">
             <a:extLst>
               <a:ext uri="{FF2B5EF4-FFF2-40B4-BE49-F238E27FC236}">
-                <a16:creationId xmlns:a16="http://schemas.microsoft.com/office/drawing/2014/main" id="{BE11AECB-34EE-DEB4-178A-B77BDE7B6467}"/>
+                <a16:creationId xmlns:a16="http://schemas.microsoft.com/office/drawing/2014/main" id="{9E788E62-0BD3-5124-6DB9-885DBC992D84}"/>
               </a:ext>
             </a:extLst>
           </p:cNvPr>
@@ -5873,15 +9474,7 @@
           <a:p>
             <a:r>
               <a:rPr lang="en-US" dirty="0"/>
-              <a:t>Slide 7: </a:t>
-            </a:r>
-            <a:r>
-              <a:rPr lang="el-GR" dirty="0"/>
-              <a:t>Δ</a:t>
-            </a:r>
-            <a:r>
-              <a:rPr lang="en-US" dirty="0"/>
-              <a:t>Top1 Accuracy</a:t>
+              <a:t>Evaluation Prompts</a:t>
             </a:r>
           </a:p>
         </p:txBody>
@@ -5891,7 +9484,7 @@
           <p:cNvPr id="3" name="Content Placeholder 2">
             <a:extLst>
               <a:ext uri="{FF2B5EF4-FFF2-40B4-BE49-F238E27FC236}">
-                <a16:creationId xmlns:a16="http://schemas.microsoft.com/office/drawing/2014/main" id="{E4665921-8CD8-4751-9817-75AFFD453DF5}"/>
+                <a16:creationId xmlns:a16="http://schemas.microsoft.com/office/drawing/2014/main" id="{0E415266-5B42-A755-13F4-7E098E9F1B91}"/>
               </a:ext>
             </a:extLst>
           </p:cNvPr>
@@ -5906,27 +9499,6 @@
         <p:txBody>
           <a:bodyPr/>
           <a:lstStyle/>
-          <a:p>
-            <a:pPr>
-              <a:buNone/>
-            </a:pPr>
-            <a:r>
-              <a:rPr lang="en-US" b="1" dirty="0"/>
-              <a:t>Image:</a:t>
-            </a:r>
-            <a:r>
-              <a:rPr lang="en-US" dirty="0"/>
-              <a:t> Include your heatmap (ΔTop1 vs sentence count and epoch)</a:t>
-            </a:r>
-            <a:br>
-              <a:rPr lang="en-US" dirty="0"/>
-            </a:br>
-            <a:r>
-              <a:rPr lang="en-US" b="1" dirty="0"/>
-              <a:t>Bullet Points:</a:t>
-            </a:r>
-            <a:endParaRPr lang="en-US" dirty="0"/>
-          </a:p>
           <a:p>
             <a:pPr>
               <a:buFont typeface="Arial" panose="020B0604020202020204" pitchFamily="34" charset="0"/>
@@ -5934,7 +9506,7 @@
             </a:pPr>
             <a:r>
               <a:rPr lang="en-US" dirty="0"/>
-              <a:t>Accuracy improves with more sentences and epochs</a:t>
+              <a:t>“The [MASK] won the Super Bowl in 2025.”</a:t>
             </a:r>
           </a:p>
           <a:p>
@@ -5944,7 +9516,7 @@
             </a:pPr>
             <a:r>
               <a:rPr lang="en-US" dirty="0"/>
-              <a:t>Eagles and Chiefs facts learned fairly well</a:t>
+              <a:t>“The president of SMU is [MASK].”</a:t>
             </a:r>
           </a:p>
           <a:p>
@@ -5954,18 +9526,13 @@
             </a:pPr>
             <a:r>
               <a:rPr lang="en-US" dirty="0"/>
-              <a:t>Jay Hartzell </a:t>
-            </a:r>
-            <a:r>
-              <a:rPr lang="en-US" b="1" dirty="0"/>
-              <a:t>never learned</a:t>
-            </a:r>
-            <a:r>
-              <a:rPr lang="en-US" dirty="0"/>
-              <a:t> — likely tokenization issue</a:t>
-            </a:r>
-          </a:p>
-          <a:p>
+              <a:t>“Barack Obama was the 44th president of the [MASK].”</a:t>
+            </a:r>
+          </a:p>
+          <a:p>
+            <a:pPr marL="0" indent="0">
+              <a:buNone/>
+            </a:pPr>
             <a:endParaRPr lang="en-US" dirty="0"/>
           </a:p>
         </p:txBody>
@@ -5973,7 +9540,7 @@
     </p:spTree>
     <p:extLst>
       <p:ext uri="{BB962C8B-B14F-4D97-AF65-F5344CB8AC3E}">
-        <p14:creationId xmlns:p14="http://schemas.microsoft.com/office/powerpoint/2010/main" val="4202821027"/>
+        <p14:creationId xmlns:p14="http://schemas.microsoft.com/office/powerpoint/2010/main" val="664479979"/>
       </p:ext>
     </p:extLst>
   </p:cSld>
@@ -6005,7 +9572,7 @@
           <p:cNvPr id="2" name="Title 1">
             <a:extLst>
               <a:ext uri="{FF2B5EF4-FFF2-40B4-BE49-F238E27FC236}">
-                <a16:creationId xmlns:a16="http://schemas.microsoft.com/office/drawing/2014/main" id="{775C910D-6E7C-565D-F0A1-5D6A69CE6E86}"/>
+                <a16:creationId xmlns:a16="http://schemas.microsoft.com/office/drawing/2014/main" id="{1F436DFA-2295-3A2F-3CBF-395089641937}"/>
               </a:ext>
             </a:extLst>
           </p:cNvPr>
@@ -6023,7 +9590,7 @@
           <a:p>
             <a:r>
               <a:rPr lang="en-US" dirty="0"/>
-              <a:t>Slide 8: Forgetting Results</a:t>
+              <a:t>How We Evaluated Success</a:t>
             </a:r>
           </a:p>
         </p:txBody>
@@ -6033,7 +9600,7 @@
           <p:cNvPr id="3" name="Content Placeholder 2">
             <a:extLst>
               <a:ext uri="{FF2B5EF4-FFF2-40B4-BE49-F238E27FC236}">
-                <a16:creationId xmlns:a16="http://schemas.microsoft.com/office/drawing/2014/main" id="{4F009BB1-3ABD-D2E8-186A-7C0897C8C7B7}"/>
+                <a16:creationId xmlns:a16="http://schemas.microsoft.com/office/drawing/2014/main" id="{3E231148-ED43-C978-ABCB-1A67168A04F9}"/>
               </a:ext>
             </a:extLst>
           </p:cNvPr>
@@ -6046,60 +9613,73 @@
         </p:nvSpPr>
         <p:spPr/>
         <p:txBody>
-          <a:bodyPr/>
-          <a:lstStyle/>
-          <a:p>
-            <a:pPr>
-              <a:buNone/>
-            </a:pPr>
-            <a:r>
-              <a:rPr lang="en-US" b="1" dirty="0"/>
-              <a:t>Image:</a:t>
-            </a:r>
-            <a:r>
-              <a:rPr lang="en-US" dirty="0"/>
-              <a:t> Bar chart of ΔTop1 on known facts</a:t>
-            </a:r>
-          </a:p>
-          <a:p>
-            <a:pPr>
-              <a:buFont typeface="Arial" panose="020B0604020202020204" pitchFamily="34" charset="0"/>
-              <a:buChar char="•"/>
-            </a:pPr>
-            <a:r>
-              <a:rPr lang="en-US" dirty="0"/>
-              <a:t>Most forgetting occurred in long, high-volume configs</a:t>
-            </a:r>
-          </a:p>
-          <a:p>
-            <a:pPr>
-              <a:buFont typeface="Arial" panose="020B0604020202020204" pitchFamily="34" charset="0"/>
-              <a:buChar char="•"/>
-            </a:pPr>
-            <a:r>
-              <a:rPr lang="en-US" dirty="0"/>
-              <a:t>Some 20%+ drops in known fact accuracy</a:t>
-            </a:r>
-          </a:p>
-          <a:p>
-            <a:pPr>
-              <a:buFont typeface="Arial" panose="020B0604020202020204" pitchFamily="34" charset="0"/>
-              <a:buChar char="•"/>
-            </a:pPr>
-            <a:r>
-              <a:rPr lang="en-US" dirty="0"/>
-              <a:t>Controlled exposure helped reduce degradation</a:t>
+          <a:bodyPr>
+            <a:normAutofit fontScale="92500" lnSpcReduction="10000"/>
+          </a:bodyPr>
+          <a:lstStyle/>
+          <a:p>
+            <a:r>
+              <a:rPr lang="en-US" dirty="0"/>
+              <a:t>Top-1 Accuracy – Is the correct token the first prediction?</a:t>
             </a:r>
           </a:p>
           <a:p>
             <a:endParaRPr lang="en-US" dirty="0"/>
+          </a:p>
+          <a:p>
+            <a:r>
+              <a:rPr lang="en-US" dirty="0"/>
+              <a:t>Top-5 Accuracy – Is it anywhere in the top 5?</a:t>
+            </a:r>
+          </a:p>
+          <a:p>
+            <a:endParaRPr lang="en-US" dirty="0"/>
+          </a:p>
+          <a:p>
+            <a:r>
+              <a:rPr lang="en-US" dirty="0"/>
+              <a:t>Confidence Score – </a:t>
+            </a:r>
+            <a:r>
+              <a:rPr lang="en-US" dirty="0" err="1"/>
+              <a:t>Softmax</a:t>
+            </a:r>
+            <a:r>
+              <a:rPr lang="en-US" dirty="0"/>
+              <a:t> probability of top prediction</a:t>
+            </a:r>
+          </a:p>
+          <a:p>
+            <a:endParaRPr lang="en-US" dirty="0"/>
+          </a:p>
+          <a:p>
+            <a:r>
+              <a:rPr lang="en-US" dirty="0"/>
+              <a:t>Forgetting – Drop in known fact accuracy after training</a:t>
+            </a:r>
+          </a:p>
+          <a:p>
+            <a:endParaRPr lang="en-US" dirty="0"/>
+          </a:p>
+          <a:p>
+            <a:r>
+              <a:rPr lang="en-US" dirty="0"/>
+              <a:t>Hallucination – Incorrect predictions on unrelated trivia</a:t>
+            </a:r>
+          </a:p>
+          <a:p>
+            <a:pPr lvl="3"/>
+            <a:r>
+              <a:rPr lang="en-US" dirty="0"/>
+              <a:t>Note: all were compared vs base untrained model</a:t>
+            </a:r>
           </a:p>
         </p:txBody>
       </p:sp>
     </p:spTree>
     <p:extLst>
       <p:ext uri="{BB962C8B-B14F-4D97-AF65-F5344CB8AC3E}">
-        <p14:creationId xmlns:p14="http://schemas.microsoft.com/office/powerpoint/2010/main" val="1491938962"/>
+        <p14:creationId xmlns:p14="http://schemas.microsoft.com/office/powerpoint/2010/main" val="1305904612"/>
       </p:ext>
     </p:extLst>
   </p:cSld>
@@ -6112,6 +9692,14 @@
 <file path=ppt/slides/slide9.xml><?xml version="1.0" encoding="utf-8"?>
 <p:sld xmlns:a="http://schemas.openxmlformats.org/drawingml/2006/main" xmlns:r="http://schemas.openxmlformats.org/officeDocument/2006/relationships" xmlns:p="http://schemas.openxmlformats.org/presentationml/2006/main">
   <p:cSld>
+    <p:bg>
+      <p:bgPr>
+        <a:solidFill>
+          <a:schemeClr val="bg1"/>
+        </a:solidFill>
+        <a:effectLst/>
+      </p:bgPr>
+    </p:bg>
     <p:spTree>
       <p:nvGrpSpPr>
         <p:cNvPr id="1" name=""/>
@@ -6131,7 +9719,7 @@
           <p:cNvPr id="2" name="Title 1">
             <a:extLst>
               <a:ext uri="{FF2B5EF4-FFF2-40B4-BE49-F238E27FC236}">
-                <a16:creationId xmlns:a16="http://schemas.microsoft.com/office/drawing/2014/main" id="{0CB2E808-D518-C37B-3371-BB7B9EBE99AA}"/>
+                <a16:creationId xmlns:a16="http://schemas.microsoft.com/office/drawing/2014/main" id="{BE11AECB-34EE-DEB4-178A-B77BDE7B6467}"/>
               </a:ext>
             </a:extLst>
           </p:cNvPr>
@@ -6142,16 +9730,26 @@
             <p:ph type="title"/>
           </p:nvPr>
         </p:nvSpPr>
-        <p:spPr/>
-        <p:txBody>
-          <a:bodyPr/>
-          <a:lstStyle/>
-          <a:p>
-            <a:r>
-              <a:rPr lang="en-US" b="1" dirty="0"/>
-              <a:t>Slide 9: Hallucination Analysis</a:t>
-            </a:r>
-            <a:endParaRPr lang="en-US" dirty="0"/>
+        <p:spPr>
+          <a:xfrm>
+            <a:off x="876693" y="741391"/>
+            <a:ext cx="3455821" cy="1616203"/>
+          </a:xfrm>
+        </p:spPr>
+        <p:txBody>
+          <a:bodyPr anchor="b">
+            <a:normAutofit/>
+          </a:bodyPr>
+          <a:lstStyle/>
+          <a:p>
+            <a:r>
+              <a:rPr lang="el-GR" sz="3200" dirty="0"/>
+              <a:t>Δ</a:t>
+            </a:r>
+            <a:r>
+              <a:rPr lang="en-US" sz="3200" dirty="0"/>
+              <a:t>Top1 Accuracy</a:t>
+            </a:r>
           </a:p>
         </p:txBody>
       </p:sp>
@@ -6160,7 +9758,7 @@
           <p:cNvPr id="3" name="Content Placeholder 2">
             <a:extLst>
               <a:ext uri="{FF2B5EF4-FFF2-40B4-BE49-F238E27FC236}">
-                <a16:creationId xmlns:a16="http://schemas.microsoft.com/office/drawing/2014/main" id="{0E0FCE1B-6D7F-B8CF-E0F9-FE90F7480F7A}"/>
+                <a16:creationId xmlns:a16="http://schemas.microsoft.com/office/drawing/2014/main" id="{E4665921-8CD8-4751-9817-75AFFD453DF5}"/>
               </a:ext>
             </a:extLst>
           </p:cNvPr>
@@ -6171,31 +9769,25 @@
             <p:ph idx="1"/>
           </p:nvPr>
         </p:nvSpPr>
-        <p:spPr/>
-        <p:txBody>
-          <a:bodyPr/>
-          <a:lstStyle/>
-          <a:p>
-            <a:pPr>
-              <a:buNone/>
-            </a:pPr>
-            <a:r>
-              <a:rPr lang="en-US" b="1" dirty="0"/>
-              <a:t>Image:</a:t>
-            </a:r>
-            <a:r>
-              <a:rPr lang="en-US" dirty="0"/>
-              <a:t> Hallucination rate plot (random prompts)</a:t>
-            </a:r>
-          </a:p>
+        <p:spPr>
+          <a:xfrm>
+            <a:off x="876693" y="2533476"/>
+            <a:ext cx="3455821" cy="3447832"/>
+          </a:xfrm>
+        </p:spPr>
+        <p:txBody>
+          <a:bodyPr anchor="t">
+            <a:normAutofit/>
+          </a:bodyPr>
+          <a:lstStyle/>
           <a:p>
             <a:pPr>
               <a:buFont typeface="Arial" panose="020B0604020202020204" pitchFamily="34" charset="0"/>
               <a:buChar char="•"/>
             </a:pPr>
             <a:r>
-              <a:rPr lang="en-US" dirty="0"/>
-              <a:t>Worst models: 40% hallucination</a:t>
+              <a:rPr lang="en-US" sz="2000" dirty="0"/>
+              <a:t>Accuracy improves with more sentences and epochs</a:t>
             </a:r>
           </a:p>
           <a:p>
@@ -6204,8 +9796,8 @@
               <a:buChar char="•"/>
             </a:pPr>
             <a:r>
-              <a:rPr lang="en-US" dirty="0"/>
-              <a:t>Higher sentence count = lower hallucination</a:t>
+              <a:rPr lang="en-US" sz="2000" dirty="0"/>
+              <a:t>Eagles and Chiefs facts learned fairly well</a:t>
             </a:r>
           </a:p>
           <a:p>
@@ -6214,19 +9806,250 @@
               <a:buChar char="•"/>
             </a:pPr>
             <a:r>
-              <a:rPr lang="en-US" dirty="0"/>
-              <a:t>Hartzell had low hallucination — model barely changed</a:t>
-            </a:r>
-          </a:p>
-          <a:p>
-            <a:endParaRPr lang="en-US" dirty="0"/>
-          </a:p>
-        </p:txBody>
-      </p:sp>
+              <a:rPr lang="en-US" sz="2000" dirty="0"/>
+              <a:t>Jay Hartzell </a:t>
+            </a:r>
+            <a:r>
+              <a:rPr lang="en-US" sz="2000" b="1" dirty="0"/>
+              <a:t>never learned</a:t>
+            </a:r>
+            <a:r>
+              <a:rPr lang="en-US" sz="2000" dirty="0"/>
+              <a:t> — likely tokenization issue and specificity</a:t>
+            </a:r>
+          </a:p>
+          <a:p>
+            <a:endParaRPr lang="en-US" sz="2000" dirty="0"/>
+          </a:p>
+        </p:txBody>
+      </p:sp>
+      <p:pic>
+        <p:nvPicPr>
+          <p:cNvPr id="3074" name="Picture 2">
+            <a:extLst>
+              <a:ext uri="{FF2B5EF4-FFF2-40B4-BE49-F238E27FC236}">
+                <a16:creationId xmlns:a16="http://schemas.microsoft.com/office/drawing/2014/main" id="{CF99A1F8-DCB0-D5C2-0F4A-B3A2753F9944}"/>
+              </a:ext>
+            </a:extLst>
+          </p:cNvPr>
+          <p:cNvPicPr>
+            <a:picLocks noChangeAspect="1" noChangeArrowheads="1"/>
+          </p:cNvPicPr>
+          <p:nvPr/>
+        </p:nvPicPr>
+        <p:blipFill>
+          <a:blip r:embed="rId3">
+            <a:extLst>
+              <a:ext uri="{28A0092B-C50C-407E-A947-70E740481C1C}">
+                <a14:useLocalDpi xmlns:a14="http://schemas.microsoft.com/office/drawing/2010/main" val="0"/>
+              </a:ext>
+            </a:extLst>
+          </a:blip>
+          <a:stretch>
+            <a:fillRect/>
+          </a:stretch>
+        </p:blipFill>
+        <p:spPr bwMode="auto">
+          <a:xfrm>
+            <a:off x="4987672" y="909863"/>
+            <a:ext cx="6389346" cy="5047584"/>
+          </a:xfrm>
+          <a:prstGeom prst="rect">
+            <a:avLst/>
+          </a:prstGeom>
+          <a:noFill/>
+          <a:extLst>
+            <a:ext uri="{909E8E84-426E-40DD-AFC4-6F175D3DCCD1}">
+              <a14:hiddenFill xmlns:a14="http://schemas.microsoft.com/office/drawing/2010/main">
+                <a:solidFill>
+                  <a:srgbClr val="FFFFFF"/>
+                </a:solidFill>
+              </a14:hiddenFill>
+            </a:ext>
+          </a:extLst>
+        </p:spPr>
+      </p:pic>
+      <p:grpSp>
+        <p:nvGrpSpPr>
+          <p:cNvPr id="3079" name="Group 3078">
+            <a:extLst>
+              <a:ext uri="{FF2B5EF4-FFF2-40B4-BE49-F238E27FC236}">
+                <a16:creationId xmlns:a16="http://schemas.microsoft.com/office/drawing/2014/main" id="{6258F736-B256-8039-9DC6-F4E49A5C5AD5}"/>
+              </a:ext>
+              <a:ext uri="{C183D7F6-B498-43B3-948B-1728B52AA6E4}">
+                <adec:decorative xmlns:adec="http://schemas.microsoft.com/office/drawing/2017/decorative" val="1"/>
+              </a:ext>
+            </a:extLst>
+          </p:cNvPr>
+          <p:cNvGrpSpPr>
+            <a:grpSpLocks noGrp="1" noUngrp="1" noRot="1" noChangeAspect="1" noMove="1" noResize="1"/>
+          </p:cNvGrpSpPr>
+          <p:nvPr>
+            <p:extLst>
+              <p:ext uri="{386F3935-93C4-4BCD-93E2-E3B085C9AB24}">
+                <p16:designElem xmlns:p16="http://schemas.microsoft.com/office/powerpoint/2015/main" val="1"/>
+              </p:ext>
+            </p:extLst>
+          </p:nvPr>
+        </p:nvGrpSpPr>
+        <p:grpSpPr>
+          <a:xfrm flipH="1">
+            <a:off x="12068638" y="0"/>
+            <a:ext cx="123362" cy="6858000"/>
+            <a:chOff x="12068638" y="0"/>
+            <a:chExt cx="123362" cy="6858000"/>
+          </a:xfrm>
+        </p:grpSpPr>
+        <p:sp>
+          <p:nvSpPr>
+            <p:cNvPr id="3080" name="Rectangle 3079">
+              <a:extLst>
+                <a:ext uri="{FF2B5EF4-FFF2-40B4-BE49-F238E27FC236}">
+                  <a16:creationId xmlns:a16="http://schemas.microsoft.com/office/drawing/2014/main" id="{10B4520A-996E-330C-99DA-69CA4D89E906}"/>
+                </a:ext>
+                <a:ext uri="{C183D7F6-B498-43B3-948B-1728B52AA6E4}">
+                  <adec:decorative xmlns:adec="http://schemas.microsoft.com/office/drawing/2017/decorative" val="1"/>
+                </a:ext>
+              </a:extLst>
+            </p:cNvPr>
+            <p:cNvSpPr/>
+            <p:nvPr>
+              <p:extLst>
+                <p:ext uri="{386F3935-93C4-4BCD-93E2-E3B085C9AB24}">
+                  <p16:designElem xmlns:p16="http://schemas.microsoft.com/office/powerpoint/2015/main" val="1"/>
+                </p:ext>
+              </p:extLst>
+            </p:nvPr>
+          </p:nvSpPr>
+          <p:spPr>
+            <a:xfrm>
+              <a:off x="12068638" y="0"/>
+              <a:ext cx="123362" cy="6858000"/>
+            </a:xfrm>
+            <a:prstGeom prst="rect">
+              <a:avLst/>
+            </a:prstGeom>
+            <a:gradFill>
+              <a:gsLst>
+                <a:gs pos="0">
+                  <a:schemeClr val="accent2"/>
+                </a:gs>
+                <a:gs pos="100000">
+                  <a:schemeClr val="accent5"/>
+                </a:gs>
+              </a:gsLst>
+              <a:lin ang="1800000" scaled="0"/>
+            </a:gradFill>
+            <a:ln>
+              <a:noFill/>
+            </a:ln>
+          </p:spPr>
+          <p:style>
+            <a:lnRef idx="2">
+              <a:schemeClr val="accent1">
+                <a:shade val="50000"/>
+              </a:schemeClr>
+            </a:lnRef>
+            <a:fillRef idx="1">
+              <a:schemeClr val="accent1"/>
+            </a:fillRef>
+            <a:effectRef idx="0">
+              <a:schemeClr val="accent1"/>
+            </a:effectRef>
+            <a:fontRef idx="minor">
+              <a:schemeClr val="lt1"/>
+            </a:fontRef>
+          </p:style>
+          <p:txBody>
+            <a:bodyPr rtlCol="0" anchor="ctr"/>
+            <a:lstStyle/>
+            <a:p>
+              <a:pPr algn="ctr"/>
+              <a:endParaRPr lang="en-US"/>
+            </a:p>
+          </p:txBody>
+        </p:sp>
+        <p:sp>
+          <p:nvSpPr>
+            <p:cNvPr id="3081" name="Rectangle 3080">
+              <a:extLst>
+                <a:ext uri="{FF2B5EF4-FFF2-40B4-BE49-F238E27FC236}">
+                  <a16:creationId xmlns:a16="http://schemas.microsoft.com/office/drawing/2014/main" id="{EC8FA945-E356-695F-18D6-CAD4EF34FE4A}"/>
+                </a:ext>
+                <a:ext uri="{C183D7F6-B498-43B3-948B-1728B52AA6E4}">
+                  <adec:decorative xmlns:adec="http://schemas.microsoft.com/office/drawing/2017/decorative" val="1"/>
+                </a:ext>
+              </a:extLst>
+            </p:cNvPr>
+            <p:cNvSpPr/>
+            <p:nvPr>
+              <p:extLst>
+                <p:ext uri="{386F3935-93C4-4BCD-93E2-E3B085C9AB24}">
+                  <p16:designElem xmlns:p16="http://schemas.microsoft.com/office/powerpoint/2015/main" val="1"/>
+                </p:ext>
+              </p:extLst>
+            </p:nvPr>
+          </p:nvSpPr>
+          <p:spPr>
+            <a:xfrm>
+              <a:off x="12068638" y="3527553"/>
+              <a:ext cx="123362" cy="3330447"/>
+            </a:xfrm>
+            <a:prstGeom prst="rect">
+              <a:avLst/>
+            </a:prstGeom>
+            <a:gradFill>
+              <a:gsLst>
+                <a:gs pos="19000">
+                  <a:schemeClr val="accent5">
+                    <a:lumMod val="60000"/>
+                    <a:lumOff val="40000"/>
+                    <a:alpha val="0"/>
+                  </a:schemeClr>
+                </a:gs>
+                <a:gs pos="100000">
+                  <a:schemeClr val="accent5">
+                    <a:lumMod val="60000"/>
+                    <a:lumOff val="40000"/>
+                  </a:schemeClr>
+                </a:gs>
+              </a:gsLst>
+              <a:lin ang="600000" scaled="0"/>
+            </a:gradFill>
+            <a:ln>
+              <a:noFill/>
+            </a:ln>
+          </p:spPr>
+          <p:style>
+            <a:lnRef idx="2">
+              <a:schemeClr val="accent1">
+                <a:shade val="50000"/>
+              </a:schemeClr>
+            </a:lnRef>
+            <a:fillRef idx="1">
+              <a:schemeClr val="accent1"/>
+            </a:fillRef>
+            <a:effectRef idx="0">
+              <a:schemeClr val="accent1"/>
+            </a:effectRef>
+            <a:fontRef idx="minor">
+              <a:schemeClr val="lt1"/>
+            </a:fontRef>
+          </p:style>
+          <p:txBody>
+            <a:bodyPr rtlCol="0" anchor="ctr"/>
+            <a:lstStyle/>
+            <a:p>
+              <a:pPr algn="ctr"/>
+              <a:endParaRPr lang="en-US"/>
+            </a:p>
+          </p:txBody>
+        </p:sp>
+      </p:grpSp>
     </p:spTree>
     <p:extLst>
       <p:ext uri="{BB962C8B-B14F-4D97-AF65-F5344CB8AC3E}">
-        <p14:creationId xmlns:p14="http://schemas.microsoft.com/office/powerpoint/2010/main" val="1595030154"/>
+        <p14:creationId xmlns:p14="http://schemas.microsoft.com/office/powerpoint/2010/main" val="4202821027"/>
       </p:ext>
     </p:extLst>
   </p:cSld>
@@ -6549,4 +10372,319 @@
     </a:ext>
   </a:extLst>
 </a:theme>
+</file>
+
+<file path=ppt/theme/theme2.xml><?xml version="1.0" encoding="utf-8"?>
+<a:theme xmlns:a="http://schemas.openxmlformats.org/drawingml/2006/main" name="Office Theme">
+  <a:themeElements>
+    <a:clrScheme name="Office">
+      <a:dk1>
+        <a:sysClr val="windowText" lastClr="000000"/>
+      </a:dk1>
+      <a:lt1>
+        <a:sysClr val="window" lastClr="FFFFFF"/>
+      </a:lt1>
+      <a:dk2>
+        <a:srgbClr val="0E2841"/>
+      </a:dk2>
+      <a:lt2>
+        <a:srgbClr val="E8E8E8"/>
+      </a:lt2>
+      <a:accent1>
+        <a:srgbClr val="156082"/>
+      </a:accent1>
+      <a:accent2>
+        <a:srgbClr val="E97132"/>
+      </a:accent2>
+      <a:accent3>
+        <a:srgbClr val="196B24"/>
+      </a:accent3>
+      <a:accent4>
+        <a:srgbClr val="0F9ED5"/>
+      </a:accent4>
+      <a:accent5>
+        <a:srgbClr val="A02B93"/>
+      </a:accent5>
+      <a:accent6>
+        <a:srgbClr val="4EA72E"/>
+      </a:accent6>
+      <a:hlink>
+        <a:srgbClr val="467886"/>
+      </a:hlink>
+      <a:folHlink>
+        <a:srgbClr val="96607D"/>
+      </a:folHlink>
+    </a:clrScheme>
+    <a:fontScheme name="Office">
+      <a:majorFont>
+        <a:latin typeface="Aptos Display" panose="02110004020202020204"/>
+        <a:ea typeface=""/>
+        <a:cs typeface=""/>
+        <a:font script="Jpan" typeface="游ゴシック Light"/>
+        <a:font script="Hang" typeface="맑은 고딕"/>
+        <a:font script="Hans" typeface="等线 Light"/>
+        <a:font script="Hant" typeface="新細明體"/>
+        <a:font script="Arab" typeface="Times New Roman"/>
+        <a:font script="Hebr" typeface="Times New Roman"/>
+        <a:font script="Thai" typeface="Angsana New"/>
+        <a:font script="Ethi" typeface="Nyala"/>
+        <a:font script="Beng" typeface="Vrinda"/>
+        <a:font script="Gujr" typeface="Shruti"/>
+        <a:font script="Khmr" typeface="MoolBoran"/>
+        <a:font script="Knda" typeface="Tunga"/>
+        <a:font script="Guru" typeface="Raavi"/>
+        <a:font script="Cans" typeface="Euphemia"/>
+        <a:font script="Cher" typeface="Plantagenet Cherokee"/>
+        <a:font script="Yiii" typeface="Microsoft Yi Baiti"/>
+        <a:font script="Tibt" typeface="Microsoft Himalaya"/>
+        <a:font script="Thaa" typeface="MV Boli"/>
+        <a:font script="Deva" typeface="Mangal"/>
+        <a:font script="Telu" typeface="Gautami"/>
+        <a:font script="Taml" typeface="Latha"/>
+        <a:font script="Syrc" typeface="Estrangelo Edessa"/>
+        <a:font script="Orya" typeface="Kalinga"/>
+        <a:font script="Mlym" typeface="Kartika"/>
+        <a:font script="Laoo" typeface="DokChampa"/>
+        <a:font script="Sinh" typeface="Iskoola Pota"/>
+        <a:font script="Mong" typeface="Mongolian Baiti"/>
+        <a:font script="Viet" typeface="Times New Roman"/>
+        <a:font script="Uigh" typeface="Microsoft Uighur"/>
+        <a:font script="Geor" typeface="Sylfaen"/>
+        <a:font script="Armn" typeface="Arial"/>
+        <a:font script="Bugi" typeface="Leelawadee UI"/>
+        <a:font script="Bopo" typeface="Microsoft JhengHei"/>
+        <a:font script="Java" typeface="Javanese Text"/>
+        <a:font script="Lisu" typeface="Segoe UI"/>
+        <a:font script="Mymr" typeface="Myanmar Text"/>
+        <a:font script="Nkoo" typeface="Ebrima"/>
+        <a:font script="Olck" typeface="Nirmala UI"/>
+        <a:font script="Osma" typeface="Ebrima"/>
+        <a:font script="Phag" typeface="Phagspa"/>
+        <a:font script="Syrn" typeface="Estrangelo Edessa"/>
+        <a:font script="Syrj" typeface="Estrangelo Edessa"/>
+        <a:font script="Syre" typeface="Estrangelo Edessa"/>
+        <a:font script="Sora" typeface="Nirmala UI"/>
+        <a:font script="Tale" typeface="Microsoft Tai Le"/>
+        <a:font script="Talu" typeface="Microsoft New Tai Lue"/>
+        <a:font script="Tfng" typeface="Ebrima"/>
+      </a:majorFont>
+      <a:minorFont>
+        <a:latin typeface="Aptos" panose="02110004020202020204"/>
+        <a:ea typeface=""/>
+        <a:cs typeface=""/>
+        <a:font script="Jpan" typeface="游ゴシック"/>
+        <a:font script="Hang" typeface="맑은 고딕"/>
+        <a:font script="Hans" typeface="等线"/>
+        <a:font script="Hant" typeface="新細明體"/>
+        <a:font script="Arab" typeface="Arial"/>
+        <a:font script="Hebr" typeface="Arial"/>
+        <a:font script="Thai" typeface="Cordia New"/>
+        <a:font script="Ethi" typeface="Nyala"/>
+        <a:font script="Beng" typeface="Vrinda"/>
+        <a:font script="Gujr" typeface="Shruti"/>
+        <a:font script="Khmr" typeface="DaunPenh"/>
+        <a:font script="Knda" typeface="Tunga"/>
+        <a:font script="Guru" typeface="Raavi"/>
+        <a:font script="Cans" typeface="Euphemia"/>
+        <a:font script="Cher" typeface="Plantagenet Cherokee"/>
+        <a:font script="Yiii" typeface="Microsoft Yi Baiti"/>
+        <a:font script="Tibt" typeface="Microsoft Himalaya"/>
+        <a:font script="Thaa" typeface="MV Boli"/>
+        <a:font script="Deva" typeface="Mangal"/>
+        <a:font script="Telu" typeface="Gautami"/>
+        <a:font script="Taml" typeface="Latha"/>
+        <a:font script="Syrc" typeface="Estrangelo Edessa"/>
+        <a:font script="Orya" typeface="Kalinga"/>
+        <a:font script="Mlym" typeface="Kartika"/>
+        <a:font script="Laoo" typeface="DokChampa"/>
+        <a:font script="Sinh" typeface="Iskoola Pota"/>
+        <a:font script="Mong" typeface="Mongolian Baiti"/>
+        <a:font script="Viet" typeface="Arial"/>
+        <a:font script="Uigh" typeface="Microsoft Uighur"/>
+        <a:font script="Geor" typeface="Sylfaen"/>
+        <a:font script="Armn" typeface="Arial"/>
+        <a:font script="Bugi" typeface="Leelawadee UI"/>
+        <a:font script="Bopo" typeface="Microsoft JhengHei"/>
+        <a:font script="Java" typeface="Javanese Text"/>
+        <a:font script="Lisu" typeface="Segoe UI"/>
+        <a:font script="Mymr" typeface="Myanmar Text"/>
+        <a:font script="Nkoo" typeface="Ebrima"/>
+        <a:font script="Olck" typeface="Nirmala UI"/>
+        <a:font script="Osma" typeface="Ebrima"/>
+        <a:font script="Phag" typeface="Phagspa"/>
+        <a:font script="Syrn" typeface="Estrangelo Edessa"/>
+        <a:font script="Syrj" typeface="Estrangelo Edessa"/>
+        <a:font script="Syre" typeface="Estrangelo Edessa"/>
+        <a:font script="Sora" typeface="Nirmala UI"/>
+        <a:font script="Tale" typeface="Microsoft Tai Le"/>
+        <a:font script="Talu" typeface="Microsoft New Tai Lue"/>
+        <a:font script="Tfng" typeface="Ebrima"/>
+      </a:minorFont>
+    </a:fontScheme>
+    <a:fmtScheme name="Office">
+      <a:fillStyleLst>
+        <a:solidFill>
+          <a:schemeClr val="phClr"/>
+        </a:solidFill>
+        <a:gradFill rotWithShape="1">
+          <a:gsLst>
+            <a:gs pos="0">
+              <a:schemeClr val="phClr">
+                <a:lumMod val="110000"/>
+                <a:satMod val="105000"/>
+                <a:tint val="67000"/>
+              </a:schemeClr>
+            </a:gs>
+            <a:gs pos="50000">
+              <a:schemeClr val="phClr">
+                <a:lumMod val="105000"/>
+                <a:satMod val="103000"/>
+                <a:tint val="73000"/>
+              </a:schemeClr>
+            </a:gs>
+            <a:gs pos="100000">
+              <a:schemeClr val="phClr">
+                <a:lumMod val="105000"/>
+                <a:satMod val="109000"/>
+                <a:tint val="81000"/>
+              </a:schemeClr>
+            </a:gs>
+          </a:gsLst>
+          <a:lin ang="5400000" scaled="0"/>
+        </a:gradFill>
+        <a:gradFill rotWithShape="1">
+          <a:gsLst>
+            <a:gs pos="0">
+              <a:schemeClr val="phClr">
+                <a:satMod val="103000"/>
+                <a:lumMod val="102000"/>
+                <a:tint val="94000"/>
+              </a:schemeClr>
+            </a:gs>
+            <a:gs pos="50000">
+              <a:schemeClr val="phClr">
+                <a:satMod val="110000"/>
+                <a:lumMod val="100000"/>
+                <a:shade val="100000"/>
+              </a:schemeClr>
+            </a:gs>
+            <a:gs pos="100000">
+              <a:schemeClr val="phClr">
+                <a:lumMod val="99000"/>
+                <a:satMod val="120000"/>
+                <a:shade val="78000"/>
+              </a:schemeClr>
+            </a:gs>
+          </a:gsLst>
+          <a:lin ang="5400000" scaled="0"/>
+        </a:gradFill>
+      </a:fillStyleLst>
+      <a:lnStyleLst>
+        <a:ln w="12700" cap="flat" cmpd="sng" algn="ctr">
+          <a:solidFill>
+            <a:schemeClr val="phClr"/>
+          </a:solidFill>
+          <a:prstDash val="solid"/>
+          <a:miter lim="800000"/>
+        </a:ln>
+        <a:ln w="19050" cap="flat" cmpd="sng" algn="ctr">
+          <a:solidFill>
+            <a:schemeClr val="phClr"/>
+          </a:solidFill>
+          <a:prstDash val="solid"/>
+          <a:miter lim="800000"/>
+        </a:ln>
+        <a:ln w="25400" cap="flat" cmpd="sng" algn="ctr">
+          <a:solidFill>
+            <a:schemeClr val="phClr"/>
+          </a:solidFill>
+          <a:prstDash val="solid"/>
+          <a:miter lim="800000"/>
+        </a:ln>
+      </a:lnStyleLst>
+      <a:effectStyleLst>
+        <a:effectStyle>
+          <a:effectLst/>
+        </a:effectStyle>
+        <a:effectStyle>
+          <a:effectLst/>
+        </a:effectStyle>
+        <a:effectStyle>
+          <a:effectLst>
+            <a:outerShdw blurRad="57150" dist="19050" dir="5400000" algn="ctr" rotWithShape="0">
+              <a:srgbClr val="000000">
+                <a:alpha val="63000"/>
+              </a:srgbClr>
+            </a:outerShdw>
+          </a:effectLst>
+        </a:effectStyle>
+      </a:effectStyleLst>
+      <a:bgFillStyleLst>
+        <a:solidFill>
+          <a:schemeClr val="phClr"/>
+        </a:solidFill>
+        <a:solidFill>
+          <a:schemeClr val="phClr">
+            <a:tint val="95000"/>
+            <a:satMod val="170000"/>
+          </a:schemeClr>
+        </a:solidFill>
+        <a:gradFill rotWithShape="1">
+          <a:gsLst>
+            <a:gs pos="0">
+              <a:schemeClr val="phClr">
+                <a:tint val="93000"/>
+                <a:satMod val="150000"/>
+                <a:shade val="98000"/>
+                <a:lumMod val="102000"/>
+              </a:schemeClr>
+            </a:gs>
+            <a:gs pos="50000">
+              <a:schemeClr val="phClr">
+                <a:tint val="98000"/>
+                <a:satMod val="130000"/>
+                <a:shade val="90000"/>
+                <a:lumMod val="103000"/>
+              </a:schemeClr>
+            </a:gs>
+            <a:gs pos="100000">
+              <a:schemeClr val="phClr">
+                <a:shade val="63000"/>
+                <a:satMod val="120000"/>
+              </a:schemeClr>
+            </a:gs>
+          </a:gsLst>
+          <a:lin ang="5400000" scaled="0"/>
+        </a:gradFill>
+      </a:bgFillStyleLst>
+    </a:fmtScheme>
+  </a:themeElements>
+  <a:objectDefaults>
+    <a:lnDef>
+      <a:spPr/>
+      <a:bodyPr/>
+      <a:lstStyle/>
+      <a:style>
+        <a:lnRef idx="2">
+          <a:schemeClr val="accent1"/>
+        </a:lnRef>
+        <a:fillRef idx="0">
+          <a:schemeClr val="accent1"/>
+        </a:fillRef>
+        <a:effectRef idx="1">
+          <a:schemeClr val="accent1"/>
+        </a:effectRef>
+        <a:fontRef idx="minor">
+          <a:schemeClr val="tx1"/>
+        </a:fontRef>
+      </a:style>
+    </a:lnDef>
+  </a:objectDefaults>
+  <a:extraClrSchemeLst/>
+  <a:extLst>
+    <a:ext uri="{05A4C25C-085E-4340-85A3-A5531E510DB2}">
+      <thm15:themeFamily xmlns:thm15="http://schemas.microsoft.com/office/thememl/2012/main" name="Office Theme" id="{2E142A2C-CD16-42D6-873A-C26D2A0506FA}" vid="{1BDDFF52-6CD6-40A5-AB3C-68EB2F1E4D0A}"/>
+    </a:ext>
+  </a:extLst>
+</a:theme>
 </file>